--- a/Ionospheric Outflow/PAD_architecture.pptx
+++ b/Ionospheric Outflow/PAD_architecture.pptx
@@ -6,6 +6,8 @@
   </p:sldMasterIdLst>
   <p:sldIdLst>
     <p:sldId id="256" r:id="rId2"/>
+    <p:sldId id="257" r:id="rId3"/>
+    <p:sldId id="258" r:id="rId4"/>
   </p:sldIdLst>
   <p:sldSz cx="9144000" cy="6858000" type="screen4x3"/>
   <p:notesSz cx="6858000" cy="9144000"/>
@@ -289,7 +291,7 @@
             <a:fld id="{2715CDE2-1788-4E6D-A4F8-5F142C8D2636}" type="datetimeFigureOut">
               <a:rPr lang="en-US" smtClean="0"/>
               <a:pPr/>
-              <a:t>10/11/2016</a:t>
+              <a:t>11/21/2016</a:t>
             </a:fld>
             <a:endParaRPr lang="en-US"/>
           </a:p>
@@ -456,7 +458,7 @@
             <a:fld id="{2715CDE2-1788-4E6D-A4F8-5F142C8D2636}" type="datetimeFigureOut">
               <a:rPr lang="en-US" smtClean="0"/>
               <a:pPr/>
-              <a:t>10/11/2016</a:t>
+              <a:t>11/21/2016</a:t>
             </a:fld>
             <a:endParaRPr lang="en-US"/>
           </a:p>
@@ -633,7 +635,7 @@
             <a:fld id="{2715CDE2-1788-4E6D-A4F8-5F142C8D2636}" type="datetimeFigureOut">
               <a:rPr lang="en-US" smtClean="0"/>
               <a:pPr/>
-              <a:t>10/11/2016</a:t>
+              <a:t>11/21/2016</a:t>
             </a:fld>
             <a:endParaRPr lang="en-US"/>
           </a:p>
@@ -800,7 +802,7 @@
             <a:fld id="{2715CDE2-1788-4E6D-A4F8-5F142C8D2636}" type="datetimeFigureOut">
               <a:rPr lang="en-US" smtClean="0"/>
               <a:pPr/>
-              <a:t>10/11/2016</a:t>
+              <a:t>11/21/2016</a:t>
             </a:fld>
             <a:endParaRPr lang="en-US"/>
           </a:p>
@@ -1043,7 +1045,7 @@
             <a:fld id="{2715CDE2-1788-4E6D-A4F8-5F142C8D2636}" type="datetimeFigureOut">
               <a:rPr lang="en-US" smtClean="0"/>
               <a:pPr/>
-              <a:t>10/11/2016</a:t>
+              <a:t>11/21/2016</a:t>
             </a:fld>
             <a:endParaRPr lang="en-US"/>
           </a:p>
@@ -1328,7 +1330,7 @@
             <a:fld id="{2715CDE2-1788-4E6D-A4F8-5F142C8D2636}" type="datetimeFigureOut">
               <a:rPr lang="en-US" smtClean="0"/>
               <a:pPr/>
-              <a:t>10/11/2016</a:t>
+              <a:t>11/21/2016</a:t>
             </a:fld>
             <a:endParaRPr lang="en-US"/>
           </a:p>
@@ -1747,7 +1749,7 @@
             <a:fld id="{2715CDE2-1788-4E6D-A4F8-5F142C8D2636}" type="datetimeFigureOut">
               <a:rPr lang="en-US" smtClean="0"/>
               <a:pPr/>
-              <a:t>10/11/2016</a:t>
+              <a:t>11/21/2016</a:t>
             </a:fld>
             <a:endParaRPr lang="en-US"/>
           </a:p>
@@ -1862,7 +1864,7 @@
             <a:fld id="{2715CDE2-1788-4E6D-A4F8-5F142C8D2636}" type="datetimeFigureOut">
               <a:rPr lang="en-US" smtClean="0"/>
               <a:pPr/>
-              <a:t>10/11/2016</a:t>
+              <a:t>11/21/2016</a:t>
             </a:fld>
             <a:endParaRPr lang="en-US"/>
           </a:p>
@@ -1954,7 +1956,7 @@
             <a:fld id="{2715CDE2-1788-4E6D-A4F8-5F142C8D2636}" type="datetimeFigureOut">
               <a:rPr lang="en-US" smtClean="0"/>
               <a:pPr/>
-              <a:t>10/11/2016</a:t>
+              <a:t>11/21/2016</a:t>
             </a:fld>
             <a:endParaRPr lang="en-US"/>
           </a:p>
@@ -2228,7 +2230,7 @@
             <a:fld id="{2715CDE2-1788-4E6D-A4F8-5F142C8D2636}" type="datetimeFigureOut">
               <a:rPr lang="en-US" smtClean="0"/>
               <a:pPr/>
-              <a:t>10/11/2016</a:t>
+              <a:t>11/21/2016</a:t>
             </a:fld>
             <a:endParaRPr lang="en-US"/>
           </a:p>
@@ -2478,7 +2480,7 @@
             <a:fld id="{2715CDE2-1788-4E6D-A4F8-5F142C8D2636}" type="datetimeFigureOut">
               <a:rPr lang="en-US" smtClean="0"/>
               <a:pPr/>
-              <a:t>10/11/2016</a:t>
+              <a:t>11/21/2016</a:t>
             </a:fld>
             <a:endParaRPr lang="en-US"/>
           </a:p>
@@ -2688,7 +2690,7 @@
             <a:fld id="{2715CDE2-1788-4E6D-A4F8-5F142C8D2636}" type="datetimeFigureOut">
               <a:rPr lang="en-US" smtClean="0"/>
               <a:pPr/>
-              <a:t>10/11/2016</a:t>
+              <a:t>11/21/2016</a:t>
             </a:fld>
             <a:endParaRPr lang="en-US"/>
           </a:p>
@@ -3067,8 +3069,8 @@
         </p:nvSpPr>
         <p:spPr>
           <a:xfrm>
-            <a:off x="3587240" y="609600"/>
-            <a:ext cx="1219200" cy="685800"/>
+            <a:off x="5638800" y="76200"/>
+            <a:ext cx="1453640" cy="1066800"/>
           </a:xfrm>
           <a:prstGeom prst="cube">
             <a:avLst>
@@ -3132,12 +3134,41 @@
               </a:rPr>
               <a:t>:</a:t>
             </a:r>
+            <a:endParaRPr lang="en-US" sz="900" u="sng" dirty="0" smtClean="0">
+              <a:solidFill>
+                <a:schemeClr val="tx1"/>
+              </a:solidFill>
+            </a:endParaRPr>
           </a:p>
           <a:p>
             <a:pPr>
               <a:buFont typeface="Arial" pitchFamily="34" charset="0"/>
               <a:buChar char="•"/>
             </a:pPr>
+            <a:r>
+              <a:rPr lang="en-US" sz="900" b="1" i="1" dirty="0" err="1" smtClean="0">
+                <a:solidFill>
+                  <a:schemeClr val="tx1"/>
+                </a:solidFill>
+              </a:rPr>
+              <a:t>c</a:t>
+            </a:r>
+            <a:r>
+              <a:rPr lang="en-US" sz="900" b="1" i="1" dirty="0" err="1" smtClean="0">
+                <a:solidFill>
+                  <a:schemeClr val="tx1"/>
+                </a:solidFill>
+              </a:rPr>
+              <a:t>df_fh</a:t>
+            </a:r>
+            <a:r>
+              <a:rPr lang="en-US" sz="900" b="1" i="1" dirty="0" smtClean="0">
+                <a:solidFill>
+                  <a:schemeClr val="tx1"/>
+                </a:solidFill>
+              </a:rPr>
+              <a:t>            </a:t>
+            </a:r>
             <a:r>
               <a:rPr lang="en-US" sz="900" b="1" i="1" dirty="0" err="1" smtClean="0">
                 <a:solidFill>
@@ -3158,12 +3189,72 @@
               <a:buChar char="•"/>
             </a:pPr>
             <a:r>
+              <a:rPr lang="en-US" sz="900" b="1" i="1" dirty="0" smtClean="0">
+                <a:solidFill>
+                  <a:schemeClr val="tx1"/>
+                </a:solidFill>
+              </a:rPr>
+              <a:t>MMS              </a:t>
+            </a:r>
+            <a:r>
               <a:rPr lang="en-US" sz="900" b="1" i="1" dirty="0" err="1" smtClean="0">
                 <a:solidFill>
                   <a:schemeClr val="tx1"/>
                 </a:solidFill>
               </a:rPr>
-              <a:t>FS_parms</a:t>
+              <a:t>FS_params</a:t>
+            </a:r>
+            <a:endParaRPr lang="en-US" sz="900" b="1" i="1" dirty="0" smtClean="0">
+              <a:solidFill>
+                <a:schemeClr val="tx1"/>
+              </a:solidFill>
+            </a:endParaRPr>
+          </a:p>
+          <a:p>
+            <a:pPr>
+              <a:buFont typeface="Arial" pitchFamily="34" charset="0"/>
+              <a:buChar char="•"/>
+            </a:pPr>
+            <a:r>
+              <a:rPr lang="en-US" sz="900" b="1" i="1" dirty="0" smtClean="0">
+                <a:solidFill>
+                  <a:schemeClr val="tx1"/>
+                </a:solidFill>
+              </a:rPr>
+              <a:t>Species</a:t>
+            </a:r>
+          </a:p>
+          <a:p>
+            <a:pPr>
+              <a:buFont typeface="Arial" pitchFamily="34" charset="0"/>
+              <a:buChar char="•"/>
+            </a:pPr>
+            <a:r>
+              <a:rPr lang="en-US" sz="900" b="1" i="1" dirty="0" err="1" smtClean="0">
+                <a:solidFill>
+                  <a:schemeClr val="tx1"/>
+                </a:solidFill>
+              </a:rPr>
+              <a:t>corrections_on</a:t>
+            </a:r>
+            <a:endParaRPr lang="en-US" sz="900" b="1" i="1" dirty="0" smtClean="0">
+              <a:solidFill>
+                <a:schemeClr val="tx1"/>
+              </a:solidFill>
+            </a:endParaRPr>
+          </a:p>
+          <a:p>
+            <a:pPr>
+              <a:buFont typeface="Arial" pitchFamily="34" charset="0"/>
+              <a:buChar char="•"/>
+            </a:pPr>
+            <a:r>
+              <a:rPr lang="en-US" sz="900" b="1" i="1" dirty="0" err="1" smtClean="0">
+                <a:solidFill>
+                  <a:schemeClr val="tx1"/>
+                </a:solidFill>
+              </a:rPr>
+              <a:t>correction_override</a:t>
             </a:r>
             <a:endParaRPr lang="en-US" sz="900" b="1" i="1" dirty="0">
               <a:solidFill>
@@ -3181,7 +3272,7 @@
         </p:nvSpPr>
         <p:spPr>
           <a:xfrm>
-            <a:off x="5715000" y="76200"/>
+            <a:off x="8001000" y="38100"/>
             <a:ext cx="1066800" cy="990600"/>
           </a:xfrm>
           <a:prstGeom prst="can">
@@ -3450,7 +3541,7 @@
         </p:nvSpPr>
         <p:spPr>
           <a:xfrm>
-            <a:off x="5715000" y="1143000"/>
+            <a:off x="8001000" y="1073150"/>
             <a:ext cx="1066800" cy="762000"/>
           </a:xfrm>
           <a:prstGeom prst="can">
@@ -3559,8 +3650,557 @@
         </p:nvSpPr>
         <p:spPr>
           <a:xfrm>
-            <a:off x="5715000" y="2183424"/>
-            <a:ext cx="1066800" cy="990600"/>
+            <a:off x="6324600" y="2617176"/>
+            <a:ext cx="1066800" cy="888024"/>
+          </a:xfrm>
+          <a:prstGeom prst="can">
+            <a:avLst>
+              <a:gd name="adj" fmla="val 17949"/>
+            </a:avLst>
+          </a:prstGeom>
+          <a:solidFill>
+            <a:schemeClr val="accent4">
+              <a:lumMod val="20000"/>
+              <a:lumOff val="80000"/>
+            </a:schemeClr>
+          </a:solidFill>
+          <a:ln>
+            <a:solidFill>
+              <a:schemeClr val="accent4">
+                <a:lumMod val="50000"/>
+              </a:schemeClr>
+            </a:solidFill>
+          </a:ln>
+        </p:spPr>
+        <p:style>
+          <a:lnRef idx="2">
+            <a:schemeClr val="accent1">
+              <a:shade val="50000"/>
+            </a:schemeClr>
+          </a:lnRef>
+          <a:fillRef idx="1">
+            <a:schemeClr val="accent1"/>
+          </a:fillRef>
+          <a:effectRef idx="0">
+            <a:schemeClr val="accent1"/>
+          </a:effectRef>
+          <a:fontRef idx="minor">
+            <a:schemeClr val="lt1"/>
+          </a:fontRef>
+        </p:style>
+        <p:txBody>
+          <a:bodyPr wrap="none" lIns="91440" tIns="0" rIns="0" bIns="0" rtlCol="0" anchor="t" anchorCtr="0"/>
+          <a:lstStyle/>
+          <a:p>
+            <a:r>
+              <a:rPr lang="en-US" sz="900" b="1" i="1" u="sng" dirty="0" smtClean="0">
+                <a:solidFill>
+                  <a:schemeClr val="tx1"/>
+                </a:solidFill>
+              </a:rPr>
+              <a:t>B</a:t>
+            </a:r>
+            <a:r>
+              <a:rPr lang="en-US" sz="900" u="sng" dirty="0" smtClean="0">
+                <a:solidFill>
+                  <a:schemeClr val="tx1"/>
+                </a:solidFill>
+              </a:rPr>
+              <a:t>:</a:t>
+            </a:r>
+          </a:p>
+          <a:p>
+            <a:pPr>
+              <a:buFont typeface="Arial" pitchFamily="34" charset="0"/>
+              <a:buChar char="•"/>
+            </a:pPr>
+            <a:r>
+              <a:rPr lang="en-US" sz="900" dirty="0" err="1" smtClean="0">
+                <a:solidFill>
+                  <a:schemeClr val="tx1"/>
+                </a:solidFill>
+              </a:rPr>
+              <a:t>Bx</a:t>
+            </a:r>
+            <a:r>
+              <a:rPr lang="en-US" sz="900" dirty="0" smtClean="0">
+                <a:solidFill>
+                  <a:schemeClr val="tx1"/>
+                </a:solidFill>
+              </a:rPr>
+              <a:t> - k</a:t>
+            </a:r>
+          </a:p>
+          <a:p>
+            <a:pPr>
+              <a:buFont typeface="Arial" pitchFamily="34" charset="0"/>
+              <a:buChar char="•"/>
+            </a:pPr>
+            <a:r>
+              <a:rPr lang="en-US" sz="900" dirty="0" smtClean="0">
+                <a:solidFill>
+                  <a:schemeClr val="tx1"/>
+                </a:solidFill>
+              </a:rPr>
+              <a:t>By - k</a:t>
+            </a:r>
+          </a:p>
+          <a:p>
+            <a:pPr>
+              <a:buFont typeface="Arial" pitchFamily="34" charset="0"/>
+              <a:buChar char="•"/>
+            </a:pPr>
+            <a:r>
+              <a:rPr lang="en-US" sz="900" dirty="0" err="1" smtClean="0">
+                <a:solidFill>
+                  <a:schemeClr val="tx1"/>
+                </a:solidFill>
+              </a:rPr>
+              <a:t>Bz</a:t>
+            </a:r>
+            <a:r>
+              <a:rPr lang="en-US" sz="900" dirty="0" smtClean="0">
+                <a:solidFill>
+                  <a:schemeClr val="tx1"/>
+                </a:solidFill>
+              </a:rPr>
+              <a:t> – k</a:t>
+            </a:r>
+          </a:p>
+          <a:p>
+            <a:pPr>
+              <a:buFont typeface="Arial" pitchFamily="34" charset="0"/>
+              <a:buChar char="•"/>
+            </a:pPr>
+            <a:r>
+              <a:rPr lang="en-US" sz="900" dirty="0" smtClean="0">
+                <a:solidFill>
+                  <a:schemeClr val="tx1"/>
+                </a:solidFill>
+              </a:rPr>
+              <a:t>B - k</a:t>
+            </a:r>
+          </a:p>
+        </p:txBody>
+      </p:sp>
+      <p:sp>
+        <p:nvSpPr>
+          <p:cNvPr id="11" name="Cube 10"/>
+          <p:cNvSpPr/>
+          <p:nvPr/>
+        </p:nvSpPr>
+        <p:spPr>
+          <a:xfrm>
+            <a:off x="4120640" y="2590800"/>
+            <a:ext cx="1371600" cy="914400"/>
+          </a:xfrm>
+          <a:prstGeom prst="cube">
+            <a:avLst>
+              <a:gd name="adj" fmla="val 9135"/>
+            </a:avLst>
+          </a:prstGeom>
+          <a:solidFill>
+            <a:schemeClr val="accent6">
+              <a:lumMod val="60000"/>
+              <a:lumOff val="40000"/>
+            </a:schemeClr>
+          </a:solidFill>
+          <a:ln>
+            <a:solidFill>
+              <a:schemeClr val="accent6">
+                <a:lumMod val="50000"/>
+              </a:schemeClr>
+            </a:solidFill>
+          </a:ln>
+        </p:spPr>
+        <p:style>
+          <a:lnRef idx="2">
+            <a:schemeClr val="accent1">
+              <a:shade val="50000"/>
+            </a:schemeClr>
+          </a:lnRef>
+          <a:fillRef idx="1">
+            <a:schemeClr val="accent1"/>
+          </a:fillRef>
+          <a:effectRef idx="0">
+            <a:schemeClr val="accent1"/>
+          </a:effectRef>
+          <a:fontRef idx="minor">
+            <a:schemeClr val="lt1"/>
+          </a:fontRef>
+        </p:style>
+        <p:txBody>
+          <a:bodyPr wrap="none" lIns="91440" tIns="0" rIns="0" bIns="0" rtlCol="0" anchor="t" anchorCtr="0"/>
+          <a:lstStyle/>
+          <a:p>
+            <a:endParaRPr lang="en-US" sz="900" u="sng" dirty="0" smtClean="0">
+              <a:solidFill>
+                <a:schemeClr val="tx1"/>
+              </a:solidFill>
+            </a:endParaRPr>
+          </a:p>
+          <a:p>
+            <a:r>
+              <a:rPr lang="en-US" sz="900" u="sng" dirty="0" err="1">
+                <a:solidFill>
+                  <a:schemeClr val="tx1"/>
+                </a:solidFill>
+              </a:rPr>
+              <a:t>f</a:t>
+            </a:r>
+            <a:r>
+              <a:rPr lang="en-US" sz="900" u="sng" dirty="0" err="1" smtClean="0">
+                <a:solidFill>
+                  <a:schemeClr val="tx1"/>
+                </a:solidFill>
+              </a:rPr>
+              <a:t>etch_magnetic_field</a:t>
+            </a:r>
+            <a:r>
+              <a:rPr lang="en-US" sz="900" u="sng" dirty="0" smtClean="0">
+                <a:solidFill>
+                  <a:schemeClr val="tx1"/>
+                </a:solidFill>
+              </a:rPr>
+              <a:t>:</a:t>
+            </a:r>
+          </a:p>
+          <a:p>
+            <a:pPr>
+              <a:buFont typeface="Arial" pitchFamily="34" charset="0"/>
+              <a:buChar char="•"/>
+            </a:pPr>
+            <a:r>
+              <a:rPr lang="en-US" sz="900" b="1" i="1" dirty="0" err="1" smtClean="0">
+                <a:solidFill>
+                  <a:schemeClr val="tx1"/>
+                </a:solidFill>
+              </a:rPr>
+              <a:t>cdf_fh</a:t>
+            </a:r>
+            <a:r>
+              <a:rPr lang="en-US" sz="900" b="1" i="1" dirty="0" smtClean="0">
+                <a:solidFill>
+                  <a:schemeClr val="tx1"/>
+                </a:solidFill>
+              </a:rPr>
+              <a:t> </a:t>
+            </a:r>
+            <a:r>
+              <a:rPr lang="en-US" sz="900" b="1" i="1" dirty="0" smtClean="0">
+                <a:solidFill>
+                  <a:schemeClr val="tx1"/>
+                </a:solidFill>
+              </a:rPr>
+              <a:t>         </a:t>
+            </a:r>
+            <a:r>
+              <a:rPr lang="en-US" sz="900" b="1" i="1" dirty="0" err="1" smtClean="0">
+                <a:solidFill>
+                  <a:schemeClr val="tx1"/>
+                </a:solidFill>
+              </a:rPr>
+              <a:t>B_field</a:t>
+            </a:r>
+            <a:endParaRPr lang="en-US" sz="900" b="1" i="1" dirty="0" smtClean="0">
+              <a:solidFill>
+                <a:schemeClr val="tx1"/>
+              </a:solidFill>
+            </a:endParaRPr>
+          </a:p>
+          <a:p>
+            <a:pPr>
+              <a:buFont typeface="Arial" pitchFamily="34" charset="0"/>
+              <a:buChar char="•"/>
+            </a:pPr>
+            <a:r>
+              <a:rPr lang="en-US" sz="900" b="1" i="1" dirty="0" smtClean="0">
+                <a:solidFill>
+                  <a:schemeClr val="tx1"/>
+                </a:solidFill>
+              </a:rPr>
+              <a:t>MMS</a:t>
+            </a:r>
+          </a:p>
+          <a:p>
+            <a:pPr>
+              <a:buFont typeface="Arial" pitchFamily="34" charset="0"/>
+              <a:buChar char="•"/>
+            </a:pPr>
+            <a:r>
+              <a:rPr lang="en-US" sz="900" b="1" i="1" dirty="0" smtClean="0">
+                <a:solidFill>
+                  <a:schemeClr val="tx1"/>
+                </a:solidFill>
+              </a:rPr>
+              <a:t>Species</a:t>
+            </a:r>
+          </a:p>
+          <a:p>
+            <a:pPr>
+              <a:buFont typeface="Arial" pitchFamily="34" charset="0"/>
+              <a:buChar char="•"/>
+            </a:pPr>
+            <a:r>
+              <a:rPr lang="en-US" sz="900" b="1" i="1" dirty="0" smtClean="0">
+                <a:solidFill>
+                  <a:schemeClr val="tx1"/>
+                </a:solidFill>
+              </a:rPr>
+              <a:t>source = “DEBUG”</a:t>
+            </a:r>
+            <a:endParaRPr lang="en-US" sz="900" b="1" i="1" dirty="0" smtClean="0">
+              <a:solidFill>
+                <a:schemeClr val="tx1"/>
+              </a:solidFill>
+            </a:endParaRPr>
+          </a:p>
+        </p:txBody>
+      </p:sp>
+      <p:sp>
+        <p:nvSpPr>
+          <p:cNvPr id="12" name="Cube 11"/>
+          <p:cNvSpPr/>
+          <p:nvPr/>
+        </p:nvSpPr>
+        <p:spPr>
+          <a:xfrm>
+            <a:off x="1371600" y="2133600"/>
+            <a:ext cx="1524000" cy="1371600"/>
+          </a:xfrm>
+          <a:prstGeom prst="cube">
+            <a:avLst>
+              <a:gd name="adj" fmla="val 9135"/>
+            </a:avLst>
+          </a:prstGeom>
+          <a:solidFill>
+            <a:schemeClr val="accent6">
+              <a:lumMod val="60000"/>
+              <a:lumOff val="40000"/>
+            </a:schemeClr>
+          </a:solidFill>
+          <a:ln>
+            <a:solidFill>
+              <a:schemeClr val="accent6">
+                <a:lumMod val="50000"/>
+              </a:schemeClr>
+            </a:solidFill>
+          </a:ln>
+        </p:spPr>
+        <p:style>
+          <a:lnRef idx="2">
+            <a:schemeClr val="accent1">
+              <a:shade val="50000"/>
+            </a:schemeClr>
+          </a:lnRef>
+          <a:fillRef idx="1">
+            <a:schemeClr val="accent1"/>
+          </a:fillRef>
+          <a:effectRef idx="0">
+            <a:schemeClr val="accent1"/>
+          </a:effectRef>
+          <a:fontRef idx="minor">
+            <a:schemeClr val="lt1"/>
+          </a:fontRef>
+        </p:style>
+        <p:txBody>
+          <a:bodyPr wrap="none" lIns="91440" tIns="0" rIns="0" bIns="0" rtlCol="0" anchor="t" anchorCtr="0"/>
+          <a:lstStyle/>
+          <a:p>
+            <a:endParaRPr lang="en-US" sz="900" u="sng" dirty="0" smtClean="0">
+              <a:solidFill>
+                <a:schemeClr val="tx1"/>
+              </a:solidFill>
+            </a:endParaRPr>
+          </a:p>
+          <a:p>
+            <a:r>
+              <a:rPr lang="en-US" sz="900" u="sng" dirty="0" err="1" smtClean="0">
+                <a:solidFill>
+                  <a:schemeClr val="tx1"/>
+                </a:solidFill>
+              </a:rPr>
+              <a:t>load_e_data</a:t>
+            </a:r>
+            <a:r>
+              <a:rPr lang="en-US" sz="900" u="sng" dirty="0" smtClean="0">
+                <a:solidFill>
+                  <a:schemeClr val="tx1"/>
+                </a:solidFill>
+              </a:rPr>
+              <a:t>:</a:t>
+            </a:r>
+          </a:p>
+          <a:p>
+            <a:pPr>
+              <a:buFont typeface="Arial" pitchFamily="34" charset="0"/>
+              <a:buChar char="•"/>
+            </a:pPr>
+            <a:r>
+              <a:rPr lang="en-US" sz="900" b="1" i="1" dirty="0" err="1" smtClean="0">
+                <a:solidFill>
+                  <a:schemeClr val="tx1"/>
+                </a:solidFill>
+              </a:rPr>
+              <a:t>cdf_fh</a:t>
+            </a:r>
+            <a:r>
+              <a:rPr lang="en-US" sz="900" b="1" i="1" dirty="0" smtClean="0">
+                <a:solidFill>
+                  <a:schemeClr val="tx1"/>
+                </a:solidFill>
+              </a:rPr>
+              <a:t>         </a:t>
+            </a:r>
+            <a:r>
+              <a:rPr lang="en-US" sz="900" b="1" i="1" dirty="0" err="1" smtClean="0">
+                <a:solidFill>
+                  <a:schemeClr val="tx1"/>
+                </a:solidFill>
+              </a:rPr>
+              <a:t>core_data</a:t>
+            </a:r>
+            <a:endParaRPr lang="en-US" sz="900" b="1" i="1" dirty="0" smtClean="0">
+              <a:solidFill>
+                <a:schemeClr val="tx1"/>
+              </a:solidFill>
+            </a:endParaRPr>
+          </a:p>
+          <a:p>
+            <a:pPr>
+              <a:buFont typeface="Arial" pitchFamily="34" charset="0"/>
+              <a:buChar char="•"/>
+            </a:pPr>
+            <a:r>
+              <a:rPr lang="en-US" sz="900" b="1" i="1" dirty="0" smtClean="0">
+                <a:solidFill>
+                  <a:schemeClr val="tx1"/>
+                </a:solidFill>
+              </a:rPr>
+              <a:t>MMS</a:t>
+            </a:r>
+          </a:p>
+          <a:p>
+            <a:pPr>
+              <a:buFont typeface="Arial" pitchFamily="34" charset="0"/>
+              <a:buChar char="•"/>
+            </a:pPr>
+            <a:r>
+              <a:rPr lang="en-US" sz="900" b="1" i="1" dirty="0" smtClean="0">
+                <a:solidFill>
+                  <a:schemeClr val="tx1"/>
+                </a:solidFill>
+              </a:rPr>
+              <a:t>species</a:t>
+            </a:r>
+          </a:p>
+          <a:p>
+            <a:pPr>
+              <a:buFont typeface="Arial" pitchFamily="34" charset="0"/>
+              <a:buChar char="•"/>
+            </a:pPr>
+            <a:r>
+              <a:rPr lang="en-US" sz="900" b="1" i="1" dirty="0" err="1" smtClean="0">
+                <a:solidFill>
+                  <a:schemeClr val="tx1"/>
+                </a:solidFill>
+              </a:rPr>
+              <a:t>v</a:t>
+            </a:r>
+            <a:r>
+              <a:rPr lang="en-US" sz="900" b="1" i="1" dirty="0" err="1" smtClean="0">
+                <a:solidFill>
+                  <a:schemeClr val="tx1"/>
+                </a:solidFill>
+              </a:rPr>
+              <a:t>er</a:t>
+            </a:r>
+            <a:endParaRPr lang="en-US" sz="900" b="1" i="1" dirty="0" smtClean="0">
+              <a:solidFill>
+                <a:schemeClr val="tx1"/>
+              </a:solidFill>
+            </a:endParaRPr>
+          </a:p>
+          <a:p>
+            <a:pPr>
+              <a:buFont typeface="Arial" pitchFamily="34" charset="0"/>
+              <a:buChar char="•"/>
+            </a:pPr>
+            <a:r>
+              <a:rPr lang="en-US" sz="900" b="1" i="1" dirty="0" err="1" smtClean="0">
+                <a:solidFill>
+                  <a:schemeClr val="tx1"/>
+                </a:solidFill>
+              </a:rPr>
+              <a:t>c</a:t>
+            </a:r>
+            <a:r>
+              <a:rPr lang="en-US" sz="900" b="1" i="1" dirty="0" err="1" smtClean="0">
+                <a:solidFill>
+                  <a:schemeClr val="tx1"/>
+                </a:solidFill>
+              </a:rPr>
+              <a:t>orrections_on</a:t>
+            </a:r>
+            <a:endParaRPr lang="en-US" sz="900" b="1" i="1" dirty="0" smtClean="0">
+              <a:solidFill>
+                <a:schemeClr val="tx1"/>
+              </a:solidFill>
+            </a:endParaRPr>
+          </a:p>
+          <a:p>
+            <a:pPr>
+              <a:buFont typeface="Arial" pitchFamily="34" charset="0"/>
+              <a:buChar char="•"/>
+            </a:pPr>
+            <a:r>
+              <a:rPr lang="en-US" sz="900" b="1" i="1" dirty="0" err="1" smtClean="0">
+                <a:solidFill>
+                  <a:schemeClr val="tx1"/>
+                </a:solidFill>
+              </a:rPr>
+              <a:t>correction_override</a:t>
+            </a:r>
+            <a:r>
+              <a:rPr lang="en-US" sz="900" b="1" i="1" dirty="0" smtClean="0">
+                <a:solidFill>
+                  <a:schemeClr val="tx1"/>
+                </a:solidFill>
+              </a:rPr>
+              <a:t> = 0</a:t>
+            </a:r>
+          </a:p>
+          <a:p>
+            <a:pPr>
+              <a:buFont typeface="Arial" pitchFamily="34" charset="0"/>
+              <a:buChar char="•"/>
+            </a:pPr>
+            <a:r>
+              <a:rPr lang="en-US" sz="900" b="1" i="1" dirty="0" smtClean="0">
+                <a:solidFill>
+                  <a:schemeClr val="tx1"/>
+                </a:solidFill>
+              </a:rPr>
+              <a:t>source = “DEBUG”</a:t>
+            </a:r>
+            <a:endParaRPr lang="en-US" sz="900" b="1" i="1" dirty="0" smtClean="0">
+              <a:solidFill>
+                <a:schemeClr val="tx1"/>
+              </a:solidFill>
+            </a:endParaRPr>
+          </a:p>
+        </p:txBody>
+      </p:sp>
+      <p:sp>
+        <p:nvSpPr>
+          <p:cNvPr id="13" name="Can 12"/>
+          <p:cNvSpPr/>
+          <p:nvPr/>
+        </p:nvSpPr>
+        <p:spPr>
+          <a:xfrm>
+            <a:off x="1515589" y="4114800"/>
+            <a:ext cx="1116624" cy="1524000"/>
           </a:xfrm>
           <a:prstGeom prst="can">
             <a:avLst/>
@@ -3600,12 +4240,12 @@
           <a:lstStyle/>
           <a:p>
             <a:r>
-              <a:rPr lang="en-US" sz="900" b="1" i="1" u="sng" dirty="0" smtClean="0">
-                <a:solidFill>
-                  <a:schemeClr val="tx1"/>
-                </a:solidFill>
-              </a:rPr>
-              <a:t>B</a:t>
+              <a:rPr lang="en-US" sz="900" b="1" i="1" u="sng" dirty="0" err="1" smtClean="0">
+                <a:solidFill>
+                  <a:schemeClr val="tx1"/>
+                </a:solidFill>
+              </a:rPr>
+              <a:t>core_data</a:t>
             </a:r>
             <a:r>
               <a:rPr lang="en-US" sz="900" u="sng" dirty="0" smtClean="0">
@@ -3622,12 +4262,28 @@
               <a:buChar char="•"/>
             </a:pPr>
             <a:r>
+              <a:rPr lang="en-US" sz="900" b="1" i="1" dirty="0" err="1" smtClean="0">
+                <a:solidFill>
+                  <a:schemeClr val="tx1"/>
+                </a:solidFill>
+              </a:rPr>
+              <a:t>edist</a:t>
+            </a:r>
+            <a:r>
+              <a:rPr lang="en-US" sz="900" dirty="0" smtClean="0">
+                <a:solidFill>
+                  <a:schemeClr val="tx1"/>
+                </a:solidFill>
+              </a:rPr>
+              <a:t> –     </a:t>
+            </a:r>
+            <a:r>
               <a:rPr lang="en-US" sz="900" dirty="0" err="1" smtClean="0">
                 <a:solidFill>
                   <a:schemeClr val="tx1"/>
                 </a:solidFill>
               </a:rPr>
-              <a:t>Bx</a:t>
+              <a:t>FS_dist</a:t>
             </a:r>
             <a:r>
               <a:rPr lang="en-US" sz="900" dirty="0" smtClean="0">
@@ -3635,7 +4291,7 @@
                   <a:schemeClr val="tx1"/>
                 </a:solidFill>
               </a:rPr>
-              <a:t> - k</a:t>
+              <a:t>,</a:t>
             </a:r>
           </a:p>
           <a:p>
@@ -3644,12 +4300,44 @@
               <a:buChar char="•"/>
             </a:pPr>
             <a:r>
+              <a:rPr lang="en-US" sz="900" b="1" i="1" dirty="0" err="1">
+                <a:solidFill>
+                  <a:schemeClr val="tx1"/>
+                </a:solidFill>
+              </a:rPr>
+              <a:t>p</a:t>
+            </a:r>
+            <a:r>
+              <a:rPr lang="en-US" sz="900" b="1" i="1" dirty="0" err="1" smtClean="0">
+                <a:solidFill>
+                  <a:schemeClr val="tx1"/>
+                </a:solidFill>
+              </a:rPr>
+              <a:t>arms</a:t>
+            </a:r>
+            <a:r>
               <a:rPr lang="en-US" sz="900" dirty="0" smtClean="0">
                 <a:solidFill>
                   <a:schemeClr val="tx1"/>
                 </a:solidFill>
               </a:rPr>
-              <a:t>By - k</a:t>
+              <a:t> –  </a:t>
+            </a:r>
+            <a:r>
+              <a:rPr lang="en-US" sz="900" dirty="0" err="1" smtClean="0">
+                <a:solidFill>
+                  <a:schemeClr val="tx1"/>
+                </a:solidFill>
+              </a:rPr>
+              <a:t>FS_parms</a:t>
+            </a:r>
+            <a:r>
+              <a:rPr lang="en-US" sz="900" dirty="0" smtClean="0">
+                <a:solidFill>
+                  <a:schemeClr val="tx1"/>
+                </a:solidFill>
+              </a:rPr>
+              <a:t> </a:t>
             </a:r>
           </a:p>
           <a:p>
@@ -3658,12 +4346,28 @@
               <a:buChar char="•"/>
             </a:pPr>
             <a:r>
-              <a:rPr lang="en-US" sz="900" dirty="0" err="1" smtClean="0">
-                <a:solidFill>
-                  <a:schemeClr val="tx1"/>
-                </a:solidFill>
-              </a:rPr>
-              <a:t>Bz</a:t>
+              <a:rPr lang="en-US" sz="900" b="1" i="1" dirty="0" err="1">
+                <a:solidFill>
+                  <a:schemeClr val="tx1"/>
+                </a:solidFill>
+              </a:rPr>
+              <a:t>b</a:t>
+            </a:r>
+            <a:r>
+              <a:rPr lang="en-US" sz="900" b="1" i="1" dirty="0" err="1" smtClean="0">
+                <a:solidFill>
+                  <a:schemeClr val="tx1"/>
+                </a:solidFill>
+              </a:rPr>
+              <a:t>field</a:t>
+            </a:r>
+            <a:r>
+              <a:rPr lang="en-US" sz="900" b="1" i="1" dirty="0" smtClean="0">
+                <a:solidFill>
+                  <a:schemeClr val="tx1"/>
+                </a:solidFill>
+              </a:rPr>
+              <a:t> </a:t>
             </a:r>
             <a:r>
               <a:rPr lang="en-US" sz="900" dirty="0" smtClean="0">
@@ -3671,7 +4375,7 @@
                   <a:schemeClr val="tx1"/>
                 </a:solidFill>
               </a:rPr>
-              <a:t> – k</a:t>
+              <a:t>–   B</a:t>
             </a:r>
           </a:p>
           <a:p>
@@ -3680,25 +4384,4797 @@
               <a:buChar char="•"/>
             </a:pPr>
             <a:r>
+              <a:rPr lang="en-US" sz="900" b="1" i="1" dirty="0" err="1" smtClean="0">
+                <a:solidFill>
+                  <a:schemeClr val="tx1"/>
+                </a:solidFill>
+              </a:rPr>
+              <a:t>v_dirs</a:t>
+            </a:r>
+            <a:r>
               <a:rPr lang="en-US" sz="900" dirty="0" smtClean="0">
                 <a:solidFill>
                   <a:schemeClr val="tx1"/>
                 </a:solidFill>
               </a:rPr>
-              <a:t>B - k</a:t>
-            </a:r>
-          </a:p>
-        </p:txBody>
-      </p:sp>
-      <p:sp>
-        <p:nvSpPr>
-          <p:cNvPr id="11" name="Cube 10"/>
+              <a:t> –  v(</a:t>
+            </a:r>
+            <a:r>
+              <a:rPr lang="en-US" sz="900" dirty="0" smtClean="0">
+                <a:solidFill>
+                  <a:schemeClr val="tx1"/>
+                </a:solidFill>
+                <a:sym typeface="Symbol"/>
+              </a:rPr>
+              <a:t>,)</a:t>
+            </a:r>
+            <a:r>
+              <a:rPr lang="en-US" sz="900" dirty="0" smtClean="0">
+                <a:solidFill>
+                  <a:schemeClr val="tx1"/>
+                </a:solidFill>
+              </a:rPr>
+              <a:t> </a:t>
+            </a:r>
+          </a:p>
+          <a:p>
+            <a:pPr>
+              <a:buFont typeface="Arial" pitchFamily="34" charset="0"/>
+              <a:buChar char="•"/>
+            </a:pPr>
+            <a:r>
+              <a:rPr lang="en-US" sz="900" b="1" i="1" dirty="0" smtClean="0">
+                <a:solidFill>
+                  <a:schemeClr val="tx1"/>
+                </a:solidFill>
+              </a:rPr>
+              <a:t>counts</a:t>
+            </a:r>
+            <a:r>
+              <a:rPr lang="en-US" sz="900" dirty="0" smtClean="0">
+                <a:solidFill>
+                  <a:schemeClr val="tx1"/>
+                </a:solidFill>
+              </a:rPr>
+              <a:t> – counts</a:t>
+            </a:r>
+          </a:p>
+          <a:p>
+            <a:pPr>
+              <a:buFont typeface="Arial" pitchFamily="34" charset="0"/>
+              <a:buChar char="•"/>
+            </a:pPr>
+            <a:r>
+              <a:rPr lang="en-US" sz="900" b="1" i="1" dirty="0" err="1" smtClean="0">
+                <a:solidFill>
+                  <a:schemeClr val="tx1"/>
+                </a:solidFill>
+              </a:rPr>
+              <a:t>jN</a:t>
+            </a:r>
+            <a:r>
+              <a:rPr lang="en-US" sz="900" dirty="0" smtClean="0">
+                <a:solidFill>
+                  <a:schemeClr val="tx1"/>
+                </a:solidFill>
+              </a:rPr>
+              <a:t> –         </a:t>
+            </a:r>
+            <a:r>
+              <a:rPr lang="en-US" sz="900" dirty="0" err="1" smtClean="0">
+                <a:solidFill>
+                  <a:schemeClr val="tx1"/>
+                </a:solidFill>
+              </a:rPr>
+              <a:t>jN</a:t>
+            </a:r>
+            <a:endParaRPr lang="en-US" sz="900" dirty="0" smtClean="0">
+              <a:solidFill>
+                <a:schemeClr val="tx1"/>
+              </a:solidFill>
+            </a:endParaRPr>
+          </a:p>
+          <a:p>
+            <a:pPr>
+              <a:buFont typeface="Arial" pitchFamily="34" charset="0"/>
+              <a:buChar char="•"/>
+            </a:pPr>
+            <a:endParaRPr lang="en-US" sz="900" dirty="0" smtClean="0">
+              <a:solidFill>
+                <a:schemeClr val="tx1"/>
+              </a:solidFill>
+            </a:endParaRPr>
+          </a:p>
+        </p:txBody>
+      </p:sp>
+      <p:sp>
+        <p:nvSpPr>
+          <p:cNvPr id="14" name="Can 13"/>
           <p:cNvSpPr/>
           <p:nvPr/>
         </p:nvSpPr>
         <p:spPr>
           <a:xfrm>
-            <a:off x="3511040" y="2438400"/>
+            <a:off x="6324600" y="5372100"/>
+            <a:ext cx="1066800" cy="381000"/>
+          </a:xfrm>
+          <a:prstGeom prst="can">
+            <a:avLst/>
+          </a:prstGeom>
+          <a:solidFill>
+            <a:schemeClr val="accent4">
+              <a:lumMod val="20000"/>
+              <a:lumOff val="80000"/>
+            </a:schemeClr>
+          </a:solidFill>
+          <a:ln>
+            <a:solidFill>
+              <a:schemeClr val="accent4">
+                <a:lumMod val="50000"/>
+              </a:schemeClr>
+            </a:solidFill>
+          </a:ln>
+        </p:spPr>
+        <p:style>
+          <a:lnRef idx="2">
+            <a:schemeClr val="accent1">
+              <a:shade val="50000"/>
+            </a:schemeClr>
+          </a:lnRef>
+          <a:fillRef idx="1">
+            <a:schemeClr val="accent1"/>
+          </a:fillRef>
+          <a:effectRef idx="0">
+            <a:schemeClr val="accent1"/>
+          </a:effectRef>
+          <a:fontRef idx="minor">
+            <a:schemeClr val="lt1"/>
+          </a:fontRef>
+        </p:style>
+        <p:txBody>
+          <a:bodyPr wrap="none" lIns="91440" tIns="0" rIns="0" bIns="0" rtlCol="0" anchor="t" anchorCtr="0"/>
+          <a:lstStyle/>
+          <a:p>
+            <a:r>
+              <a:rPr lang="en-US" sz="900" dirty="0" smtClean="0">
+                <a:solidFill>
+                  <a:schemeClr val="tx1"/>
+                </a:solidFill>
+              </a:rPr>
+              <a:t>counts -  k,32,16,32</a:t>
+            </a:r>
+          </a:p>
+        </p:txBody>
+      </p:sp>
+      <p:sp>
+        <p:nvSpPr>
+          <p:cNvPr id="15" name="Can 14"/>
+          <p:cNvSpPr/>
+          <p:nvPr/>
+        </p:nvSpPr>
+        <p:spPr>
+          <a:xfrm>
+            <a:off x="6324600" y="4610100"/>
+            <a:ext cx="1066800" cy="381000"/>
+          </a:xfrm>
+          <a:prstGeom prst="can">
+            <a:avLst/>
+          </a:prstGeom>
+          <a:solidFill>
+            <a:schemeClr val="accent4">
+              <a:lumMod val="20000"/>
+              <a:lumOff val="80000"/>
+            </a:schemeClr>
+          </a:solidFill>
+          <a:ln>
+            <a:solidFill>
+              <a:schemeClr val="accent4">
+                <a:lumMod val="50000"/>
+              </a:schemeClr>
+            </a:solidFill>
+          </a:ln>
+        </p:spPr>
+        <p:style>
+          <a:lnRef idx="2">
+            <a:schemeClr val="accent1">
+              <a:shade val="50000"/>
+            </a:schemeClr>
+          </a:lnRef>
+          <a:fillRef idx="1">
+            <a:schemeClr val="accent1"/>
+          </a:fillRef>
+          <a:effectRef idx="0">
+            <a:schemeClr val="accent1"/>
+          </a:effectRef>
+          <a:fontRef idx="minor">
+            <a:schemeClr val="lt1"/>
+          </a:fontRef>
+        </p:style>
+        <p:txBody>
+          <a:bodyPr wrap="none" lIns="91440" tIns="0" rIns="0" bIns="0" rtlCol="0" anchor="t" anchorCtr="0"/>
+          <a:lstStyle/>
+          <a:p>
+            <a:r>
+              <a:rPr lang="en-US" sz="900" dirty="0" smtClean="0">
+                <a:solidFill>
+                  <a:schemeClr val="tx1"/>
+                </a:solidFill>
+              </a:rPr>
+              <a:t>v(</a:t>
+            </a:r>
+            <a:r>
+              <a:rPr lang="en-US" sz="900" dirty="0" smtClean="0">
+                <a:solidFill>
+                  <a:schemeClr val="tx1"/>
+                </a:solidFill>
+                <a:sym typeface="Symbol"/>
+              </a:rPr>
+              <a:t>,)</a:t>
+            </a:r>
+            <a:r>
+              <a:rPr lang="en-US" sz="900" dirty="0" smtClean="0">
+                <a:solidFill>
+                  <a:schemeClr val="tx1"/>
+                </a:solidFill>
+              </a:rPr>
+              <a:t> -  32,16,[3] </a:t>
+            </a:r>
+          </a:p>
+        </p:txBody>
+      </p:sp>
+      <p:sp>
+        <p:nvSpPr>
+          <p:cNvPr id="17" name="Can 16"/>
+          <p:cNvSpPr/>
+          <p:nvPr/>
+        </p:nvSpPr>
+        <p:spPr>
+          <a:xfrm>
+            <a:off x="6248400" y="5943600"/>
+            <a:ext cx="1066800" cy="609600"/>
+          </a:xfrm>
+          <a:prstGeom prst="can">
+            <a:avLst/>
+          </a:prstGeom>
+          <a:solidFill>
+            <a:schemeClr val="accent4">
+              <a:lumMod val="20000"/>
+              <a:lumOff val="80000"/>
+            </a:schemeClr>
+          </a:solidFill>
+          <a:ln>
+            <a:solidFill>
+              <a:schemeClr val="accent4">
+                <a:lumMod val="50000"/>
+              </a:schemeClr>
+            </a:solidFill>
+          </a:ln>
+        </p:spPr>
+        <p:style>
+          <a:lnRef idx="2">
+            <a:schemeClr val="accent1">
+              <a:shade val="50000"/>
+            </a:schemeClr>
+          </a:lnRef>
+          <a:fillRef idx="1">
+            <a:schemeClr val="accent1"/>
+          </a:fillRef>
+          <a:effectRef idx="0">
+            <a:schemeClr val="accent1"/>
+          </a:effectRef>
+          <a:fontRef idx="minor">
+            <a:schemeClr val="lt1"/>
+          </a:fontRef>
+        </p:style>
+        <p:txBody>
+          <a:bodyPr wrap="none" lIns="91440" tIns="0" rIns="0" bIns="0" rtlCol="0" anchor="t" anchorCtr="0"/>
+          <a:lstStyle/>
+          <a:p>
+            <a:r>
+              <a:rPr lang="en-US" sz="900" dirty="0" err="1" smtClean="0">
+                <a:solidFill>
+                  <a:schemeClr val="tx1"/>
+                </a:solidFill>
+              </a:rPr>
+              <a:t>jN</a:t>
+            </a:r>
+            <a:r>
+              <a:rPr lang="en-US" sz="900" dirty="0" smtClean="0">
+                <a:solidFill>
+                  <a:schemeClr val="tx1"/>
+                </a:solidFill>
+              </a:rPr>
+              <a:t> -  k,32,16,32</a:t>
+            </a:r>
+          </a:p>
+        </p:txBody>
+      </p:sp>
+      <p:sp>
+        <p:nvSpPr>
+          <p:cNvPr id="18" name="Cube 17"/>
+          <p:cNvSpPr/>
+          <p:nvPr/>
+        </p:nvSpPr>
+        <p:spPr>
+          <a:xfrm>
+            <a:off x="4273040" y="5321300"/>
+            <a:ext cx="1066800" cy="533400"/>
+          </a:xfrm>
+          <a:prstGeom prst="cube">
+            <a:avLst>
+              <a:gd name="adj" fmla="val 9135"/>
+            </a:avLst>
+          </a:prstGeom>
+          <a:solidFill>
+            <a:schemeClr val="accent6">
+              <a:lumMod val="60000"/>
+              <a:lumOff val="40000"/>
+            </a:schemeClr>
+          </a:solidFill>
+          <a:ln>
+            <a:solidFill>
+              <a:schemeClr val="accent6">
+                <a:lumMod val="50000"/>
+              </a:schemeClr>
+            </a:solidFill>
+          </a:ln>
+        </p:spPr>
+        <p:style>
+          <a:lnRef idx="2">
+            <a:schemeClr val="accent1">
+              <a:shade val="50000"/>
+            </a:schemeClr>
+          </a:lnRef>
+          <a:fillRef idx="1">
+            <a:schemeClr val="accent1"/>
+          </a:fillRef>
+          <a:effectRef idx="0">
+            <a:schemeClr val="accent1"/>
+          </a:effectRef>
+          <a:fontRef idx="minor">
+            <a:schemeClr val="lt1"/>
+          </a:fontRef>
+        </p:style>
+        <p:txBody>
+          <a:bodyPr wrap="none" lIns="91440" tIns="0" rIns="0" bIns="0" rtlCol="0" anchor="t" anchorCtr="0"/>
+          <a:lstStyle/>
+          <a:p>
+            <a:endParaRPr lang="en-US" sz="900" u="sng" dirty="0" smtClean="0">
+              <a:solidFill>
+                <a:schemeClr val="tx1"/>
+              </a:solidFill>
+            </a:endParaRPr>
+          </a:p>
+          <a:p>
+            <a:r>
+              <a:rPr lang="en-US" sz="900" u="sng" dirty="0" err="1" smtClean="0">
+                <a:solidFill>
+                  <a:schemeClr val="tx1"/>
+                </a:solidFill>
+              </a:rPr>
+              <a:t>compute_counts</a:t>
+            </a:r>
+            <a:r>
+              <a:rPr lang="en-US" sz="900" u="sng" dirty="0" smtClean="0">
+                <a:solidFill>
+                  <a:schemeClr val="tx1"/>
+                </a:solidFill>
+              </a:rPr>
+              <a:t>:</a:t>
+            </a:r>
+          </a:p>
+          <a:p>
+            <a:pPr>
+              <a:buFont typeface="Arial" pitchFamily="34" charset="0"/>
+              <a:buChar char="•"/>
+            </a:pPr>
+            <a:r>
+              <a:rPr lang="en-US" sz="900" b="1" dirty="0" err="1" smtClean="0">
+                <a:solidFill>
+                  <a:schemeClr val="tx1"/>
+                </a:solidFill>
+              </a:rPr>
+              <a:t>FS_dist</a:t>
+            </a:r>
+            <a:r>
+              <a:rPr lang="en-US" sz="900" b="1" dirty="0" smtClean="0">
+                <a:solidFill>
+                  <a:schemeClr val="tx1"/>
+                </a:solidFill>
+              </a:rPr>
+              <a:t>        counts</a:t>
+            </a:r>
+            <a:endParaRPr lang="en-US" sz="900" b="1" dirty="0" smtClean="0">
+              <a:solidFill>
+                <a:schemeClr val="tx1"/>
+              </a:solidFill>
+            </a:endParaRPr>
+          </a:p>
+        </p:txBody>
+      </p:sp>
+      <p:sp>
+        <p:nvSpPr>
+          <p:cNvPr id="19" name="Cube 18"/>
+          <p:cNvSpPr/>
+          <p:nvPr/>
+        </p:nvSpPr>
+        <p:spPr>
+          <a:xfrm>
+            <a:off x="3815840" y="4559300"/>
+            <a:ext cx="2057400" cy="533400"/>
+          </a:xfrm>
+          <a:prstGeom prst="cube">
+            <a:avLst>
+              <a:gd name="adj" fmla="val 9135"/>
+            </a:avLst>
+          </a:prstGeom>
+          <a:solidFill>
+            <a:schemeClr val="accent6">
+              <a:lumMod val="60000"/>
+              <a:lumOff val="40000"/>
+            </a:schemeClr>
+          </a:solidFill>
+          <a:ln>
+            <a:solidFill>
+              <a:schemeClr val="accent6">
+                <a:lumMod val="50000"/>
+              </a:schemeClr>
+            </a:solidFill>
+          </a:ln>
+        </p:spPr>
+        <p:style>
+          <a:lnRef idx="2">
+            <a:schemeClr val="accent1">
+              <a:shade val="50000"/>
+            </a:schemeClr>
+          </a:lnRef>
+          <a:fillRef idx="1">
+            <a:schemeClr val="accent1"/>
+          </a:fillRef>
+          <a:effectRef idx="0">
+            <a:schemeClr val="accent1"/>
+          </a:effectRef>
+          <a:fontRef idx="minor">
+            <a:schemeClr val="lt1"/>
+          </a:fontRef>
+        </p:style>
+        <p:txBody>
+          <a:bodyPr wrap="none" lIns="91440" tIns="0" rIns="0" bIns="0" rtlCol="0" anchor="t" anchorCtr="0"/>
+          <a:lstStyle/>
+          <a:p>
+            <a:endParaRPr lang="en-US" sz="900" u="sng" dirty="0" smtClean="0">
+              <a:solidFill>
+                <a:schemeClr val="tx1"/>
+              </a:solidFill>
+            </a:endParaRPr>
+          </a:p>
+          <a:p>
+            <a:r>
+              <a:rPr lang="en-US" sz="900" u="sng" dirty="0" err="1" smtClean="0">
+                <a:solidFill>
+                  <a:schemeClr val="tx1"/>
+                </a:solidFill>
+              </a:rPr>
+              <a:t>calculate_incoming_particle_directions</a:t>
+            </a:r>
+            <a:r>
+              <a:rPr lang="en-US" sz="900" u="sng" dirty="0" smtClean="0">
+                <a:solidFill>
+                  <a:schemeClr val="tx1"/>
+                </a:solidFill>
+              </a:rPr>
+              <a:t>:</a:t>
+            </a:r>
+          </a:p>
+          <a:p>
+            <a:pPr>
+              <a:buFont typeface="Arial" pitchFamily="34" charset="0"/>
+              <a:buChar char="•"/>
+            </a:pPr>
+            <a:r>
+              <a:rPr lang="en-US" sz="900" b="1" dirty="0" err="1" smtClean="0">
+                <a:solidFill>
+                  <a:schemeClr val="tx1"/>
+                </a:solidFill>
+              </a:rPr>
+              <a:t>parms</a:t>
+            </a:r>
+            <a:r>
+              <a:rPr lang="en-US" sz="900" b="1" dirty="0" smtClean="0">
+                <a:solidFill>
+                  <a:schemeClr val="tx1"/>
+                </a:solidFill>
+              </a:rPr>
+              <a:t>	</a:t>
+            </a:r>
+            <a:r>
+              <a:rPr lang="en-US" sz="900" b="1" dirty="0" err="1" smtClean="0">
+                <a:solidFill>
+                  <a:schemeClr val="tx1"/>
+                </a:solidFill>
+              </a:rPr>
+              <a:t>v</a:t>
+            </a:r>
+            <a:r>
+              <a:rPr lang="en-US" sz="900" b="1" dirty="0" err="1" smtClean="0">
+                <a:solidFill>
+                  <a:schemeClr val="tx1"/>
+                </a:solidFill>
+              </a:rPr>
+              <a:t>_dirs</a:t>
+            </a:r>
+            <a:endParaRPr lang="en-US" sz="900" b="1" dirty="0" smtClean="0">
+              <a:solidFill>
+                <a:schemeClr val="tx1"/>
+              </a:solidFill>
+            </a:endParaRPr>
+          </a:p>
+        </p:txBody>
+      </p:sp>
+      <p:sp>
+        <p:nvSpPr>
+          <p:cNvPr id="21" name="Can 20"/>
+          <p:cNvSpPr/>
+          <p:nvPr/>
+        </p:nvSpPr>
+        <p:spPr>
+          <a:xfrm>
+            <a:off x="381000" y="2743200"/>
+            <a:ext cx="533400" cy="685800"/>
+          </a:xfrm>
+          <a:prstGeom prst="can">
+            <a:avLst/>
+          </a:prstGeom>
+          <a:solidFill>
+            <a:schemeClr val="accent3">
+              <a:lumMod val="60000"/>
+              <a:lumOff val="40000"/>
+            </a:schemeClr>
+          </a:solidFill>
+          <a:ln>
+            <a:solidFill>
+              <a:schemeClr val="accent3">
+                <a:lumMod val="50000"/>
+              </a:schemeClr>
+            </a:solidFill>
+          </a:ln>
+        </p:spPr>
+        <p:style>
+          <a:lnRef idx="2">
+            <a:schemeClr val="accent1">
+              <a:shade val="50000"/>
+            </a:schemeClr>
+          </a:lnRef>
+          <a:fillRef idx="1">
+            <a:schemeClr val="accent1"/>
+          </a:fillRef>
+          <a:effectRef idx="0">
+            <a:schemeClr val="accent1"/>
+          </a:effectRef>
+          <a:fontRef idx="minor">
+            <a:schemeClr val="lt1"/>
+          </a:fontRef>
+        </p:style>
+        <p:txBody>
+          <a:bodyPr wrap="none" lIns="0" tIns="0" rIns="0" bIns="0" rtlCol="0" anchor="ctr"/>
+          <a:lstStyle/>
+          <a:p>
+            <a:pPr algn="ctr"/>
+            <a:r>
+              <a:rPr lang="en-US" sz="900" dirty="0" smtClean="0">
+                <a:solidFill>
+                  <a:schemeClr val="tx1"/>
+                </a:solidFill>
+              </a:rPr>
+              <a:t>photo </a:t>
+            </a:r>
+          </a:p>
+          <a:p>
+            <a:pPr algn="ctr"/>
+            <a:r>
+              <a:rPr lang="en-US" sz="900" dirty="0" smtClean="0">
+                <a:solidFill>
+                  <a:schemeClr val="tx1"/>
+                </a:solidFill>
+              </a:rPr>
+              <a:t>electron</a:t>
+            </a:r>
+          </a:p>
+          <a:p>
+            <a:pPr algn="ctr"/>
+            <a:r>
+              <a:rPr lang="en-US" sz="900" dirty="0" smtClean="0">
+                <a:solidFill>
+                  <a:schemeClr val="tx1"/>
+                </a:solidFill>
+              </a:rPr>
+              <a:t>model</a:t>
+            </a:r>
+            <a:endParaRPr lang="en-US" sz="900" dirty="0">
+              <a:solidFill>
+                <a:schemeClr val="tx1"/>
+              </a:solidFill>
+            </a:endParaRPr>
+          </a:p>
+        </p:txBody>
+      </p:sp>
+      <p:sp>
+        <p:nvSpPr>
+          <p:cNvPr id="25" name="Cube 24"/>
+          <p:cNvSpPr/>
+          <p:nvPr/>
+        </p:nvSpPr>
+        <p:spPr>
+          <a:xfrm>
+            <a:off x="4191000" y="6007100"/>
+            <a:ext cx="1371600" cy="698500"/>
+          </a:xfrm>
+          <a:prstGeom prst="cube">
+            <a:avLst>
+              <a:gd name="adj" fmla="val 9135"/>
+            </a:avLst>
+          </a:prstGeom>
+          <a:solidFill>
+            <a:schemeClr val="accent6">
+              <a:lumMod val="60000"/>
+              <a:lumOff val="40000"/>
+            </a:schemeClr>
+          </a:solidFill>
+          <a:ln>
+            <a:solidFill>
+              <a:schemeClr val="accent6">
+                <a:lumMod val="50000"/>
+              </a:schemeClr>
+            </a:solidFill>
+          </a:ln>
+        </p:spPr>
+        <p:style>
+          <a:lnRef idx="2">
+            <a:schemeClr val="accent1">
+              <a:shade val="50000"/>
+            </a:schemeClr>
+          </a:lnRef>
+          <a:fillRef idx="1">
+            <a:schemeClr val="accent1"/>
+          </a:fillRef>
+          <a:effectRef idx="0">
+            <a:schemeClr val="accent1"/>
+          </a:effectRef>
+          <a:fontRef idx="minor">
+            <a:schemeClr val="lt1"/>
+          </a:fontRef>
+        </p:style>
+        <p:txBody>
+          <a:bodyPr wrap="none" lIns="91440" tIns="0" rIns="0" bIns="0" rtlCol="0" anchor="t" anchorCtr="0"/>
+          <a:lstStyle/>
+          <a:p>
+            <a:endParaRPr lang="en-US" sz="900" u="sng" dirty="0" smtClean="0">
+              <a:solidFill>
+                <a:schemeClr val="tx1"/>
+              </a:solidFill>
+            </a:endParaRPr>
+          </a:p>
+          <a:p>
+            <a:r>
+              <a:rPr lang="en-US" sz="900" u="sng" dirty="0" err="1" smtClean="0">
+                <a:solidFill>
+                  <a:schemeClr val="tx1"/>
+                </a:solidFill>
+              </a:rPr>
+              <a:t>compute_number_flux</a:t>
+            </a:r>
+            <a:r>
+              <a:rPr lang="en-US" sz="900" u="sng" dirty="0" smtClean="0">
+                <a:solidFill>
+                  <a:schemeClr val="tx1"/>
+                </a:solidFill>
+              </a:rPr>
+              <a:t>:</a:t>
+            </a:r>
+          </a:p>
+          <a:p>
+            <a:pPr>
+              <a:buFont typeface="Arial" pitchFamily="34" charset="0"/>
+              <a:buChar char="•"/>
+            </a:pPr>
+            <a:r>
+              <a:rPr lang="en-US" sz="900" b="1" dirty="0" err="1" smtClean="0">
+                <a:solidFill>
+                  <a:schemeClr val="tx1"/>
+                </a:solidFill>
+              </a:rPr>
+              <a:t>FS_dist</a:t>
+            </a:r>
+            <a:r>
+              <a:rPr lang="en-US" sz="900" b="1" dirty="0" smtClean="0">
+                <a:solidFill>
+                  <a:schemeClr val="tx1"/>
+                </a:solidFill>
+              </a:rPr>
+              <a:t>         </a:t>
+            </a:r>
+            <a:r>
+              <a:rPr lang="en-US" sz="900" b="1" dirty="0" err="1" smtClean="0">
+                <a:solidFill>
+                  <a:schemeClr val="tx1"/>
+                </a:solidFill>
+              </a:rPr>
+              <a:t>jN</a:t>
+            </a:r>
+            <a:endParaRPr lang="en-US" sz="900" b="1" dirty="0" smtClean="0">
+              <a:solidFill>
+                <a:schemeClr val="tx1"/>
+              </a:solidFill>
+            </a:endParaRPr>
+          </a:p>
+          <a:p>
+            <a:pPr>
+              <a:buFont typeface="Arial" pitchFamily="34" charset="0"/>
+              <a:buChar char="•"/>
+            </a:pPr>
+            <a:r>
+              <a:rPr lang="en-US" sz="900" b="1" dirty="0" err="1" smtClean="0">
+                <a:solidFill>
+                  <a:schemeClr val="tx1"/>
+                </a:solidFill>
+              </a:rPr>
+              <a:t>FS_parms</a:t>
+            </a:r>
+            <a:endParaRPr lang="en-US" sz="900" b="1" dirty="0" smtClean="0">
+              <a:solidFill>
+                <a:schemeClr val="tx1"/>
+              </a:solidFill>
+            </a:endParaRPr>
+          </a:p>
+        </p:txBody>
+      </p:sp>
+      <p:cxnSp>
+        <p:nvCxnSpPr>
+          <p:cNvPr id="29" name="Elbow Connector 28"/>
+          <p:cNvCxnSpPr>
+            <a:stCxn id="7" idx="4"/>
+            <a:endCxn id="12" idx="2"/>
+          </p:cNvCxnSpPr>
+          <p:nvPr/>
+        </p:nvCxnSpPr>
+        <p:spPr>
+          <a:xfrm>
+            <a:off x="914400" y="1752600"/>
+            <a:ext cx="457200" cy="1129447"/>
+          </a:xfrm>
+          <a:prstGeom prst="bentConnector3">
+            <a:avLst>
+              <a:gd name="adj1" fmla="val 50000"/>
+            </a:avLst>
+          </a:prstGeom>
+          <a:ln>
+            <a:tailEnd type="arrow"/>
+          </a:ln>
+        </p:spPr>
+        <p:style>
+          <a:lnRef idx="1">
+            <a:schemeClr val="accent1"/>
+          </a:lnRef>
+          <a:fillRef idx="0">
+            <a:schemeClr val="accent1"/>
+          </a:fillRef>
+          <a:effectRef idx="0">
+            <a:schemeClr val="accent1"/>
+          </a:effectRef>
+          <a:fontRef idx="minor">
+            <a:schemeClr val="tx1"/>
+          </a:fontRef>
+        </p:style>
+      </p:cxnSp>
+      <p:cxnSp>
+        <p:nvCxnSpPr>
+          <p:cNvPr id="32" name="Elbow Connector 31"/>
+          <p:cNvCxnSpPr>
+            <a:stCxn id="8" idx="4"/>
+            <a:endCxn id="12" idx="2"/>
+          </p:cNvCxnSpPr>
+          <p:nvPr/>
+        </p:nvCxnSpPr>
+        <p:spPr>
+          <a:xfrm>
+            <a:off x="914400" y="2362200"/>
+            <a:ext cx="457200" cy="519847"/>
+          </a:xfrm>
+          <a:prstGeom prst="bentConnector3">
+            <a:avLst>
+              <a:gd name="adj1" fmla="val 50000"/>
+            </a:avLst>
+          </a:prstGeom>
+          <a:ln>
+            <a:tailEnd type="arrow"/>
+          </a:ln>
+        </p:spPr>
+        <p:style>
+          <a:lnRef idx="1">
+            <a:schemeClr val="accent1"/>
+          </a:lnRef>
+          <a:fillRef idx="0">
+            <a:schemeClr val="accent1"/>
+          </a:fillRef>
+          <a:effectRef idx="0">
+            <a:schemeClr val="accent1"/>
+          </a:effectRef>
+          <a:fontRef idx="minor">
+            <a:schemeClr val="tx1"/>
+          </a:fontRef>
+        </p:style>
+      </p:cxnSp>
+      <p:cxnSp>
+        <p:nvCxnSpPr>
+          <p:cNvPr id="35" name="Elbow Connector 34"/>
+          <p:cNvCxnSpPr>
+            <a:stCxn id="21" idx="4"/>
+            <a:endCxn id="12" idx="2"/>
+          </p:cNvCxnSpPr>
+          <p:nvPr/>
+        </p:nvCxnSpPr>
+        <p:spPr>
+          <a:xfrm flipV="1">
+            <a:off x="914400" y="2882047"/>
+            <a:ext cx="457200" cy="204053"/>
+          </a:xfrm>
+          <a:prstGeom prst="bentConnector3">
+            <a:avLst>
+              <a:gd name="adj1" fmla="val 50000"/>
+            </a:avLst>
+          </a:prstGeom>
+          <a:ln>
+            <a:tailEnd type="arrow"/>
+          </a:ln>
+        </p:spPr>
+        <p:style>
+          <a:lnRef idx="1">
+            <a:schemeClr val="accent1"/>
+          </a:lnRef>
+          <a:fillRef idx="0">
+            <a:schemeClr val="accent1"/>
+          </a:fillRef>
+          <a:effectRef idx="0">
+            <a:schemeClr val="accent1"/>
+          </a:effectRef>
+          <a:fontRef idx="minor">
+            <a:schemeClr val="tx1"/>
+          </a:fontRef>
+        </p:style>
+      </p:cxnSp>
+      <p:cxnSp>
+        <p:nvCxnSpPr>
+          <p:cNvPr id="38" name="Elbow Connector 37"/>
+          <p:cNvCxnSpPr>
+            <a:stCxn id="12" idx="3"/>
+            <a:endCxn id="13" idx="1"/>
+          </p:cNvCxnSpPr>
+          <p:nvPr/>
+        </p:nvCxnSpPr>
+        <p:spPr>
+          <a:xfrm rot="16200000" flipH="1">
+            <a:off x="1767626" y="3808525"/>
+            <a:ext cx="609600" cy="2949"/>
+          </a:xfrm>
+          <a:prstGeom prst="bentConnector3">
+            <a:avLst>
+              <a:gd name="adj1" fmla="val 50000"/>
+            </a:avLst>
+          </a:prstGeom>
+          <a:ln>
+            <a:tailEnd type="arrow"/>
+          </a:ln>
+        </p:spPr>
+        <p:style>
+          <a:lnRef idx="1">
+            <a:schemeClr val="accent1"/>
+          </a:lnRef>
+          <a:fillRef idx="0">
+            <a:schemeClr val="accent1"/>
+          </a:fillRef>
+          <a:effectRef idx="0">
+            <a:schemeClr val="accent1"/>
+          </a:effectRef>
+          <a:fontRef idx="minor">
+            <a:schemeClr val="tx1"/>
+          </a:fontRef>
+        </p:style>
+      </p:cxnSp>
+      <p:cxnSp>
+        <p:nvCxnSpPr>
+          <p:cNvPr id="43" name="Elbow Connector 42"/>
+          <p:cNvCxnSpPr>
+            <a:stCxn id="12" idx="0"/>
+            <a:endCxn id="5" idx="2"/>
+          </p:cNvCxnSpPr>
+          <p:nvPr/>
+        </p:nvCxnSpPr>
+        <p:spPr>
+          <a:xfrm rot="5400000" flipH="1" flipV="1">
+            <a:off x="3179886" y="-325313"/>
+            <a:ext cx="1475274" cy="3442553"/>
+          </a:xfrm>
+          <a:prstGeom prst="bentConnector2">
+            <a:avLst/>
+          </a:prstGeom>
+          <a:ln>
+            <a:headEnd type="arrow"/>
+            <a:tailEnd type="arrow"/>
+          </a:ln>
+        </p:spPr>
+        <p:style>
+          <a:lnRef idx="1">
+            <a:schemeClr val="accent1"/>
+          </a:lnRef>
+          <a:fillRef idx="0">
+            <a:schemeClr val="accent1"/>
+          </a:fillRef>
+          <a:effectRef idx="0">
+            <a:schemeClr val="accent1"/>
+          </a:effectRef>
+          <a:fontRef idx="minor">
+            <a:schemeClr val="tx1"/>
+          </a:fontRef>
+        </p:style>
+      </p:cxnSp>
+      <p:cxnSp>
+        <p:nvCxnSpPr>
+          <p:cNvPr id="46" name="Elbow Connector 45"/>
+          <p:cNvCxnSpPr>
+            <a:stCxn id="5" idx="5"/>
+            <a:endCxn id="6" idx="2"/>
+          </p:cNvCxnSpPr>
+          <p:nvPr/>
+        </p:nvCxnSpPr>
+        <p:spPr>
+          <a:xfrm flipV="1">
+            <a:off x="7092440" y="533400"/>
+            <a:ext cx="908560" cy="27474"/>
+          </a:xfrm>
+          <a:prstGeom prst="bentConnector3">
+            <a:avLst>
+              <a:gd name="adj1" fmla="val 50000"/>
+            </a:avLst>
+          </a:prstGeom>
+          <a:ln>
+            <a:headEnd type="arrow"/>
+            <a:tailEnd type="arrow"/>
+          </a:ln>
+        </p:spPr>
+        <p:style>
+          <a:lnRef idx="1">
+            <a:schemeClr val="accent1"/>
+          </a:lnRef>
+          <a:fillRef idx="0">
+            <a:schemeClr val="accent1"/>
+          </a:fillRef>
+          <a:effectRef idx="0">
+            <a:schemeClr val="accent1"/>
+          </a:effectRef>
+          <a:fontRef idx="minor">
+            <a:schemeClr val="tx1"/>
+          </a:fontRef>
+        </p:style>
+      </p:cxnSp>
+      <p:cxnSp>
+        <p:nvCxnSpPr>
+          <p:cNvPr id="49" name="Elbow Connector 48"/>
+          <p:cNvCxnSpPr>
+            <a:stCxn id="5" idx="5"/>
+            <a:endCxn id="9" idx="2"/>
+          </p:cNvCxnSpPr>
+          <p:nvPr/>
+        </p:nvCxnSpPr>
+        <p:spPr>
+          <a:xfrm>
+            <a:off x="7092440" y="560874"/>
+            <a:ext cx="908560" cy="893276"/>
+          </a:xfrm>
+          <a:prstGeom prst="bentConnector3">
+            <a:avLst>
+              <a:gd name="adj1" fmla="val 50000"/>
+            </a:avLst>
+          </a:prstGeom>
+          <a:ln>
+            <a:headEnd type="arrow"/>
+            <a:tailEnd type="arrow"/>
+          </a:ln>
+        </p:spPr>
+        <p:style>
+          <a:lnRef idx="1">
+            <a:schemeClr val="accent1"/>
+          </a:lnRef>
+          <a:fillRef idx="0">
+            <a:schemeClr val="accent1"/>
+          </a:fillRef>
+          <a:effectRef idx="0">
+            <a:schemeClr val="accent1"/>
+          </a:effectRef>
+          <a:fontRef idx="minor">
+            <a:schemeClr val="tx1"/>
+          </a:fontRef>
+        </p:style>
+      </p:cxnSp>
+      <p:cxnSp>
+        <p:nvCxnSpPr>
+          <p:cNvPr id="53" name="Elbow Connector 52"/>
+          <p:cNvCxnSpPr>
+            <a:stCxn id="11" idx="5"/>
+          </p:cNvCxnSpPr>
+          <p:nvPr/>
+        </p:nvCxnSpPr>
+        <p:spPr>
+          <a:xfrm flipV="1">
+            <a:off x="5492240" y="2882412"/>
+            <a:ext cx="832360" cy="123823"/>
+          </a:xfrm>
+          <a:prstGeom prst="bentConnector3">
+            <a:avLst>
+              <a:gd name="adj1" fmla="val 50000"/>
+            </a:avLst>
+          </a:prstGeom>
+          <a:ln>
+            <a:headEnd type="arrow"/>
+            <a:tailEnd type="arrow"/>
+          </a:ln>
+        </p:spPr>
+        <p:style>
+          <a:lnRef idx="1">
+            <a:schemeClr val="accent1"/>
+          </a:lnRef>
+          <a:fillRef idx="0">
+            <a:schemeClr val="accent1"/>
+          </a:fillRef>
+          <a:effectRef idx="0">
+            <a:schemeClr val="accent1"/>
+          </a:effectRef>
+          <a:fontRef idx="minor">
+            <a:schemeClr val="tx1"/>
+          </a:fontRef>
+        </p:style>
+      </p:cxnSp>
+      <p:cxnSp>
+        <p:nvCxnSpPr>
+          <p:cNvPr id="56" name="Elbow Connector 55"/>
+          <p:cNvCxnSpPr>
+            <a:stCxn id="12" idx="5"/>
+            <a:endCxn id="11" idx="2"/>
+          </p:cNvCxnSpPr>
+          <p:nvPr/>
+        </p:nvCxnSpPr>
+        <p:spPr>
+          <a:xfrm>
+            <a:off x="2895600" y="2756752"/>
+            <a:ext cx="1225040" cy="333013"/>
+          </a:xfrm>
+          <a:prstGeom prst="bentConnector3">
+            <a:avLst>
+              <a:gd name="adj1" fmla="val 50000"/>
+            </a:avLst>
+          </a:prstGeom>
+          <a:ln>
+            <a:headEnd type="arrow"/>
+            <a:tailEnd type="arrow"/>
+          </a:ln>
+        </p:spPr>
+        <p:style>
+          <a:lnRef idx="1">
+            <a:schemeClr val="accent1"/>
+          </a:lnRef>
+          <a:fillRef idx="0">
+            <a:schemeClr val="accent1"/>
+          </a:fillRef>
+          <a:effectRef idx="0">
+            <a:schemeClr val="accent1"/>
+          </a:effectRef>
+          <a:fontRef idx="minor">
+            <a:schemeClr val="tx1"/>
+          </a:fontRef>
+        </p:style>
+      </p:cxnSp>
+      <p:cxnSp>
+        <p:nvCxnSpPr>
+          <p:cNvPr id="60" name="Elbow Connector 59"/>
+          <p:cNvCxnSpPr>
+            <a:stCxn id="12" idx="5"/>
+            <a:endCxn id="19" idx="2"/>
+          </p:cNvCxnSpPr>
+          <p:nvPr/>
+        </p:nvCxnSpPr>
+        <p:spPr>
+          <a:xfrm>
+            <a:off x="2895600" y="2756752"/>
+            <a:ext cx="920240" cy="2093611"/>
+          </a:xfrm>
+          <a:prstGeom prst="bentConnector3">
+            <a:avLst>
+              <a:gd name="adj1" fmla="val 50000"/>
+            </a:avLst>
+          </a:prstGeom>
+          <a:ln>
+            <a:headEnd type="arrow"/>
+            <a:tailEnd type="arrow"/>
+          </a:ln>
+        </p:spPr>
+        <p:style>
+          <a:lnRef idx="1">
+            <a:schemeClr val="accent1"/>
+          </a:lnRef>
+          <a:fillRef idx="0">
+            <a:schemeClr val="accent1"/>
+          </a:fillRef>
+          <a:effectRef idx="0">
+            <a:schemeClr val="accent1"/>
+          </a:effectRef>
+          <a:fontRef idx="minor">
+            <a:schemeClr val="tx1"/>
+          </a:fontRef>
+        </p:style>
+      </p:cxnSp>
+      <p:cxnSp>
+        <p:nvCxnSpPr>
+          <p:cNvPr id="63" name="Elbow Connector 62"/>
+          <p:cNvCxnSpPr>
+            <a:stCxn id="12" idx="5"/>
+            <a:endCxn id="18" idx="2"/>
+          </p:cNvCxnSpPr>
+          <p:nvPr/>
+        </p:nvCxnSpPr>
+        <p:spPr>
+          <a:xfrm>
+            <a:off x="2895600" y="2756752"/>
+            <a:ext cx="1377440" cy="2855611"/>
+          </a:xfrm>
+          <a:prstGeom prst="bentConnector3">
+            <a:avLst>
+              <a:gd name="adj1" fmla="val 33887"/>
+            </a:avLst>
+          </a:prstGeom>
+          <a:ln>
+            <a:headEnd type="arrow"/>
+            <a:tailEnd type="arrow"/>
+          </a:ln>
+        </p:spPr>
+        <p:style>
+          <a:lnRef idx="1">
+            <a:schemeClr val="accent1"/>
+          </a:lnRef>
+          <a:fillRef idx="0">
+            <a:schemeClr val="accent1"/>
+          </a:fillRef>
+          <a:effectRef idx="0">
+            <a:schemeClr val="accent1"/>
+          </a:effectRef>
+          <a:fontRef idx="minor">
+            <a:schemeClr val="tx1"/>
+          </a:fontRef>
+        </p:style>
+      </p:cxnSp>
+      <p:cxnSp>
+        <p:nvCxnSpPr>
+          <p:cNvPr id="69" name="Elbow Connector 68"/>
+          <p:cNvCxnSpPr>
+            <a:stCxn id="12" idx="5"/>
+            <a:endCxn id="25" idx="2"/>
+          </p:cNvCxnSpPr>
+          <p:nvPr/>
+        </p:nvCxnSpPr>
+        <p:spPr>
+          <a:xfrm>
+            <a:off x="2895600" y="2756752"/>
+            <a:ext cx="1295400" cy="3631502"/>
+          </a:xfrm>
+          <a:prstGeom prst="bentConnector3">
+            <a:avLst>
+              <a:gd name="adj1" fmla="val 34923"/>
+            </a:avLst>
+          </a:prstGeom>
+          <a:ln>
+            <a:headEnd type="arrow"/>
+            <a:tailEnd type="arrow"/>
+          </a:ln>
+        </p:spPr>
+        <p:style>
+          <a:lnRef idx="1">
+            <a:schemeClr val="accent1"/>
+          </a:lnRef>
+          <a:fillRef idx="0">
+            <a:schemeClr val="accent1"/>
+          </a:fillRef>
+          <a:effectRef idx="0">
+            <a:schemeClr val="accent1"/>
+          </a:effectRef>
+          <a:fontRef idx="minor">
+            <a:schemeClr val="tx1"/>
+          </a:fontRef>
+        </p:style>
+      </p:cxnSp>
+      <p:cxnSp>
+        <p:nvCxnSpPr>
+          <p:cNvPr id="81" name="Elbow Connector 80"/>
+          <p:cNvCxnSpPr>
+            <a:stCxn id="19" idx="5"/>
+            <a:endCxn id="15" idx="2"/>
+          </p:cNvCxnSpPr>
+          <p:nvPr/>
+        </p:nvCxnSpPr>
+        <p:spPr>
+          <a:xfrm flipV="1">
+            <a:off x="5873240" y="4800600"/>
+            <a:ext cx="451360" cy="1037"/>
+          </a:xfrm>
+          <a:prstGeom prst="bentConnector3">
+            <a:avLst>
+              <a:gd name="adj1" fmla="val 50000"/>
+            </a:avLst>
+          </a:prstGeom>
+          <a:ln>
+            <a:headEnd type="arrow"/>
+            <a:tailEnd type="arrow"/>
+          </a:ln>
+        </p:spPr>
+        <p:style>
+          <a:lnRef idx="1">
+            <a:schemeClr val="accent1"/>
+          </a:lnRef>
+          <a:fillRef idx="0">
+            <a:schemeClr val="accent1"/>
+          </a:fillRef>
+          <a:effectRef idx="0">
+            <a:schemeClr val="accent1"/>
+          </a:effectRef>
+          <a:fontRef idx="minor">
+            <a:schemeClr val="tx1"/>
+          </a:fontRef>
+        </p:style>
+      </p:cxnSp>
+      <p:cxnSp>
+        <p:nvCxnSpPr>
+          <p:cNvPr id="84" name="Elbow Connector 83"/>
+          <p:cNvCxnSpPr>
+            <a:stCxn id="18" idx="5"/>
+            <a:endCxn id="14" idx="2"/>
+          </p:cNvCxnSpPr>
+          <p:nvPr/>
+        </p:nvCxnSpPr>
+        <p:spPr>
+          <a:xfrm flipV="1">
+            <a:off x="5339840" y="5562600"/>
+            <a:ext cx="984760" cy="1037"/>
+          </a:xfrm>
+          <a:prstGeom prst="bentConnector3">
+            <a:avLst>
+              <a:gd name="adj1" fmla="val 50000"/>
+            </a:avLst>
+          </a:prstGeom>
+          <a:ln>
+            <a:headEnd type="arrow"/>
+            <a:tailEnd type="arrow"/>
+          </a:ln>
+        </p:spPr>
+        <p:style>
+          <a:lnRef idx="1">
+            <a:schemeClr val="accent1"/>
+          </a:lnRef>
+          <a:fillRef idx="0">
+            <a:schemeClr val="accent1"/>
+          </a:fillRef>
+          <a:effectRef idx="0">
+            <a:schemeClr val="accent1"/>
+          </a:effectRef>
+          <a:fontRef idx="minor">
+            <a:schemeClr val="tx1"/>
+          </a:fontRef>
+        </p:style>
+      </p:cxnSp>
+      <p:cxnSp>
+        <p:nvCxnSpPr>
+          <p:cNvPr id="87" name="Elbow Connector 86"/>
+          <p:cNvCxnSpPr>
+            <a:stCxn id="25" idx="5"/>
+            <a:endCxn id="17" idx="2"/>
+          </p:cNvCxnSpPr>
+          <p:nvPr/>
+        </p:nvCxnSpPr>
+        <p:spPr>
+          <a:xfrm flipV="1">
+            <a:off x="5562600" y="6248400"/>
+            <a:ext cx="685800" cy="76046"/>
+          </a:xfrm>
+          <a:prstGeom prst="bentConnector3">
+            <a:avLst>
+              <a:gd name="adj1" fmla="val 50000"/>
+            </a:avLst>
+          </a:prstGeom>
+          <a:ln>
+            <a:headEnd type="arrow"/>
+            <a:tailEnd type="arrow"/>
+          </a:ln>
+        </p:spPr>
+        <p:style>
+          <a:lnRef idx="1">
+            <a:schemeClr val="accent1"/>
+          </a:lnRef>
+          <a:fillRef idx="0">
+            <a:schemeClr val="accent1"/>
+          </a:fillRef>
+          <a:effectRef idx="0">
+            <a:schemeClr val="accent1"/>
+          </a:effectRef>
+          <a:fontRef idx="minor">
+            <a:schemeClr val="tx1"/>
+          </a:fontRef>
+        </p:style>
+      </p:cxnSp>
+      <p:sp>
+        <p:nvSpPr>
+          <p:cNvPr id="90" name="Cube 89"/>
+          <p:cNvSpPr/>
+          <p:nvPr/>
+        </p:nvSpPr>
+        <p:spPr>
+          <a:xfrm>
+            <a:off x="5278144" y="1371600"/>
+            <a:ext cx="1981710" cy="1066800"/>
+          </a:xfrm>
+          <a:prstGeom prst="cube">
+            <a:avLst>
+              <a:gd name="adj" fmla="val 9135"/>
+            </a:avLst>
+          </a:prstGeom>
+          <a:solidFill>
+            <a:schemeClr val="accent6">
+              <a:lumMod val="60000"/>
+              <a:lumOff val="40000"/>
+            </a:schemeClr>
+          </a:solidFill>
+          <a:ln>
+            <a:solidFill>
+              <a:schemeClr val="accent6">
+                <a:lumMod val="50000"/>
+              </a:schemeClr>
+            </a:solidFill>
+          </a:ln>
+        </p:spPr>
+        <p:style>
+          <a:lnRef idx="2">
+            <a:schemeClr val="accent1">
+              <a:shade val="50000"/>
+            </a:schemeClr>
+          </a:lnRef>
+          <a:fillRef idx="1">
+            <a:schemeClr val="accent1"/>
+          </a:fillRef>
+          <a:effectRef idx="0">
+            <a:schemeClr val="accent1"/>
+          </a:effectRef>
+          <a:fontRef idx="minor">
+            <a:schemeClr val="lt1"/>
+          </a:fontRef>
+        </p:style>
+        <p:txBody>
+          <a:bodyPr wrap="none" lIns="91440" tIns="0" rIns="0" bIns="0" rtlCol="0" anchor="t" anchorCtr="0"/>
+          <a:lstStyle/>
+          <a:p>
+            <a:endParaRPr lang="en-US" sz="900" u="sng" dirty="0" smtClean="0">
+              <a:solidFill>
+                <a:schemeClr val="tx1"/>
+              </a:solidFill>
+            </a:endParaRPr>
+          </a:p>
+          <a:p>
+            <a:r>
+              <a:rPr lang="en-US" sz="900" u="sng" dirty="0" err="1" smtClean="0">
+                <a:solidFill>
+                  <a:schemeClr val="tx1"/>
+                </a:solidFill>
+              </a:rPr>
+              <a:t>subtract_internal_photoelectrons</a:t>
+            </a:r>
+            <a:endParaRPr lang="en-US" sz="900" u="sng" dirty="0" smtClean="0">
+              <a:solidFill>
+                <a:schemeClr val="tx1"/>
+              </a:solidFill>
+            </a:endParaRPr>
+          </a:p>
+          <a:p>
+            <a:pPr>
+              <a:buFont typeface="Arial" pitchFamily="34" charset="0"/>
+              <a:buChar char="•"/>
+            </a:pPr>
+            <a:r>
+              <a:rPr lang="en-US" sz="900" b="1" i="1" dirty="0" err="1" smtClean="0">
+                <a:solidFill>
+                  <a:schemeClr val="tx1"/>
+                </a:solidFill>
+              </a:rPr>
+              <a:t>cdf_fh</a:t>
+            </a:r>
+            <a:r>
+              <a:rPr lang="en-US" sz="900" b="1" i="1" dirty="0" smtClean="0">
+                <a:solidFill>
+                  <a:schemeClr val="tx1"/>
+                </a:solidFill>
+              </a:rPr>
+              <a:t>      </a:t>
+            </a:r>
+            <a:r>
+              <a:rPr lang="en-US" sz="900" b="1" i="1" dirty="0" err="1" smtClean="0">
+                <a:solidFill>
+                  <a:schemeClr val="tx1"/>
+                </a:solidFill>
+              </a:rPr>
+              <a:t>FS_dist</a:t>
+            </a:r>
+            <a:r>
+              <a:rPr lang="en-US" sz="900" b="1" dirty="0" smtClean="0">
+                <a:solidFill>
+                  <a:schemeClr val="tx1"/>
+                </a:solidFill>
+              </a:rPr>
+              <a:t> </a:t>
+            </a:r>
+            <a:r>
+              <a:rPr lang="en-US" sz="900" b="1" dirty="0" smtClean="0">
+                <a:solidFill>
+                  <a:schemeClr val="tx1"/>
+                </a:solidFill>
+              </a:rPr>
+              <a:t>– </a:t>
+            </a:r>
+            <a:r>
+              <a:rPr lang="en-US" sz="900" b="1" dirty="0" smtClean="0">
+                <a:solidFill>
+                  <a:schemeClr val="tx1"/>
+                </a:solidFill>
+              </a:rPr>
+              <a:t>corrected</a:t>
+            </a:r>
+          </a:p>
+          <a:p>
+            <a:pPr>
+              <a:buFont typeface="Arial" pitchFamily="34" charset="0"/>
+              <a:buChar char="•"/>
+            </a:pPr>
+            <a:r>
+              <a:rPr lang="en-US" sz="900" b="1" dirty="0" err="1" smtClean="0">
+                <a:solidFill>
+                  <a:schemeClr val="tx1"/>
+                </a:solidFill>
+              </a:rPr>
+              <a:t>raw_DIST</a:t>
+            </a:r>
+            <a:endParaRPr lang="en-US" sz="900" b="1" dirty="0" smtClean="0">
+              <a:solidFill>
+                <a:schemeClr val="tx1"/>
+              </a:solidFill>
+            </a:endParaRPr>
+          </a:p>
+          <a:p>
+            <a:pPr>
+              <a:buFont typeface="Arial" pitchFamily="34" charset="0"/>
+              <a:buChar char="•"/>
+            </a:pPr>
+            <a:r>
+              <a:rPr lang="en-US" sz="900" b="1" dirty="0" smtClean="0">
+                <a:solidFill>
+                  <a:schemeClr val="tx1"/>
+                </a:solidFill>
+              </a:rPr>
+              <a:t>MMS</a:t>
+            </a:r>
+          </a:p>
+          <a:p>
+            <a:pPr>
+              <a:buFont typeface="Arial" pitchFamily="34" charset="0"/>
+              <a:buChar char="•"/>
+            </a:pPr>
+            <a:r>
+              <a:rPr lang="en-US" sz="900" b="1" dirty="0" smtClean="0">
+                <a:solidFill>
+                  <a:schemeClr val="tx1"/>
+                </a:solidFill>
+              </a:rPr>
+              <a:t>s</a:t>
+            </a:r>
+            <a:r>
+              <a:rPr lang="en-US" sz="900" b="1" dirty="0" smtClean="0">
+                <a:solidFill>
+                  <a:schemeClr val="tx1"/>
+                </a:solidFill>
+              </a:rPr>
+              <a:t>pecies</a:t>
+            </a:r>
+          </a:p>
+          <a:p>
+            <a:pPr>
+              <a:buFont typeface="Arial" pitchFamily="34" charset="0"/>
+              <a:buChar char="•"/>
+            </a:pPr>
+            <a:r>
+              <a:rPr lang="en-US" sz="900" b="1" dirty="0" err="1" smtClean="0">
+                <a:solidFill>
+                  <a:schemeClr val="tx1"/>
+                </a:solidFill>
+              </a:rPr>
+              <a:t>c</a:t>
+            </a:r>
+            <a:r>
+              <a:rPr lang="en-US" sz="900" b="1" dirty="0" err="1" smtClean="0">
+                <a:solidFill>
+                  <a:schemeClr val="tx1"/>
+                </a:solidFill>
+              </a:rPr>
+              <a:t>orrection_override</a:t>
+            </a:r>
+            <a:endParaRPr lang="en-US" sz="900" b="1" dirty="0" smtClean="0">
+              <a:solidFill>
+                <a:schemeClr val="tx1"/>
+              </a:solidFill>
+            </a:endParaRPr>
+          </a:p>
+        </p:txBody>
+      </p:sp>
+      <p:cxnSp>
+        <p:nvCxnSpPr>
+          <p:cNvPr id="91" name="Elbow Connector 90"/>
+          <p:cNvCxnSpPr>
+            <a:stCxn id="5" idx="3"/>
+            <a:endCxn id="90" idx="0"/>
+          </p:cNvCxnSpPr>
+          <p:nvPr/>
+        </p:nvCxnSpPr>
+        <p:spPr>
+          <a:xfrm rot="16200000" flipH="1">
+            <a:off x="6203009" y="1256884"/>
+            <a:ext cx="228600" cy="831"/>
+          </a:xfrm>
+          <a:prstGeom prst="bentConnector3">
+            <a:avLst>
+              <a:gd name="adj1" fmla="val 50000"/>
+            </a:avLst>
+          </a:prstGeom>
+          <a:ln>
+            <a:headEnd type="arrow"/>
+            <a:tailEnd type="arrow"/>
+          </a:ln>
+        </p:spPr>
+        <p:style>
+          <a:lnRef idx="1">
+            <a:schemeClr val="accent1"/>
+          </a:lnRef>
+          <a:fillRef idx="0">
+            <a:schemeClr val="accent1"/>
+          </a:fillRef>
+          <a:effectRef idx="0">
+            <a:schemeClr val="accent1"/>
+          </a:effectRef>
+          <a:fontRef idx="minor">
+            <a:schemeClr val="tx1"/>
+          </a:fontRef>
+        </p:style>
+      </p:cxnSp>
+      <p:sp>
+        <p:nvSpPr>
+          <p:cNvPr id="100" name="Oval 99"/>
+          <p:cNvSpPr/>
+          <p:nvPr/>
+        </p:nvSpPr>
+        <p:spPr>
+          <a:xfrm>
+            <a:off x="5486400" y="304800"/>
+            <a:ext cx="76200" cy="76200"/>
+          </a:xfrm>
+          <a:prstGeom prst="ellipse">
+            <a:avLst/>
+          </a:prstGeom>
+          <a:solidFill>
+            <a:schemeClr val="tx1"/>
+          </a:solidFill>
+          <a:ln>
+            <a:solidFill>
+              <a:schemeClr val="tx1"/>
+            </a:solidFill>
+          </a:ln>
+        </p:spPr>
+        <p:style>
+          <a:lnRef idx="2">
+            <a:schemeClr val="accent1">
+              <a:shade val="50000"/>
+            </a:schemeClr>
+          </a:lnRef>
+          <a:fillRef idx="1">
+            <a:schemeClr val="accent1"/>
+          </a:fillRef>
+          <a:effectRef idx="0">
+            <a:schemeClr val="accent1"/>
+          </a:effectRef>
+          <a:fontRef idx="minor">
+            <a:schemeClr val="lt1"/>
+          </a:fontRef>
+        </p:style>
+        <p:txBody>
+          <a:bodyPr lIns="0" tIns="0" rIns="0" bIns="0" rtlCol="0" anchor="ctr"/>
+          <a:lstStyle/>
+          <a:p>
+            <a:pPr algn="ctr"/>
+            <a:r>
+              <a:rPr lang="en-US" sz="900" dirty="0" smtClean="0"/>
+              <a:t>1</a:t>
+            </a:r>
+            <a:endParaRPr lang="en-US" dirty="0"/>
+          </a:p>
+        </p:txBody>
+      </p:sp>
+      <p:sp>
+        <p:nvSpPr>
+          <p:cNvPr id="101" name="Oval 100"/>
+          <p:cNvSpPr/>
+          <p:nvPr/>
+        </p:nvSpPr>
+        <p:spPr>
+          <a:xfrm>
+            <a:off x="3733800" y="4495800"/>
+            <a:ext cx="76200" cy="76200"/>
+          </a:xfrm>
+          <a:prstGeom prst="ellipse">
+            <a:avLst/>
+          </a:prstGeom>
+          <a:solidFill>
+            <a:schemeClr val="tx1"/>
+          </a:solidFill>
+          <a:ln>
+            <a:solidFill>
+              <a:schemeClr val="tx1"/>
+            </a:solidFill>
+          </a:ln>
+        </p:spPr>
+        <p:style>
+          <a:lnRef idx="2">
+            <a:schemeClr val="accent1">
+              <a:shade val="50000"/>
+            </a:schemeClr>
+          </a:lnRef>
+          <a:fillRef idx="1">
+            <a:schemeClr val="accent1"/>
+          </a:fillRef>
+          <a:effectRef idx="0">
+            <a:schemeClr val="accent1"/>
+          </a:effectRef>
+          <a:fontRef idx="minor">
+            <a:schemeClr val="lt1"/>
+          </a:fontRef>
+        </p:style>
+        <p:txBody>
+          <a:bodyPr lIns="0" tIns="0" rIns="0" bIns="0" rtlCol="0" anchor="ctr"/>
+          <a:lstStyle/>
+          <a:p>
+            <a:pPr algn="ctr"/>
+            <a:r>
+              <a:rPr lang="en-US" sz="900" dirty="0" smtClean="0"/>
+              <a:t>3</a:t>
+            </a:r>
+            <a:endParaRPr lang="en-US" dirty="0"/>
+          </a:p>
+        </p:txBody>
+      </p:sp>
+      <p:sp>
+        <p:nvSpPr>
+          <p:cNvPr id="102" name="Oval 101"/>
+          <p:cNvSpPr/>
+          <p:nvPr/>
+        </p:nvSpPr>
+        <p:spPr>
+          <a:xfrm>
+            <a:off x="3962400" y="2667000"/>
+            <a:ext cx="76200" cy="76200"/>
+          </a:xfrm>
+          <a:prstGeom prst="ellipse">
+            <a:avLst/>
+          </a:prstGeom>
+          <a:solidFill>
+            <a:schemeClr val="tx1"/>
+          </a:solidFill>
+          <a:ln>
+            <a:solidFill>
+              <a:schemeClr val="tx1"/>
+            </a:solidFill>
+          </a:ln>
+        </p:spPr>
+        <p:style>
+          <a:lnRef idx="2">
+            <a:schemeClr val="accent1">
+              <a:shade val="50000"/>
+            </a:schemeClr>
+          </a:lnRef>
+          <a:fillRef idx="1">
+            <a:schemeClr val="accent1"/>
+          </a:fillRef>
+          <a:effectRef idx="0">
+            <a:schemeClr val="accent1"/>
+          </a:effectRef>
+          <a:fontRef idx="minor">
+            <a:schemeClr val="lt1"/>
+          </a:fontRef>
+        </p:style>
+        <p:txBody>
+          <a:bodyPr lIns="0" tIns="0" rIns="0" bIns="0" rtlCol="0" anchor="ctr"/>
+          <a:lstStyle/>
+          <a:p>
+            <a:pPr algn="ctr"/>
+            <a:r>
+              <a:rPr lang="en-US" sz="900" dirty="0" smtClean="0"/>
+              <a:t>2</a:t>
+            </a:r>
+            <a:endParaRPr lang="en-US" dirty="0"/>
+          </a:p>
+        </p:txBody>
+      </p:sp>
+      <p:sp>
+        <p:nvSpPr>
+          <p:cNvPr id="103" name="Oval 102"/>
+          <p:cNvSpPr/>
+          <p:nvPr/>
+        </p:nvSpPr>
+        <p:spPr>
+          <a:xfrm>
+            <a:off x="4191000" y="5321300"/>
+            <a:ext cx="76200" cy="76200"/>
+          </a:xfrm>
+          <a:prstGeom prst="ellipse">
+            <a:avLst/>
+          </a:prstGeom>
+          <a:solidFill>
+            <a:schemeClr val="tx1"/>
+          </a:solidFill>
+          <a:ln>
+            <a:solidFill>
+              <a:schemeClr val="tx1"/>
+            </a:solidFill>
+          </a:ln>
+        </p:spPr>
+        <p:style>
+          <a:lnRef idx="2">
+            <a:schemeClr val="accent1">
+              <a:shade val="50000"/>
+            </a:schemeClr>
+          </a:lnRef>
+          <a:fillRef idx="1">
+            <a:schemeClr val="accent1"/>
+          </a:fillRef>
+          <a:effectRef idx="0">
+            <a:schemeClr val="accent1"/>
+          </a:effectRef>
+          <a:fontRef idx="minor">
+            <a:schemeClr val="lt1"/>
+          </a:fontRef>
+        </p:style>
+        <p:txBody>
+          <a:bodyPr lIns="0" tIns="0" rIns="0" bIns="0" rtlCol="0" anchor="ctr"/>
+          <a:lstStyle/>
+          <a:p>
+            <a:pPr algn="ctr"/>
+            <a:r>
+              <a:rPr lang="en-US" sz="900" dirty="0"/>
+              <a:t>4</a:t>
+            </a:r>
+            <a:endParaRPr lang="en-US" dirty="0"/>
+          </a:p>
+        </p:txBody>
+      </p:sp>
+      <p:sp>
+        <p:nvSpPr>
+          <p:cNvPr id="104" name="Oval 103"/>
+          <p:cNvSpPr/>
+          <p:nvPr/>
+        </p:nvSpPr>
+        <p:spPr>
+          <a:xfrm>
+            <a:off x="3962400" y="6007100"/>
+            <a:ext cx="76200" cy="76200"/>
+          </a:xfrm>
+          <a:prstGeom prst="ellipse">
+            <a:avLst/>
+          </a:prstGeom>
+          <a:solidFill>
+            <a:schemeClr val="tx1"/>
+          </a:solidFill>
+          <a:ln>
+            <a:solidFill>
+              <a:schemeClr val="tx1"/>
+            </a:solidFill>
+          </a:ln>
+        </p:spPr>
+        <p:style>
+          <a:lnRef idx="2">
+            <a:schemeClr val="accent1">
+              <a:shade val="50000"/>
+            </a:schemeClr>
+          </a:lnRef>
+          <a:fillRef idx="1">
+            <a:schemeClr val="accent1"/>
+          </a:fillRef>
+          <a:effectRef idx="0">
+            <a:schemeClr val="accent1"/>
+          </a:effectRef>
+          <a:fontRef idx="minor">
+            <a:schemeClr val="lt1"/>
+          </a:fontRef>
+        </p:style>
+        <p:txBody>
+          <a:bodyPr lIns="0" tIns="0" rIns="0" bIns="0" rtlCol="0" anchor="ctr"/>
+          <a:lstStyle/>
+          <a:p>
+            <a:pPr algn="ctr"/>
+            <a:r>
+              <a:rPr lang="en-US" sz="900" dirty="0" smtClean="0"/>
+              <a:t>5</a:t>
+            </a:r>
+            <a:endParaRPr lang="en-US" dirty="0"/>
+          </a:p>
+        </p:txBody>
+      </p:sp>
+      <p:sp>
+        <p:nvSpPr>
+          <p:cNvPr id="68" name="Cube 67"/>
+          <p:cNvSpPr/>
+          <p:nvPr/>
+        </p:nvSpPr>
+        <p:spPr>
+          <a:xfrm>
+            <a:off x="5791200" y="3657600"/>
+            <a:ext cx="1676400" cy="685800"/>
+          </a:xfrm>
+          <a:prstGeom prst="cube">
+            <a:avLst>
+              <a:gd name="adj" fmla="val 9135"/>
+            </a:avLst>
+          </a:prstGeom>
+          <a:solidFill>
+            <a:schemeClr val="accent6">
+              <a:lumMod val="60000"/>
+              <a:lumOff val="40000"/>
+            </a:schemeClr>
+          </a:solidFill>
+          <a:ln>
+            <a:solidFill>
+              <a:schemeClr val="accent6">
+                <a:lumMod val="50000"/>
+              </a:schemeClr>
+            </a:solidFill>
+          </a:ln>
+        </p:spPr>
+        <p:style>
+          <a:lnRef idx="2">
+            <a:schemeClr val="accent1">
+              <a:shade val="50000"/>
+            </a:schemeClr>
+          </a:lnRef>
+          <a:fillRef idx="1">
+            <a:schemeClr val="accent1"/>
+          </a:fillRef>
+          <a:effectRef idx="0">
+            <a:schemeClr val="accent1"/>
+          </a:effectRef>
+          <a:fontRef idx="minor">
+            <a:schemeClr val="lt1"/>
+          </a:fontRef>
+        </p:style>
+        <p:txBody>
+          <a:bodyPr wrap="none" lIns="91440" tIns="0" rIns="0" bIns="0" rtlCol="0" anchor="t" anchorCtr="0"/>
+          <a:lstStyle/>
+          <a:p>
+            <a:endParaRPr lang="en-US" sz="900" u="sng" dirty="0" smtClean="0">
+              <a:solidFill>
+                <a:schemeClr val="tx1"/>
+              </a:solidFill>
+            </a:endParaRPr>
+          </a:p>
+          <a:p>
+            <a:r>
+              <a:rPr lang="en-US" sz="900" u="sng" dirty="0" err="1" smtClean="0">
+                <a:solidFill>
+                  <a:schemeClr val="tx1"/>
+                </a:solidFill>
+              </a:rPr>
+              <a:t>bisect_epochs</a:t>
+            </a:r>
+            <a:endParaRPr lang="en-US" sz="900" u="sng" dirty="0" smtClean="0">
+              <a:solidFill>
+                <a:schemeClr val="tx1"/>
+              </a:solidFill>
+            </a:endParaRPr>
+          </a:p>
+          <a:p>
+            <a:pPr>
+              <a:buFont typeface="Arial" pitchFamily="34" charset="0"/>
+              <a:buChar char="•"/>
+            </a:pPr>
+            <a:r>
+              <a:rPr lang="en-US" sz="900" b="1" dirty="0" err="1" smtClean="0">
+                <a:solidFill>
+                  <a:schemeClr val="tx1"/>
+                </a:solidFill>
+              </a:rPr>
+              <a:t>target_epoch</a:t>
+            </a:r>
+            <a:r>
+              <a:rPr lang="en-US" sz="900" b="1" dirty="0" smtClean="0">
+                <a:solidFill>
+                  <a:schemeClr val="tx1"/>
+                </a:solidFill>
+              </a:rPr>
+              <a:t>	</a:t>
+            </a:r>
+            <a:r>
+              <a:rPr lang="en-US" sz="900" b="1" dirty="0" err="1" smtClean="0">
+                <a:solidFill>
+                  <a:schemeClr val="tx1"/>
+                </a:solidFill>
+              </a:rPr>
+              <a:t>low_index</a:t>
+            </a:r>
+            <a:endParaRPr lang="en-US" sz="900" b="1" dirty="0" smtClean="0">
+              <a:solidFill>
+                <a:schemeClr val="tx1"/>
+              </a:solidFill>
+            </a:endParaRPr>
+          </a:p>
+          <a:p>
+            <a:pPr>
+              <a:buFont typeface="Arial" pitchFamily="34" charset="0"/>
+              <a:buChar char="•"/>
+            </a:pPr>
+            <a:r>
+              <a:rPr lang="en-US" sz="900" b="1" dirty="0" smtClean="0">
+                <a:solidFill>
+                  <a:schemeClr val="tx1"/>
+                </a:solidFill>
+              </a:rPr>
+              <a:t>epochs	</a:t>
+            </a:r>
+            <a:r>
+              <a:rPr lang="en-US" sz="900" b="1" dirty="0" err="1" smtClean="0">
+                <a:solidFill>
+                  <a:schemeClr val="tx1"/>
+                </a:solidFill>
+              </a:rPr>
+              <a:t>high_index</a:t>
+            </a:r>
+            <a:endParaRPr lang="en-US" sz="900" b="1" dirty="0" smtClean="0">
+              <a:solidFill>
+                <a:schemeClr val="tx1"/>
+              </a:solidFill>
+            </a:endParaRPr>
+          </a:p>
+        </p:txBody>
+      </p:sp>
+      <p:sp>
+        <p:nvSpPr>
+          <p:cNvPr id="70" name="Cube 69"/>
+          <p:cNvSpPr/>
+          <p:nvPr/>
+        </p:nvSpPr>
+        <p:spPr>
+          <a:xfrm>
+            <a:off x="4127500" y="3752850"/>
+            <a:ext cx="1219200" cy="609600"/>
+          </a:xfrm>
+          <a:prstGeom prst="cube">
+            <a:avLst>
+              <a:gd name="adj" fmla="val 9135"/>
+            </a:avLst>
+          </a:prstGeom>
+          <a:solidFill>
+            <a:schemeClr val="accent6">
+              <a:lumMod val="60000"/>
+              <a:lumOff val="40000"/>
+            </a:schemeClr>
+          </a:solidFill>
+          <a:ln>
+            <a:solidFill>
+              <a:schemeClr val="accent6">
+                <a:lumMod val="50000"/>
+              </a:schemeClr>
+            </a:solidFill>
+          </a:ln>
+        </p:spPr>
+        <p:style>
+          <a:lnRef idx="2">
+            <a:schemeClr val="accent1">
+              <a:shade val="50000"/>
+            </a:schemeClr>
+          </a:lnRef>
+          <a:fillRef idx="1">
+            <a:schemeClr val="accent1"/>
+          </a:fillRef>
+          <a:effectRef idx="0">
+            <a:schemeClr val="accent1"/>
+          </a:effectRef>
+          <a:fontRef idx="minor">
+            <a:schemeClr val="lt1"/>
+          </a:fontRef>
+        </p:style>
+        <p:txBody>
+          <a:bodyPr wrap="none" lIns="91440" tIns="0" rIns="0" bIns="0" rtlCol="0" anchor="t" anchorCtr="0"/>
+          <a:lstStyle/>
+          <a:p>
+            <a:endParaRPr lang="en-US" sz="900" u="sng" dirty="0" smtClean="0">
+              <a:solidFill>
+                <a:schemeClr val="tx1"/>
+              </a:solidFill>
+            </a:endParaRPr>
+          </a:p>
+          <a:p>
+            <a:r>
+              <a:rPr lang="en-US" sz="900" u="sng" dirty="0" err="1" smtClean="0">
+                <a:solidFill>
+                  <a:schemeClr val="tx1"/>
+                </a:solidFill>
+              </a:rPr>
+              <a:t>f</a:t>
+            </a:r>
+            <a:r>
+              <a:rPr lang="en-US" sz="900" u="sng" dirty="0" err="1" smtClean="0">
+                <a:solidFill>
+                  <a:schemeClr val="tx1"/>
+                </a:solidFill>
+              </a:rPr>
+              <a:t>etch_AFG_B_field</a:t>
+            </a:r>
+            <a:endParaRPr lang="en-US" sz="900" u="sng" dirty="0" smtClean="0">
+              <a:solidFill>
+                <a:schemeClr val="tx1"/>
+              </a:solidFill>
+            </a:endParaRPr>
+          </a:p>
+          <a:p>
+            <a:pPr>
+              <a:buFont typeface="Arial" pitchFamily="34" charset="0"/>
+              <a:buChar char="•"/>
+            </a:pPr>
+            <a:r>
+              <a:rPr lang="en-US" sz="900" b="1" dirty="0" err="1" smtClean="0">
+                <a:solidFill>
+                  <a:schemeClr val="tx1"/>
+                </a:solidFill>
+              </a:rPr>
+              <a:t>cdf_fh</a:t>
+            </a:r>
+            <a:r>
+              <a:rPr lang="en-US" sz="900" b="1" dirty="0" smtClean="0">
+                <a:solidFill>
+                  <a:schemeClr val="tx1"/>
+                </a:solidFill>
+              </a:rPr>
+              <a:t>	B</a:t>
+            </a:r>
+          </a:p>
+          <a:p>
+            <a:pPr>
+              <a:buFont typeface="Arial" pitchFamily="34" charset="0"/>
+              <a:buChar char="•"/>
+            </a:pPr>
+            <a:r>
+              <a:rPr lang="en-US" sz="900" b="1" dirty="0" smtClean="0">
+                <a:solidFill>
+                  <a:schemeClr val="tx1"/>
+                </a:solidFill>
+              </a:rPr>
+              <a:t>species</a:t>
+            </a:r>
+            <a:endParaRPr lang="en-US" sz="900" b="1" dirty="0" smtClean="0">
+              <a:solidFill>
+                <a:schemeClr val="tx1"/>
+              </a:solidFill>
+            </a:endParaRPr>
+          </a:p>
+        </p:txBody>
+      </p:sp>
+      <p:sp>
+        <p:nvSpPr>
+          <p:cNvPr id="71" name="TextBox 70"/>
+          <p:cNvSpPr txBox="1"/>
+          <p:nvPr/>
+        </p:nvSpPr>
+        <p:spPr>
+          <a:xfrm>
+            <a:off x="381000" y="6324600"/>
+            <a:ext cx="1807739" cy="307777"/>
+          </a:xfrm>
+          <a:prstGeom prst="rect">
+            <a:avLst/>
+          </a:prstGeom>
+          <a:noFill/>
+        </p:spPr>
+        <p:txBody>
+          <a:bodyPr wrap="none" rtlCol="0">
+            <a:spAutoFit/>
+          </a:bodyPr>
+          <a:lstStyle/>
+          <a:p>
+            <a:r>
+              <a:rPr lang="en-US" sz="1400" dirty="0" smtClean="0"/>
+              <a:t>Last update: 11/21/16</a:t>
+            </a:r>
+            <a:endParaRPr lang="en-US" sz="1400" dirty="0"/>
+          </a:p>
+        </p:txBody>
+      </p:sp>
+      <p:cxnSp>
+        <p:nvCxnSpPr>
+          <p:cNvPr id="76" name="Elbow Connector 75"/>
+          <p:cNvCxnSpPr>
+            <a:stCxn id="11" idx="3"/>
+            <a:endCxn id="70" idx="0"/>
+          </p:cNvCxnSpPr>
+          <p:nvPr/>
+        </p:nvCxnSpPr>
+        <p:spPr>
+          <a:xfrm rot="16200000" flipH="1">
+            <a:off x="4640984" y="3628891"/>
+            <a:ext cx="247650" cy="268"/>
+          </a:xfrm>
+          <a:prstGeom prst="bentConnector3">
+            <a:avLst>
+              <a:gd name="adj1" fmla="val 50000"/>
+            </a:avLst>
+          </a:prstGeom>
+          <a:ln>
+            <a:headEnd type="arrow"/>
+            <a:tailEnd type="arrow"/>
+          </a:ln>
+        </p:spPr>
+        <p:style>
+          <a:lnRef idx="1">
+            <a:schemeClr val="accent1"/>
+          </a:lnRef>
+          <a:fillRef idx="0">
+            <a:schemeClr val="accent1"/>
+          </a:fillRef>
+          <a:effectRef idx="0">
+            <a:schemeClr val="accent1"/>
+          </a:effectRef>
+          <a:fontRef idx="minor">
+            <a:schemeClr val="tx1"/>
+          </a:fontRef>
+        </p:style>
+      </p:cxnSp>
+      <p:cxnSp>
+        <p:nvCxnSpPr>
+          <p:cNvPr id="79" name="Elbow Connector 78"/>
+          <p:cNvCxnSpPr>
+            <a:stCxn id="70" idx="5"/>
+            <a:endCxn id="68" idx="2"/>
+          </p:cNvCxnSpPr>
+          <p:nvPr/>
+        </p:nvCxnSpPr>
+        <p:spPr>
+          <a:xfrm>
+            <a:off x="5346700" y="4029807"/>
+            <a:ext cx="444500" cy="2017"/>
+          </a:xfrm>
+          <a:prstGeom prst="bentConnector3">
+            <a:avLst>
+              <a:gd name="adj1" fmla="val 50000"/>
+            </a:avLst>
+          </a:prstGeom>
+          <a:ln>
+            <a:headEnd type="arrow"/>
+            <a:tailEnd type="arrow"/>
+          </a:ln>
+        </p:spPr>
+        <p:style>
+          <a:lnRef idx="1">
+            <a:schemeClr val="accent1"/>
+          </a:lnRef>
+          <a:fillRef idx="0">
+            <a:schemeClr val="accent1"/>
+          </a:fillRef>
+          <a:effectRef idx="0">
+            <a:schemeClr val="accent1"/>
+          </a:effectRef>
+          <a:fontRef idx="minor">
+            <a:schemeClr val="tx1"/>
+          </a:fontRef>
+        </p:style>
+      </p:cxnSp>
+      <p:sp>
+        <p:nvSpPr>
+          <p:cNvPr id="94" name="Can 93"/>
+          <p:cNvSpPr/>
+          <p:nvPr/>
+        </p:nvSpPr>
+        <p:spPr>
+          <a:xfrm>
+            <a:off x="381000" y="3505200"/>
+            <a:ext cx="533400" cy="685800"/>
+          </a:xfrm>
+          <a:prstGeom prst="can">
+            <a:avLst/>
+          </a:prstGeom>
+          <a:solidFill>
+            <a:schemeClr val="accent3">
+              <a:lumMod val="60000"/>
+              <a:lumOff val="40000"/>
+            </a:schemeClr>
+          </a:solidFill>
+          <a:ln>
+            <a:solidFill>
+              <a:schemeClr val="accent3">
+                <a:lumMod val="50000"/>
+              </a:schemeClr>
+            </a:solidFill>
+          </a:ln>
+        </p:spPr>
+        <p:style>
+          <a:lnRef idx="2">
+            <a:schemeClr val="accent1">
+              <a:shade val="50000"/>
+            </a:schemeClr>
+          </a:lnRef>
+          <a:fillRef idx="1">
+            <a:schemeClr val="accent1"/>
+          </a:fillRef>
+          <a:effectRef idx="0">
+            <a:schemeClr val="accent1"/>
+          </a:effectRef>
+          <a:fontRef idx="minor">
+            <a:schemeClr val="lt1"/>
+          </a:fontRef>
+        </p:style>
+        <p:txBody>
+          <a:bodyPr wrap="none" lIns="0" tIns="0" rIns="0" bIns="0" rtlCol="0" anchor="ctr"/>
+          <a:lstStyle/>
+          <a:p>
+            <a:pPr algn="ctr"/>
+            <a:r>
+              <a:rPr lang="en-US" sz="900" dirty="0" smtClean="0">
+                <a:solidFill>
+                  <a:schemeClr val="tx1"/>
+                </a:solidFill>
+              </a:rPr>
+              <a:t>AFG data</a:t>
+            </a:r>
+            <a:endParaRPr lang="en-US" sz="900" dirty="0">
+              <a:solidFill>
+                <a:schemeClr val="tx1"/>
+              </a:solidFill>
+            </a:endParaRPr>
+          </a:p>
+        </p:txBody>
+      </p:sp>
+      <p:cxnSp>
+        <p:nvCxnSpPr>
+          <p:cNvPr id="95" name="Elbow Connector 94"/>
+          <p:cNvCxnSpPr>
+            <a:stCxn id="94" idx="4"/>
+            <a:endCxn id="12" idx="2"/>
+          </p:cNvCxnSpPr>
+          <p:nvPr/>
+        </p:nvCxnSpPr>
+        <p:spPr>
+          <a:xfrm flipV="1">
+            <a:off x="914400" y="2882047"/>
+            <a:ext cx="457200" cy="966053"/>
+          </a:xfrm>
+          <a:prstGeom prst="bentConnector3">
+            <a:avLst>
+              <a:gd name="adj1" fmla="val 50000"/>
+            </a:avLst>
+          </a:prstGeom>
+          <a:ln>
+            <a:tailEnd type="arrow"/>
+          </a:ln>
+        </p:spPr>
+        <p:style>
+          <a:lnRef idx="1">
+            <a:schemeClr val="accent1"/>
+          </a:lnRef>
+          <a:fillRef idx="0">
+            <a:schemeClr val="accent1"/>
+          </a:fillRef>
+          <a:effectRef idx="0">
+            <a:schemeClr val="accent1"/>
+          </a:effectRef>
+          <a:fontRef idx="minor">
+            <a:schemeClr val="tx1"/>
+          </a:fontRef>
+        </p:style>
+      </p:cxnSp>
+      <p:sp>
+        <p:nvSpPr>
+          <p:cNvPr id="153" name="Rounded Rectangle 152"/>
+          <p:cNvSpPr/>
+          <p:nvPr/>
+        </p:nvSpPr>
+        <p:spPr>
+          <a:xfrm>
+            <a:off x="381000" y="228600"/>
+            <a:ext cx="1295400" cy="457200"/>
+          </a:xfrm>
+          <a:prstGeom prst="roundRect">
+            <a:avLst/>
+          </a:prstGeom>
+        </p:spPr>
+        <p:style>
+          <a:lnRef idx="2">
+            <a:schemeClr val="accent1">
+              <a:shade val="50000"/>
+            </a:schemeClr>
+          </a:lnRef>
+          <a:fillRef idx="1">
+            <a:schemeClr val="accent1"/>
+          </a:fillRef>
+          <a:effectRef idx="0">
+            <a:schemeClr val="accent1"/>
+          </a:effectRef>
+          <a:fontRef idx="minor">
+            <a:schemeClr val="lt1"/>
+          </a:fontRef>
+        </p:style>
+        <p:txBody>
+          <a:bodyPr rtlCol="0" anchor="ctr"/>
+          <a:lstStyle/>
+          <a:p>
+            <a:pPr algn="ctr"/>
+            <a:r>
+              <a:rPr lang="en-US" dirty="0" smtClean="0"/>
+              <a:t>Data Mining</a:t>
+            </a:r>
+            <a:endParaRPr lang="en-US" dirty="0"/>
+          </a:p>
+        </p:txBody>
+      </p:sp>
+    </p:spTree>
+  </p:cSld>
+  <p:clrMapOvr>
+    <a:masterClrMapping/>
+  </p:clrMapOvr>
+</p:sld>
+</file>
+
+<file path=ppt/slides/slide2.xml><?xml version="1.0" encoding="utf-8"?>
+<p:sld xmlns:a="http://schemas.openxmlformats.org/drawingml/2006/main" xmlns:r="http://schemas.openxmlformats.org/officeDocument/2006/relationships" xmlns:p="http://schemas.openxmlformats.org/presentationml/2006/main">
+  <p:cSld>
+    <p:spTree>
+      <p:nvGrpSpPr>
+        <p:cNvPr id="1" name=""/>
+        <p:cNvGrpSpPr/>
+        <p:nvPr/>
+      </p:nvGrpSpPr>
+      <p:grpSpPr>
+        <a:xfrm>
+          <a:off x="0" y="0"/>
+          <a:ext cx="0" cy="0"/>
+          <a:chOff x="0" y="0"/>
+          <a:chExt cx="0" cy="0"/>
+        </a:xfrm>
+      </p:grpSpPr>
+      <p:sp>
+        <p:nvSpPr>
+          <p:cNvPr id="4" name="Can 3"/>
+          <p:cNvSpPr/>
+          <p:nvPr/>
+        </p:nvSpPr>
+        <p:spPr>
+          <a:xfrm>
+            <a:off x="6705600" y="2438400"/>
+            <a:ext cx="1066800" cy="609600"/>
+          </a:xfrm>
+          <a:prstGeom prst="can">
+            <a:avLst/>
+          </a:prstGeom>
+          <a:solidFill>
+            <a:schemeClr val="accent4">
+              <a:lumMod val="20000"/>
+              <a:lumOff val="80000"/>
+            </a:schemeClr>
+          </a:solidFill>
+          <a:ln>
+            <a:solidFill>
+              <a:schemeClr val="accent4">
+                <a:lumMod val="50000"/>
+              </a:schemeClr>
+            </a:solidFill>
+          </a:ln>
+        </p:spPr>
+        <p:style>
+          <a:lnRef idx="2">
+            <a:schemeClr val="accent1">
+              <a:shade val="50000"/>
+            </a:schemeClr>
+          </a:lnRef>
+          <a:fillRef idx="1">
+            <a:schemeClr val="accent1"/>
+          </a:fillRef>
+          <a:effectRef idx="0">
+            <a:schemeClr val="accent1"/>
+          </a:effectRef>
+          <a:fontRef idx="minor">
+            <a:schemeClr val="lt1"/>
+          </a:fontRef>
+        </p:style>
+        <p:txBody>
+          <a:bodyPr wrap="none" lIns="91440" tIns="0" rIns="0" bIns="0" rtlCol="0" anchor="t" anchorCtr="0"/>
+          <a:lstStyle/>
+          <a:p>
+            <a:r>
+              <a:rPr lang="en-US" sz="900" dirty="0" smtClean="0">
+                <a:solidFill>
+                  <a:schemeClr val="tx1"/>
+                </a:solidFill>
+                <a:sym typeface="Symbol"/>
+              </a:rPr>
+              <a:t></a:t>
+            </a:r>
+            <a:r>
+              <a:rPr lang="en-US" sz="900" dirty="0" smtClean="0">
+                <a:solidFill>
+                  <a:schemeClr val="tx1"/>
+                </a:solidFill>
+              </a:rPr>
+              <a:t>(</a:t>
+            </a:r>
+            <a:r>
+              <a:rPr lang="en-US" sz="900" dirty="0" smtClean="0">
+                <a:solidFill>
+                  <a:schemeClr val="tx1"/>
+                </a:solidFill>
+                <a:sym typeface="Symbol"/>
+              </a:rPr>
+              <a:t>,)</a:t>
+            </a:r>
+            <a:r>
+              <a:rPr lang="en-US" sz="900" dirty="0" smtClean="0">
+                <a:solidFill>
+                  <a:schemeClr val="tx1"/>
+                </a:solidFill>
+              </a:rPr>
+              <a:t> -  32,16 </a:t>
+            </a:r>
+          </a:p>
+          <a:p>
+            <a:r>
+              <a:rPr lang="en-US" sz="900" dirty="0">
+                <a:solidFill>
+                  <a:schemeClr val="tx1"/>
+                </a:solidFill>
+              </a:rPr>
+              <a:t> </a:t>
+            </a:r>
+            <a:r>
+              <a:rPr lang="en-US" sz="900" dirty="0" smtClean="0">
+                <a:solidFill>
+                  <a:schemeClr val="tx1"/>
+                </a:solidFill>
+              </a:rPr>
+              <a:t>              at a given k</a:t>
+            </a:r>
+          </a:p>
+        </p:txBody>
+      </p:sp>
+      <p:sp>
+        <p:nvSpPr>
+          <p:cNvPr id="6" name="Cube 5"/>
+          <p:cNvSpPr/>
+          <p:nvPr/>
+        </p:nvSpPr>
+        <p:spPr>
+          <a:xfrm>
+            <a:off x="3962400" y="152400"/>
+            <a:ext cx="2057400" cy="1371600"/>
+          </a:xfrm>
+          <a:prstGeom prst="cube">
+            <a:avLst>
+              <a:gd name="adj" fmla="val 9135"/>
+            </a:avLst>
+          </a:prstGeom>
+          <a:solidFill>
+            <a:schemeClr val="accent6">
+              <a:lumMod val="60000"/>
+              <a:lumOff val="40000"/>
+            </a:schemeClr>
+          </a:solidFill>
+          <a:ln>
+            <a:solidFill>
+              <a:schemeClr val="accent6">
+                <a:lumMod val="50000"/>
+              </a:schemeClr>
+            </a:solidFill>
+          </a:ln>
+        </p:spPr>
+        <p:style>
+          <a:lnRef idx="2">
+            <a:schemeClr val="accent1">
+              <a:shade val="50000"/>
+            </a:schemeClr>
+          </a:lnRef>
+          <a:fillRef idx="1">
+            <a:schemeClr val="accent1"/>
+          </a:fillRef>
+          <a:effectRef idx="0">
+            <a:schemeClr val="accent1"/>
+          </a:effectRef>
+          <a:fontRef idx="minor">
+            <a:schemeClr val="lt1"/>
+          </a:fontRef>
+        </p:style>
+        <p:txBody>
+          <a:bodyPr wrap="none" lIns="91440" tIns="0" rIns="0" bIns="0" rtlCol="0" anchor="t" anchorCtr="0"/>
+          <a:lstStyle/>
+          <a:p>
+            <a:endParaRPr lang="en-US" sz="900" u="sng" dirty="0" smtClean="0">
+              <a:solidFill>
+                <a:schemeClr val="tx1"/>
+              </a:solidFill>
+            </a:endParaRPr>
+          </a:p>
+          <a:p>
+            <a:r>
+              <a:rPr lang="en-US" sz="900" u="sng" dirty="0" err="1" smtClean="0">
+                <a:solidFill>
+                  <a:schemeClr val="tx1"/>
+                </a:solidFill>
+              </a:rPr>
+              <a:t>compute_limited_PAD</a:t>
+            </a:r>
+            <a:endParaRPr lang="en-US" sz="900" u="sng" dirty="0" smtClean="0">
+              <a:solidFill>
+                <a:schemeClr val="tx1"/>
+              </a:solidFill>
+            </a:endParaRPr>
+          </a:p>
+          <a:p>
+            <a:pPr>
+              <a:buFont typeface="Arial" pitchFamily="34" charset="0"/>
+              <a:buChar char="•"/>
+            </a:pPr>
+            <a:r>
+              <a:rPr lang="en-US" sz="900" b="1" dirty="0" err="1" smtClean="0">
+                <a:solidFill>
+                  <a:schemeClr val="tx1"/>
+                </a:solidFill>
+              </a:rPr>
+              <a:t>time_label</a:t>
+            </a:r>
+            <a:r>
+              <a:rPr lang="en-US" sz="900" b="1" dirty="0" smtClean="0">
+                <a:solidFill>
+                  <a:schemeClr val="tx1"/>
+                </a:solidFill>
+              </a:rPr>
+              <a:t>           </a:t>
+            </a:r>
+            <a:r>
+              <a:rPr lang="en-US" sz="900" b="1" dirty="0" err="1" smtClean="0">
+                <a:solidFill>
+                  <a:schemeClr val="tx1"/>
+                </a:solidFill>
+              </a:rPr>
+              <a:t>Edata</a:t>
+            </a:r>
+            <a:endParaRPr lang="en-US" sz="900" b="1" dirty="0" smtClean="0">
+              <a:solidFill>
+                <a:schemeClr val="tx1"/>
+              </a:solidFill>
+            </a:endParaRPr>
+          </a:p>
+          <a:p>
+            <a:pPr>
+              <a:buFont typeface="Arial" pitchFamily="34" charset="0"/>
+              <a:buChar char="•"/>
+            </a:pPr>
+            <a:r>
+              <a:rPr lang="en-US" sz="900" b="1" dirty="0" err="1" smtClean="0">
+                <a:solidFill>
+                  <a:schemeClr val="tx1"/>
+                </a:solidFill>
+              </a:rPr>
+              <a:t>min</a:t>
+            </a:r>
+            <a:r>
+              <a:rPr lang="en-US" sz="900" b="1" dirty="0" err="1" smtClean="0">
+                <a:solidFill>
+                  <a:schemeClr val="tx1"/>
+                </a:solidFill>
+              </a:rPr>
+              <a:t>E</a:t>
+            </a:r>
+            <a:r>
+              <a:rPr lang="en-US" sz="900" b="1" dirty="0" smtClean="0">
+                <a:solidFill>
+                  <a:schemeClr val="tx1"/>
+                </a:solidFill>
+              </a:rPr>
+              <a:t>                     FAC</a:t>
+            </a:r>
+          </a:p>
+          <a:p>
+            <a:pPr>
+              <a:buFont typeface="Arial" pitchFamily="34" charset="0"/>
+              <a:buChar char="•"/>
+            </a:pPr>
+            <a:r>
+              <a:rPr lang="en-US" sz="900" b="1" dirty="0" err="1" smtClean="0">
+                <a:solidFill>
+                  <a:schemeClr val="tx1"/>
+                </a:solidFill>
+              </a:rPr>
+              <a:t>maxE</a:t>
+            </a:r>
+            <a:endParaRPr lang="en-US" sz="900" b="1" dirty="0" smtClean="0">
+              <a:solidFill>
+                <a:schemeClr val="tx1"/>
+              </a:solidFill>
+            </a:endParaRPr>
+          </a:p>
+          <a:p>
+            <a:pPr>
+              <a:buFont typeface="Arial" pitchFamily="34" charset="0"/>
+              <a:buChar char="•"/>
+            </a:pPr>
+            <a:r>
+              <a:rPr lang="en-US" sz="900" b="1" dirty="0" err="1" smtClean="0">
+                <a:solidFill>
+                  <a:schemeClr val="tx1"/>
+                </a:solidFill>
+              </a:rPr>
+              <a:t>minPA</a:t>
+            </a:r>
+            <a:endParaRPr lang="en-US" sz="900" b="1" dirty="0" smtClean="0">
+              <a:solidFill>
+                <a:schemeClr val="tx1"/>
+              </a:solidFill>
+            </a:endParaRPr>
+          </a:p>
+          <a:p>
+            <a:pPr>
+              <a:buFont typeface="Arial" pitchFamily="34" charset="0"/>
+              <a:buChar char="•"/>
+            </a:pPr>
+            <a:r>
+              <a:rPr lang="en-US" sz="900" b="1" dirty="0" err="1" smtClean="0">
+                <a:solidFill>
+                  <a:schemeClr val="tx1"/>
+                </a:solidFill>
+              </a:rPr>
+              <a:t>maxPA</a:t>
+            </a:r>
+            <a:endParaRPr lang="en-US" sz="900" b="1" dirty="0" smtClean="0">
+              <a:solidFill>
+                <a:schemeClr val="tx1"/>
+              </a:solidFill>
+            </a:endParaRPr>
+          </a:p>
+          <a:p>
+            <a:pPr>
+              <a:buFont typeface="Arial" pitchFamily="34" charset="0"/>
+              <a:buChar char="•"/>
+            </a:pPr>
+            <a:r>
+              <a:rPr lang="en-US" sz="900" b="1" dirty="0" err="1" smtClean="0">
+                <a:solidFill>
+                  <a:schemeClr val="tx1"/>
+                </a:solidFill>
+              </a:rPr>
+              <a:t>core_data</a:t>
+            </a:r>
+            <a:endParaRPr lang="en-US" sz="900" b="1" dirty="0" smtClean="0">
+              <a:solidFill>
+                <a:schemeClr val="tx1"/>
+              </a:solidFill>
+            </a:endParaRPr>
+          </a:p>
+        </p:txBody>
+      </p:sp>
+      <p:sp>
+        <p:nvSpPr>
+          <p:cNvPr id="12" name="Cube 11"/>
+          <p:cNvSpPr/>
+          <p:nvPr/>
+        </p:nvSpPr>
+        <p:spPr>
+          <a:xfrm>
+            <a:off x="4089640" y="2133600"/>
+            <a:ext cx="1600200" cy="762000"/>
+          </a:xfrm>
+          <a:prstGeom prst="cube">
+            <a:avLst>
+              <a:gd name="adj" fmla="val 9135"/>
+            </a:avLst>
+          </a:prstGeom>
+          <a:solidFill>
+            <a:schemeClr val="accent6">
+              <a:lumMod val="60000"/>
+              <a:lumOff val="40000"/>
+            </a:schemeClr>
+          </a:solidFill>
+          <a:ln>
+            <a:solidFill>
+              <a:schemeClr val="accent6">
+                <a:lumMod val="50000"/>
+              </a:schemeClr>
+            </a:solidFill>
+          </a:ln>
+        </p:spPr>
+        <p:style>
+          <a:lnRef idx="2">
+            <a:schemeClr val="accent1">
+              <a:shade val="50000"/>
+            </a:schemeClr>
+          </a:lnRef>
+          <a:fillRef idx="1">
+            <a:schemeClr val="accent1"/>
+          </a:fillRef>
+          <a:effectRef idx="0">
+            <a:schemeClr val="accent1"/>
+          </a:effectRef>
+          <a:fontRef idx="minor">
+            <a:schemeClr val="lt1"/>
+          </a:fontRef>
+        </p:style>
+        <p:txBody>
+          <a:bodyPr wrap="none" lIns="91440" tIns="0" rIns="0" bIns="0" rtlCol="0" anchor="t" anchorCtr="0"/>
+          <a:lstStyle/>
+          <a:p>
+            <a:endParaRPr lang="en-US" sz="900" u="sng" dirty="0" smtClean="0">
+              <a:solidFill>
+                <a:schemeClr val="tx1"/>
+              </a:solidFill>
+            </a:endParaRPr>
+          </a:p>
+          <a:p>
+            <a:r>
+              <a:rPr lang="en-US" sz="900" u="sng" dirty="0" err="1" smtClean="0">
+                <a:solidFill>
+                  <a:schemeClr val="tx1"/>
+                </a:solidFill>
+              </a:rPr>
+              <a:t>calculate_pitch_angles</a:t>
+            </a:r>
+            <a:r>
+              <a:rPr lang="en-US" sz="900" u="sng" dirty="0" smtClean="0">
+                <a:solidFill>
+                  <a:schemeClr val="tx1"/>
+                </a:solidFill>
+              </a:rPr>
+              <a:t>:</a:t>
+            </a:r>
+          </a:p>
+          <a:p>
+            <a:pPr>
+              <a:buFont typeface="Arial" pitchFamily="34" charset="0"/>
+              <a:buChar char="•"/>
+            </a:pPr>
+            <a:r>
+              <a:rPr lang="en-US" sz="900" b="1" dirty="0" err="1" smtClean="0">
+                <a:solidFill>
+                  <a:schemeClr val="tx1"/>
+                </a:solidFill>
+              </a:rPr>
+              <a:t>v_dirs</a:t>
+            </a:r>
+            <a:r>
+              <a:rPr lang="en-US" sz="900" b="1" dirty="0" smtClean="0">
+                <a:solidFill>
+                  <a:schemeClr val="tx1"/>
+                </a:solidFill>
+              </a:rPr>
+              <a:t>             </a:t>
+            </a:r>
+            <a:r>
+              <a:rPr lang="en-US" sz="900" b="1" dirty="0" err="1" smtClean="0">
+                <a:solidFill>
+                  <a:schemeClr val="tx1"/>
+                </a:solidFill>
+              </a:rPr>
+              <a:t>pitch_angles</a:t>
+            </a:r>
+            <a:r>
+              <a:rPr lang="en-US" sz="900" b="1" dirty="0" smtClean="0">
+                <a:solidFill>
+                  <a:schemeClr val="tx1"/>
+                </a:solidFill>
+              </a:rPr>
+              <a:t> </a:t>
+            </a:r>
+            <a:r>
+              <a:rPr lang="en-US" sz="900" b="1" dirty="0" smtClean="0">
+                <a:solidFill>
+                  <a:schemeClr val="tx1"/>
+                </a:solidFill>
+              </a:rPr>
+              <a:t>(</a:t>
+            </a:r>
+            <a:r>
+              <a:rPr lang="en-US" sz="900" b="1" dirty="0" smtClean="0">
+                <a:solidFill>
+                  <a:schemeClr val="tx1"/>
+                </a:solidFill>
+                <a:sym typeface="Symbol"/>
+              </a:rPr>
+              <a:t></a:t>
+            </a:r>
+            <a:r>
+              <a:rPr lang="en-US" sz="900" b="1" dirty="0" smtClean="0">
+                <a:solidFill>
+                  <a:schemeClr val="tx1"/>
+                </a:solidFill>
+              </a:rPr>
+              <a:t>)</a:t>
+            </a:r>
+          </a:p>
+          <a:p>
+            <a:pPr>
+              <a:buFont typeface="Arial" pitchFamily="34" charset="0"/>
+              <a:buChar char="•"/>
+            </a:pPr>
+            <a:r>
+              <a:rPr lang="en-US" sz="900" b="1" dirty="0" err="1" smtClean="0">
+                <a:solidFill>
+                  <a:schemeClr val="tx1"/>
+                </a:solidFill>
+              </a:rPr>
+              <a:t>bfield</a:t>
+            </a:r>
+            <a:endParaRPr lang="en-US" sz="900" b="1" dirty="0" smtClean="0">
+              <a:solidFill>
+                <a:schemeClr val="tx1"/>
+              </a:solidFill>
+            </a:endParaRPr>
+          </a:p>
+          <a:p>
+            <a:pPr>
+              <a:buFont typeface="Arial" pitchFamily="34" charset="0"/>
+              <a:buChar char="•"/>
+            </a:pPr>
+            <a:r>
+              <a:rPr lang="en-US" sz="900" b="1" dirty="0" err="1" smtClean="0">
+                <a:solidFill>
+                  <a:schemeClr val="tx1"/>
+                </a:solidFill>
+              </a:rPr>
+              <a:t>time_label</a:t>
+            </a:r>
+            <a:endParaRPr lang="en-US" sz="900" b="1" dirty="0" smtClean="0">
+              <a:solidFill>
+                <a:schemeClr val="tx1"/>
+              </a:solidFill>
+            </a:endParaRPr>
+          </a:p>
+        </p:txBody>
+      </p:sp>
+      <p:sp>
+        <p:nvSpPr>
+          <p:cNvPr id="13" name="Cube 12"/>
+          <p:cNvSpPr/>
+          <p:nvPr/>
+        </p:nvSpPr>
+        <p:spPr>
+          <a:xfrm>
+            <a:off x="1600200" y="1752600"/>
+            <a:ext cx="2057400" cy="1371600"/>
+          </a:xfrm>
+          <a:prstGeom prst="cube">
+            <a:avLst>
+              <a:gd name="adj" fmla="val 9135"/>
+            </a:avLst>
+          </a:prstGeom>
+          <a:solidFill>
+            <a:schemeClr val="accent6">
+              <a:lumMod val="60000"/>
+              <a:lumOff val="40000"/>
+            </a:schemeClr>
+          </a:solidFill>
+          <a:ln>
+            <a:solidFill>
+              <a:schemeClr val="accent6">
+                <a:lumMod val="50000"/>
+              </a:schemeClr>
+            </a:solidFill>
+          </a:ln>
+        </p:spPr>
+        <p:style>
+          <a:lnRef idx="2">
+            <a:schemeClr val="accent1">
+              <a:shade val="50000"/>
+            </a:schemeClr>
+          </a:lnRef>
+          <a:fillRef idx="1">
+            <a:schemeClr val="accent1"/>
+          </a:fillRef>
+          <a:effectRef idx="0">
+            <a:schemeClr val="accent1"/>
+          </a:effectRef>
+          <a:fontRef idx="minor">
+            <a:schemeClr val="lt1"/>
+          </a:fontRef>
+        </p:style>
+        <p:txBody>
+          <a:bodyPr wrap="none" lIns="91440" tIns="0" rIns="0" bIns="0" rtlCol="0" anchor="t" anchorCtr="0"/>
+          <a:lstStyle/>
+          <a:p>
+            <a:endParaRPr lang="en-US" sz="900" u="sng" dirty="0" smtClean="0">
+              <a:solidFill>
+                <a:schemeClr val="tx1"/>
+              </a:solidFill>
+            </a:endParaRPr>
+          </a:p>
+          <a:p>
+            <a:r>
+              <a:rPr lang="en-US" sz="900" u="sng" dirty="0" err="1" smtClean="0">
+                <a:solidFill>
+                  <a:schemeClr val="tx1"/>
+                </a:solidFill>
+              </a:rPr>
+              <a:t>create_smooth</a:t>
+            </a:r>
+            <a:r>
+              <a:rPr lang="en-US" sz="900" u="sng" dirty="0" err="1" smtClean="0">
+                <a:solidFill>
+                  <a:schemeClr val="tx1"/>
+                </a:solidFill>
+              </a:rPr>
+              <a:t>_survey_PAD_plot</a:t>
+            </a:r>
+            <a:r>
+              <a:rPr lang="en-US" sz="900" u="sng" dirty="0" smtClean="0">
+                <a:solidFill>
+                  <a:schemeClr val="tx1"/>
+                </a:solidFill>
+              </a:rPr>
+              <a:t>:</a:t>
+            </a:r>
+            <a:endParaRPr lang="en-US" sz="900" u="sng" dirty="0" smtClean="0">
+              <a:solidFill>
+                <a:schemeClr val="tx1"/>
+              </a:solidFill>
+            </a:endParaRPr>
+          </a:p>
+          <a:p>
+            <a:pPr>
+              <a:buFont typeface="Arial" pitchFamily="34" charset="0"/>
+              <a:buChar char="•"/>
+            </a:pPr>
+            <a:r>
+              <a:rPr lang="en-US" sz="900" b="1" dirty="0" err="1" smtClean="0">
+                <a:solidFill>
+                  <a:schemeClr val="tx1"/>
+                </a:solidFill>
+              </a:rPr>
+              <a:t>time_label</a:t>
+            </a:r>
+            <a:r>
+              <a:rPr lang="en-US" sz="900" b="1" dirty="0" smtClean="0">
+                <a:solidFill>
+                  <a:schemeClr val="tx1"/>
+                </a:solidFill>
+              </a:rPr>
+              <a:t> </a:t>
+            </a:r>
+          </a:p>
+          <a:p>
+            <a:pPr>
+              <a:buFont typeface="Arial" pitchFamily="34" charset="0"/>
+              <a:buChar char="•"/>
+            </a:pPr>
+            <a:r>
+              <a:rPr lang="en-US" sz="900" b="1" dirty="0" err="1" smtClean="0">
+                <a:solidFill>
+                  <a:schemeClr val="tx1"/>
+                </a:solidFill>
+              </a:rPr>
+              <a:t>t</a:t>
+            </a:r>
+            <a:r>
+              <a:rPr lang="en-US" sz="900" b="1" dirty="0" err="1" smtClean="0">
+                <a:solidFill>
+                  <a:schemeClr val="tx1"/>
+                </a:solidFill>
+              </a:rPr>
+              <a:t>ime_range_str</a:t>
+            </a:r>
+            <a:endParaRPr lang="en-US" sz="900" b="1" dirty="0" smtClean="0">
+              <a:solidFill>
+                <a:schemeClr val="tx1"/>
+              </a:solidFill>
+            </a:endParaRPr>
+          </a:p>
+          <a:p>
+            <a:pPr>
+              <a:buFont typeface="Arial" pitchFamily="34" charset="0"/>
+              <a:buChar char="•"/>
+            </a:pPr>
+            <a:r>
+              <a:rPr lang="en-US" sz="900" b="1" dirty="0" err="1" smtClean="0">
+                <a:solidFill>
+                  <a:schemeClr val="tx1"/>
+                </a:solidFill>
+              </a:rPr>
+              <a:t>filepath</a:t>
+            </a:r>
+            <a:endParaRPr lang="en-US" sz="900" b="1" dirty="0" smtClean="0">
+              <a:solidFill>
+                <a:schemeClr val="tx1"/>
+              </a:solidFill>
+            </a:endParaRPr>
+          </a:p>
+          <a:p>
+            <a:pPr>
+              <a:buFont typeface="Arial" pitchFamily="34" charset="0"/>
+              <a:buChar char="•"/>
+            </a:pPr>
+            <a:r>
+              <a:rPr lang="en-US" sz="900" b="1" dirty="0" err="1" smtClean="0">
+                <a:solidFill>
+                  <a:schemeClr val="tx1"/>
+                </a:solidFill>
+              </a:rPr>
+              <a:t>core_data</a:t>
+            </a:r>
+            <a:endParaRPr lang="en-US" sz="900" b="1" dirty="0" smtClean="0">
+              <a:solidFill>
+                <a:schemeClr val="tx1"/>
+              </a:solidFill>
+            </a:endParaRPr>
+          </a:p>
+          <a:p>
+            <a:pPr>
+              <a:buFont typeface="Arial" pitchFamily="34" charset="0"/>
+              <a:buChar char="•"/>
+            </a:pPr>
+            <a:endParaRPr lang="en-US" sz="900" b="1" dirty="0" smtClean="0">
+              <a:solidFill>
+                <a:schemeClr val="tx1"/>
+              </a:solidFill>
+            </a:endParaRPr>
+          </a:p>
+          <a:p>
+            <a:r>
+              <a:rPr lang="en-US" sz="900" b="1" dirty="0" smtClean="0">
+                <a:solidFill>
+                  <a:schemeClr val="tx1"/>
+                </a:solidFill>
+              </a:rPr>
+              <a:t>(</a:t>
+            </a:r>
+            <a:r>
+              <a:rPr lang="en-US" sz="900" b="1" dirty="0" err="1" smtClean="0">
+                <a:solidFill>
+                  <a:schemeClr val="tx1"/>
+                </a:solidFill>
+              </a:rPr>
+              <a:t>minE</a:t>
+            </a:r>
+            <a:r>
+              <a:rPr lang="en-US" sz="900" b="1" dirty="0" smtClean="0">
+                <a:solidFill>
+                  <a:schemeClr val="tx1"/>
+                </a:solidFill>
+              </a:rPr>
+              <a:t> = 0, </a:t>
+            </a:r>
+            <a:r>
+              <a:rPr lang="en-US" sz="900" b="1" dirty="0" err="1" smtClean="0">
+                <a:solidFill>
+                  <a:schemeClr val="tx1"/>
+                </a:solidFill>
+              </a:rPr>
+              <a:t>maxE</a:t>
+            </a:r>
+            <a:r>
+              <a:rPr lang="en-US" sz="900" b="1" dirty="0" smtClean="0">
+                <a:solidFill>
+                  <a:schemeClr val="tx1"/>
+                </a:solidFill>
+              </a:rPr>
+              <a:t> = 32)</a:t>
+            </a:r>
+          </a:p>
+        </p:txBody>
+      </p:sp>
+      <p:sp>
+        <p:nvSpPr>
+          <p:cNvPr id="14" name="Cube 13"/>
+          <p:cNvSpPr/>
+          <p:nvPr/>
+        </p:nvSpPr>
+        <p:spPr>
+          <a:xfrm>
+            <a:off x="6829138" y="363244"/>
+            <a:ext cx="1600200" cy="762000"/>
+          </a:xfrm>
+          <a:prstGeom prst="cube">
+            <a:avLst>
+              <a:gd name="adj" fmla="val 9135"/>
+            </a:avLst>
+          </a:prstGeom>
+          <a:solidFill>
+            <a:schemeClr val="accent6">
+              <a:lumMod val="60000"/>
+              <a:lumOff val="40000"/>
+            </a:schemeClr>
+          </a:solidFill>
+          <a:ln>
+            <a:solidFill>
+              <a:schemeClr val="accent6">
+                <a:lumMod val="50000"/>
+              </a:schemeClr>
+            </a:solidFill>
+          </a:ln>
+        </p:spPr>
+        <p:style>
+          <a:lnRef idx="2">
+            <a:schemeClr val="accent1">
+              <a:shade val="50000"/>
+            </a:schemeClr>
+          </a:lnRef>
+          <a:fillRef idx="1">
+            <a:schemeClr val="accent1"/>
+          </a:fillRef>
+          <a:effectRef idx="0">
+            <a:schemeClr val="accent1"/>
+          </a:effectRef>
+          <a:fontRef idx="minor">
+            <a:schemeClr val="lt1"/>
+          </a:fontRef>
+        </p:style>
+        <p:txBody>
+          <a:bodyPr wrap="none" lIns="91440" tIns="0" rIns="0" bIns="0" rtlCol="0" anchor="t" anchorCtr="0"/>
+          <a:lstStyle/>
+          <a:p>
+            <a:endParaRPr lang="en-US" sz="900" u="sng" dirty="0" smtClean="0">
+              <a:solidFill>
+                <a:schemeClr val="tx1"/>
+              </a:solidFill>
+            </a:endParaRPr>
+          </a:p>
+          <a:p>
+            <a:r>
+              <a:rPr lang="en-US" sz="900" u="sng" dirty="0" err="1" smtClean="0">
+                <a:solidFill>
+                  <a:schemeClr val="tx1"/>
+                </a:solidFill>
+              </a:rPr>
+              <a:t>spherical_cap_area</a:t>
+            </a:r>
+            <a:r>
+              <a:rPr lang="en-US" sz="900" u="sng" dirty="0" smtClean="0">
+                <a:solidFill>
+                  <a:schemeClr val="tx1"/>
+                </a:solidFill>
+              </a:rPr>
+              <a:t>:</a:t>
+            </a:r>
+            <a:endParaRPr lang="en-US" sz="900" u="sng" dirty="0" smtClean="0">
+              <a:solidFill>
+                <a:schemeClr val="tx1"/>
+              </a:solidFill>
+            </a:endParaRPr>
+          </a:p>
+          <a:p>
+            <a:pPr>
+              <a:buFont typeface="Arial" pitchFamily="34" charset="0"/>
+              <a:buChar char="•"/>
+            </a:pPr>
+            <a:r>
+              <a:rPr lang="en-US" sz="900" b="1" dirty="0" smtClean="0">
+                <a:solidFill>
+                  <a:schemeClr val="tx1"/>
+                </a:solidFill>
+              </a:rPr>
+              <a:t>theta                 </a:t>
+            </a:r>
+            <a:r>
+              <a:rPr lang="en-US" sz="900" b="1" dirty="0" smtClean="0">
+                <a:solidFill>
+                  <a:schemeClr val="tx1"/>
+                </a:solidFill>
+              </a:rPr>
+              <a:t>A</a:t>
+            </a:r>
+          </a:p>
+        </p:txBody>
+      </p:sp>
+      <p:cxnSp>
+        <p:nvCxnSpPr>
+          <p:cNvPr id="15" name="Elbow Connector 14"/>
+          <p:cNvCxnSpPr>
+            <a:stCxn id="6" idx="3"/>
+            <a:endCxn id="12" idx="0"/>
+          </p:cNvCxnSpPr>
+          <p:nvPr/>
+        </p:nvCxnSpPr>
+        <p:spPr>
+          <a:xfrm rot="5400000">
+            <a:off x="4621698" y="1826846"/>
+            <a:ext cx="609600" cy="3908"/>
+          </a:xfrm>
+          <a:prstGeom prst="bentConnector3">
+            <a:avLst>
+              <a:gd name="adj1" fmla="val 50000"/>
+            </a:avLst>
+          </a:prstGeom>
+          <a:ln>
+            <a:headEnd type="arrow"/>
+            <a:tailEnd type="arrow"/>
+          </a:ln>
+        </p:spPr>
+        <p:style>
+          <a:lnRef idx="1">
+            <a:schemeClr val="accent1"/>
+          </a:lnRef>
+          <a:fillRef idx="0">
+            <a:schemeClr val="accent1"/>
+          </a:fillRef>
+          <a:effectRef idx="0">
+            <a:schemeClr val="accent1"/>
+          </a:effectRef>
+          <a:fontRef idx="minor">
+            <a:schemeClr val="tx1"/>
+          </a:fontRef>
+        </p:style>
+      </p:cxnSp>
+      <p:cxnSp>
+        <p:nvCxnSpPr>
+          <p:cNvPr id="19" name="Elbow Connector 18"/>
+          <p:cNvCxnSpPr>
+            <a:stCxn id="6" idx="5"/>
+            <a:endCxn id="14" idx="2"/>
+          </p:cNvCxnSpPr>
+          <p:nvPr/>
+        </p:nvCxnSpPr>
+        <p:spPr>
+          <a:xfrm>
+            <a:off x="6019800" y="775552"/>
+            <a:ext cx="809338" cy="3496"/>
+          </a:xfrm>
+          <a:prstGeom prst="bentConnector3">
+            <a:avLst>
+              <a:gd name="adj1" fmla="val 50000"/>
+            </a:avLst>
+          </a:prstGeom>
+          <a:ln>
+            <a:headEnd type="arrow"/>
+            <a:tailEnd type="arrow"/>
+          </a:ln>
+        </p:spPr>
+        <p:style>
+          <a:lnRef idx="1">
+            <a:schemeClr val="accent1"/>
+          </a:lnRef>
+          <a:fillRef idx="0">
+            <a:schemeClr val="accent1"/>
+          </a:fillRef>
+          <a:effectRef idx="0">
+            <a:schemeClr val="accent1"/>
+          </a:effectRef>
+          <a:fontRef idx="minor">
+            <a:schemeClr val="tx1"/>
+          </a:fontRef>
+        </p:style>
+      </p:cxnSp>
+      <p:sp>
+        <p:nvSpPr>
+          <p:cNvPr id="22" name="Cube 21"/>
+          <p:cNvSpPr/>
+          <p:nvPr/>
+        </p:nvSpPr>
+        <p:spPr>
+          <a:xfrm>
+            <a:off x="1600200" y="152400"/>
+            <a:ext cx="2057400" cy="1371600"/>
+          </a:xfrm>
+          <a:prstGeom prst="cube">
+            <a:avLst>
+              <a:gd name="adj" fmla="val 9135"/>
+            </a:avLst>
+          </a:prstGeom>
+          <a:solidFill>
+            <a:schemeClr val="accent6">
+              <a:lumMod val="60000"/>
+              <a:lumOff val="40000"/>
+            </a:schemeClr>
+          </a:solidFill>
+          <a:ln>
+            <a:solidFill>
+              <a:schemeClr val="accent6">
+                <a:lumMod val="50000"/>
+              </a:schemeClr>
+            </a:solidFill>
+          </a:ln>
+        </p:spPr>
+        <p:style>
+          <a:lnRef idx="2">
+            <a:schemeClr val="accent1">
+              <a:shade val="50000"/>
+            </a:schemeClr>
+          </a:lnRef>
+          <a:fillRef idx="1">
+            <a:schemeClr val="accent1"/>
+          </a:fillRef>
+          <a:effectRef idx="0">
+            <a:schemeClr val="accent1"/>
+          </a:effectRef>
+          <a:fontRef idx="minor">
+            <a:schemeClr val="lt1"/>
+          </a:fontRef>
+        </p:style>
+        <p:txBody>
+          <a:bodyPr wrap="none" lIns="91440" tIns="0" rIns="0" bIns="0" rtlCol="0" anchor="t" anchorCtr="0"/>
+          <a:lstStyle/>
+          <a:p>
+            <a:endParaRPr lang="en-US" sz="900" u="sng" dirty="0" smtClean="0">
+              <a:solidFill>
+                <a:schemeClr val="tx1"/>
+              </a:solidFill>
+            </a:endParaRPr>
+          </a:p>
+          <a:p>
+            <a:r>
+              <a:rPr lang="en-US" sz="900" u="sng" dirty="0" err="1" smtClean="0">
+                <a:solidFill>
+                  <a:schemeClr val="tx1"/>
+                </a:solidFill>
+              </a:rPr>
+              <a:t>create_flux_survey_spectrum</a:t>
+            </a:r>
+            <a:endParaRPr lang="en-US" sz="900" u="sng" dirty="0" smtClean="0">
+              <a:solidFill>
+                <a:schemeClr val="tx1"/>
+              </a:solidFill>
+            </a:endParaRPr>
+          </a:p>
+          <a:p>
+            <a:pPr>
+              <a:buFont typeface="Arial" pitchFamily="34" charset="0"/>
+              <a:buChar char="•"/>
+            </a:pPr>
+            <a:r>
+              <a:rPr lang="en-US" sz="900" b="1" dirty="0" err="1" smtClean="0">
+                <a:solidFill>
+                  <a:schemeClr val="tx1"/>
+                </a:solidFill>
+              </a:rPr>
+              <a:t>time_label</a:t>
+            </a:r>
+            <a:r>
+              <a:rPr lang="en-US" sz="900" b="1" dirty="0" smtClean="0">
+                <a:solidFill>
+                  <a:schemeClr val="tx1"/>
+                </a:solidFill>
+              </a:rPr>
+              <a:t> </a:t>
+            </a:r>
+          </a:p>
+          <a:p>
+            <a:pPr>
+              <a:buFont typeface="Arial" pitchFamily="34" charset="0"/>
+              <a:buChar char="•"/>
+            </a:pPr>
+            <a:r>
+              <a:rPr lang="en-US" sz="900" b="1" dirty="0" err="1" smtClean="0">
+                <a:solidFill>
+                  <a:schemeClr val="tx1"/>
+                </a:solidFill>
+              </a:rPr>
+              <a:t>t</a:t>
+            </a:r>
+            <a:r>
+              <a:rPr lang="en-US" sz="900" b="1" dirty="0" err="1" smtClean="0">
+                <a:solidFill>
+                  <a:schemeClr val="tx1"/>
+                </a:solidFill>
+              </a:rPr>
+              <a:t>ime_range_str</a:t>
+            </a:r>
+            <a:endParaRPr lang="en-US" sz="900" b="1" dirty="0" smtClean="0">
+              <a:solidFill>
+                <a:schemeClr val="tx1"/>
+              </a:solidFill>
+            </a:endParaRPr>
+          </a:p>
+          <a:p>
+            <a:pPr>
+              <a:buFont typeface="Arial" pitchFamily="34" charset="0"/>
+              <a:buChar char="•"/>
+            </a:pPr>
+            <a:r>
+              <a:rPr lang="en-US" sz="900" b="1" dirty="0" err="1" smtClean="0">
+                <a:solidFill>
+                  <a:schemeClr val="tx1"/>
+                </a:solidFill>
+              </a:rPr>
+              <a:t>filepath</a:t>
+            </a:r>
+            <a:endParaRPr lang="en-US" sz="900" b="1" dirty="0" smtClean="0">
+              <a:solidFill>
+                <a:schemeClr val="tx1"/>
+              </a:solidFill>
+            </a:endParaRPr>
+          </a:p>
+          <a:p>
+            <a:pPr>
+              <a:buFont typeface="Arial" pitchFamily="34" charset="0"/>
+              <a:buChar char="•"/>
+            </a:pPr>
+            <a:r>
+              <a:rPr lang="en-US" sz="900" b="1" dirty="0" err="1" smtClean="0">
+                <a:solidFill>
+                  <a:schemeClr val="tx1"/>
+                </a:solidFill>
+              </a:rPr>
+              <a:t>core_data</a:t>
+            </a:r>
+            <a:endParaRPr lang="en-US" sz="900" b="1" dirty="0" smtClean="0">
+              <a:solidFill>
+                <a:schemeClr val="tx1"/>
+              </a:solidFill>
+            </a:endParaRPr>
+          </a:p>
+          <a:p>
+            <a:pPr>
+              <a:buFont typeface="Arial" pitchFamily="34" charset="0"/>
+              <a:buChar char="•"/>
+            </a:pPr>
+            <a:endParaRPr lang="en-US" sz="900" b="1" dirty="0" smtClean="0">
+              <a:solidFill>
+                <a:schemeClr val="tx1"/>
+              </a:solidFill>
+            </a:endParaRPr>
+          </a:p>
+          <a:p>
+            <a:r>
+              <a:rPr lang="en-US" sz="900" b="1" dirty="0" smtClean="0">
+                <a:solidFill>
+                  <a:schemeClr val="tx1"/>
+                </a:solidFill>
+              </a:rPr>
+              <a:t>(</a:t>
+            </a:r>
+            <a:r>
+              <a:rPr lang="en-US" sz="900" b="1" dirty="0" err="1" smtClean="0">
+                <a:solidFill>
+                  <a:schemeClr val="tx1"/>
+                </a:solidFill>
+              </a:rPr>
+              <a:t>minE</a:t>
+            </a:r>
+            <a:r>
+              <a:rPr lang="en-US" sz="900" b="1" dirty="0" smtClean="0">
+                <a:solidFill>
+                  <a:schemeClr val="tx1"/>
+                </a:solidFill>
+              </a:rPr>
+              <a:t> = 0, </a:t>
+            </a:r>
+            <a:r>
+              <a:rPr lang="en-US" sz="900" b="1" dirty="0" err="1" smtClean="0">
+                <a:solidFill>
+                  <a:schemeClr val="tx1"/>
+                </a:solidFill>
+              </a:rPr>
+              <a:t>maxE</a:t>
+            </a:r>
+            <a:r>
+              <a:rPr lang="en-US" sz="900" b="1" dirty="0" smtClean="0">
+                <a:solidFill>
+                  <a:schemeClr val="tx1"/>
+                </a:solidFill>
+              </a:rPr>
+              <a:t> = 32)</a:t>
+            </a:r>
+          </a:p>
+        </p:txBody>
+      </p:sp>
+      <p:sp>
+        <p:nvSpPr>
+          <p:cNvPr id="23" name="Cube 22"/>
+          <p:cNvSpPr/>
+          <p:nvPr/>
+        </p:nvSpPr>
+        <p:spPr>
+          <a:xfrm>
+            <a:off x="1600200" y="3352800"/>
+            <a:ext cx="2057400" cy="1371600"/>
+          </a:xfrm>
+          <a:prstGeom prst="cube">
+            <a:avLst>
+              <a:gd name="adj" fmla="val 9135"/>
+            </a:avLst>
+          </a:prstGeom>
+          <a:solidFill>
+            <a:schemeClr val="accent6">
+              <a:lumMod val="60000"/>
+              <a:lumOff val="40000"/>
+            </a:schemeClr>
+          </a:solidFill>
+          <a:ln>
+            <a:solidFill>
+              <a:schemeClr val="accent6">
+                <a:lumMod val="50000"/>
+              </a:schemeClr>
+            </a:solidFill>
+          </a:ln>
+        </p:spPr>
+        <p:style>
+          <a:lnRef idx="2">
+            <a:schemeClr val="accent1">
+              <a:shade val="50000"/>
+            </a:schemeClr>
+          </a:lnRef>
+          <a:fillRef idx="1">
+            <a:schemeClr val="accent1"/>
+          </a:fillRef>
+          <a:effectRef idx="0">
+            <a:schemeClr val="accent1"/>
+          </a:effectRef>
+          <a:fontRef idx="minor">
+            <a:schemeClr val="lt1"/>
+          </a:fontRef>
+        </p:style>
+        <p:txBody>
+          <a:bodyPr wrap="none" lIns="91440" tIns="0" rIns="0" bIns="0" rtlCol="0" anchor="t" anchorCtr="0"/>
+          <a:lstStyle/>
+          <a:p>
+            <a:endParaRPr lang="en-US" sz="900" u="sng" dirty="0" smtClean="0">
+              <a:solidFill>
+                <a:schemeClr val="tx1"/>
+              </a:solidFill>
+            </a:endParaRPr>
+          </a:p>
+          <a:p>
+            <a:r>
+              <a:rPr lang="en-US" sz="900" u="sng" dirty="0" err="1" smtClean="0">
+                <a:solidFill>
+                  <a:schemeClr val="tx1"/>
+                </a:solidFill>
+              </a:rPr>
+              <a:t>create_raw</a:t>
+            </a:r>
+            <a:r>
+              <a:rPr lang="en-US" sz="900" u="sng" dirty="0" err="1" smtClean="0">
+                <a:solidFill>
+                  <a:schemeClr val="tx1"/>
+                </a:solidFill>
+              </a:rPr>
+              <a:t>_survey_PAD_plot</a:t>
+            </a:r>
+            <a:r>
+              <a:rPr lang="en-US" sz="900" u="sng" dirty="0" smtClean="0">
+                <a:solidFill>
+                  <a:schemeClr val="tx1"/>
+                </a:solidFill>
+              </a:rPr>
+              <a:t>:</a:t>
+            </a:r>
+            <a:endParaRPr lang="en-US" sz="900" u="sng" dirty="0" smtClean="0">
+              <a:solidFill>
+                <a:schemeClr val="tx1"/>
+              </a:solidFill>
+            </a:endParaRPr>
+          </a:p>
+          <a:p>
+            <a:pPr>
+              <a:buFont typeface="Arial" pitchFamily="34" charset="0"/>
+              <a:buChar char="•"/>
+            </a:pPr>
+            <a:r>
+              <a:rPr lang="en-US" sz="900" b="1" dirty="0" err="1" smtClean="0">
+                <a:solidFill>
+                  <a:schemeClr val="tx1"/>
+                </a:solidFill>
+              </a:rPr>
+              <a:t>time_label</a:t>
+            </a:r>
+            <a:r>
+              <a:rPr lang="en-US" sz="900" b="1" dirty="0" smtClean="0">
+                <a:solidFill>
+                  <a:schemeClr val="tx1"/>
+                </a:solidFill>
+              </a:rPr>
+              <a:t> </a:t>
+            </a:r>
+          </a:p>
+          <a:p>
+            <a:pPr>
+              <a:buFont typeface="Arial" pitchFamily="34" charset="0"/>
+              <a:buChar char="•"/>
+            </a:pPr>
+            <a:r>
+              <a:rPr lang="en-US" sz="900" b="1" dirty="0" err="1" smtClean="0">
+                <a:solidFill>
+                  <a:schemeClr val="tx1"/>
+                </a:solidFill>
+              </a:rPr>
+              <a:t>Elow</a:t>
+            </a:r>
+            <a:endParaRPr lang="en-US" sz="900" b="1" dirty="0" smtClean="0">
+              <a:solidFill>
+                <a:schemeClr val="tx1"/>
+              </a:solidFill>
+            </a:endParaRPr>
+          </a:p>
+          <a:p>
+            <a:pPr>
+              <a:buFont typeface="Arial" pitchFamily="34" charset="0"/>
+              <a:buChar char="•"/>
+            </a:pPr>
+            <a:r>
+              <a:rPr lang="en-US" sz="900" b="1" dirty="0" err="1" smtClean="0">
+                <a:solidFill>
+                  <a:schemeClr val="tx1"/>
+                </a:solidFill>
+              </a:rPr>
+              <a:t>Ehigh</a:t>
+            </a:r>
+            <a:endParaRPr lang="en-US" sz="900" b="1" dirty="0" smtClean="0">
+              <a:solidFill>
+                <a:schemeClr val="tx1"/>
+              </a:solidFill>
+            </a:endParaRPr>
+          </a:p>
+          <a:p>
+            <a:pPr>
+              <a:buFont typeface="Arial" pitchFamily="34" charset="0"/>
+              <a:buChar char="•"/>
+            </a:pPr>
+            <a:r>
+              <a:rPr lang="en-US" sz="900" b="1" dirty="0" err="1" smtClean="0">
+                <a:solidFill>
+                  <a:schemeClr val="tx1"/>
+                </a:solidFill>
+              </a:rPr>
+              <a:t>t</a:t>
+            </a:r>
+            <a:r>
+              <a:rPr lang="en-US" sz="900" b="1" dirty="0" err="1" smtClean="0">
+                <a:solidFill>
+                  <a:schemeClr val="tx1"/>
+                </a:solidFill>
+              </a:rPr>
+              <a:t>ime_range_str</a:t>
+            </a:r>
+            <a:endParaRPr lang="en-US" sz="900" b="1" dirty="0" smtClean="0">
+              <a:solidFill>
+                <a:schemeClr val="tx1"/>
+              </a:solidFill>
+            </a:endParaRPr>
+          </a:p>
+          <a:p>
+            <a:pPr>
+              <a:buFont typeface="Arial" pitchFamily="34" charset="0"/>
+              <a:buChar char="•"/>
+            </a:pPr>
+            <a:r>
+              <a:rPr lang="en-US" sz="900" b="1" dirty="0" err="1" smtClean="0">
+                <a:solidFill>
+                  <a:schemeClr val="tx1"/>
+                </a:solidFill>
+              </a:rPr>
+              <a:t>filepath</a:t>
+            </a:r>
+            <a:endParaRPr lang="en-US" sz="900" b="1" dirty="0" smtClean="0">
+              <a:solidFill>
+                <a:schemeClr val="tx1"/>
+              </a:solidFill>
+            </a:endParaRPr>
+          </a:p>
+          <a:p>
+            <a:pPr>
+              <a:buFont typeface="Arial" pitchFamily="34" charset="0"/>
+              <a:buChar char="•"/>
+            </a:pPr>
+            <a:r>
+              <a:rPr lang="en-US" sz="900" b="1" dirty="0" err="1" smtClean="0">
+                <a:solidFill>
+                  <a:schemeClr val="tx1"/>
+                </a:solidFill>
+              </a:rPr>
+              <a:t>core_data</a:t>
+            </a:r>
+            <a:endParaRPr lang="en-US" sz="900" b="1" dirty="0" smtClean="0">
+              <a:solidFill>
+                <a:schemeClr val="tx1"/>
+              </a:solidFill>
+            </a:endParaRPr>
+          </a:p>
+        </p:txBody>
+      </p:sp>
+      <p:sp>
+        <p:nvSpPr>
+          <p:cNvPr id="24" name="Cube 23"/>
+          <p:cNvSpPr/>
+          <p:nvPr/>
+        </p:nvSpPr>
+        <p:spPr>
+          <a:xfrm>
+            <a:off x="5943600" y="5067300"/>
+            <a:ext cx="2590800" cy="685800"/>
+          </a:xfrm>
+          <a:prstGeom prst="cube">
+            <a:avLst>
+              <a:gd name="adj" fmla="val 19491"/>
+            </a:avLst>
+          </a:prstGeom>
+          <a:solidFill>
+            <a:schemeClr val="accent6">
+              <a:lumMod val="60000"/>
+              <a:lumOff val="40000"/>
+            </a:schemeClr>
+          </a:solidFill>
+          <a:ln>
+            <a:solidFill>
+              <a:schemeClr val="accent6">
+                <a:lumMod val="50000"/>
+              </a:schemeClr>
+            </a:solidFill>
+          </a:ln>
+        </p:spPr>
+        <p:style>
+          <a:lnRef idx="2">
+            <a:schemeClr val="accent1">
+              <a:shade val="50000"/>
+            </a:schemeClr>
+          </a:lnRef>
+          <a:fillRef idx="1">
+            <a:schemeClr val="accent1"/>
+          </a:fillRef>
+          <a:effectRef idx="0">
+            <a:schemeClr val="accent1"/>
+          </a:effectRef>
+          <a:fontRef idx="minor">
+            <a:schemeClr val="lt1"/>
+          </a:fontRef>
+        </p:style>
+        <p:txBody>
+          <a:bodyPr wrap="none" lIns="91440" tIns="0" rIns="0" bIns="0" rtlCol="0" anchor="t" anchorCtr="0"/>
+          <a:lstStyle/>
+          <a:p>
+            <a:endParaRPr lang="en-US" sz="900" u="sng" dirty="0" smtClean="0">
+              <a:solidFill>
+                <a:schemeClr val="tx1"/>
+              </a:solidFill>
+            </a:endParaRPr>
+          </a:p>
+          <a:p>
+            <a:r>
+              <a:rPr lang="en-US" sz="900" u="sng" dirty="0" err="1" smtClean="0">
+                <a:solidFill>
+                  <a:schemeClr val="tx1"/>
+                </a:solidFill>
+              </a:rPr>
+              <a:t>convert_to_LM</a:t>
+            </a:r>
+            <a:r>
+              <a:rPr lang="en-US" sz="900" u="sng" dirty="0" smtClean="0">
+                <a:solidFill>
+                  <a:schemeClr val="tx1"/>
+                </a:solidFill>
+              </a:rPr>
+              <a:t>:</a:t>
+            </a:r>
+            <a:endParaRPr lang="en-US" sz="900" u="sng" dirty="0" smtClean="0">
+              <a:solidFill>
+                <a:schemeClr val="tx1"/>
+              </a:solidFill>
+            </a:endParaRPr>
+          </a:p>
+          <a:p>
+            <a:pPr>
+              <a:buFont typeface="Arial" pitchFamily="34" charset="0"/>
+              <a:buChar char="•"/>
+            </a:pPr>
+            <a:r>
+              <a:rPr lang="en-US" sz="900" b="1" dirty="0" smtClean="0">
+                <a:solidFill>
+                  <a:schemeClr val="tx1"/>
+                </a:solidFill>
+              </a:rPr>
+              <a:t>B                 </a:t>
+            </a:r>
+            <a:r>
+              <a:rPr lang="en-US" sz="900" b="1" dirty="0" err="1" smtClean="0">
+                <a:solidFill>
+                  <a:schemeClr val="tx1"/>
+                </a:solidFill>
+              </a:rPr>
+              <a:t>np.vstack</a:t>
+            </a:r>
+            <a:r>
+              <a:rPr lang="en-US" sz="900" b="1" dirty="0" smtClean="0">
+                <a:solidFill>
+                  <a:schemeClr val="tx1"/>
+                </a:solidFill>
+              </a:rPr>
+              <a:t>((</a:t>
+            </a:r>
+            <a:r>
+              <a:rPr lang="en-US" sz="900" b="1" dirty="0" err="1" smtClean="0">
+                <a:solidFill>
+                  <a:schemeClr val="tx1"/>
+                </a:solidFill>
+              </a:rPr>
+              <a:t>x_LM,y_LM,z_LM</a:t>
+            </a:r>
+            <a:r>
+              <a:rPr lang="en-US" sz="900" b="1" dirty="0" smtClean="0">
+                <a:solidFill>
+                  <a:schemeClr val="tx1"/>
+                </a:solidFill>
+              </a:rPr>
+              <a:t>))</a:t>
+            </a:r>
+          </a:p>
+        </p:txBody>
+      </p:sp>
+      <p:sp>
+        <p:nvSpPr>
+          <p:cNvPr id="25" name="Cube 24"/>
+          <p:cNvSpPr/>
+          <p:nvPr/>
+        </p:nvSpPr>
+        <p:spPr>
+          <a:xfrm>
+            <a:off x="3352800" y="5067300"/>
+            <a:ext cx="2057400" cy="762000"/>
+          </a:xfrm>
+          <a:prstGeom prst="cube">
+            <a:avLst>
+              <a:gd name="adj" fmla="val 13795"/>
+            </a:avLst>
+          </a:prstGeom>
+          <a:solidFill>
+            <a:schemeClr val="accent6">
+              <a:lumMod val="60000"/>
+              <a:lumOff val="40000"/>
+            </a:schemeClr>
+          </a:solidFill>
+          <a:ln>
+            <a:solidFill>
+              <a:schemeClr val="accent6">
+                <a:lumMod val="50000"/>
+              </a:schemeClr>
+            </a:solidFill>
+          </a:ln>
+        </p:spPr>
+        <p:style>
+          <a:lnRef idx="2">
+            <a:schemeClr val="accent1">
+              <a:shade val="50000"/>
+            </a:schemeClr>
+          </a:lnRef>
+          <a:fillRef idx="1">
+            <a:schemeClr val="accent1"/>
+          </a:fillRef>
+          <a:effectRef idx="0">
+            <a:schemeClr val="accent1"/>
+          </a:effectRef>
+          <a:fontRef idx="minor">
+            <a:schemeClr val="lt1"/>
+          </a:fontRef>
+        </p:style>
+        <p:txBody>
+          <a:bodyPr wrap="none" lIns="91440" tIns="0" rIns="0" bIns="0" rtlCol="0" anchor="t" anchorCtr="0"/>
+          <a:lstStyle/>
+          <a:p>
+            <a:endParaRPr lang="en-US" sz="900" u="sng" dirty="0" smtClean="0">
+              <a:solidFill>
+                <a:schemeClr val="tx1"/>
+              </a:solidFill>
+            </a:endParaRPr>
+          </a:p>
+          <a:p>
+            <a:r>
+              <a:rPr lang="en-US" sz="900" u="sng" dirty="0" err="1" smtClean="0">
+                <a:solidFill>
+                  <a:schemeClr val="tx1"/>
+                </a:solidFill>
+              </a:rPr>
+              <a:t>calculate_flux_LM</a:t>
+            </a:r>
+            <a:r>
+              <a:rPr lang="en-US" sz="900" u="sng" dirty="0" smtClean="0">
+                <a:solidFill>
+                  <a:schemeClr val="tx1"/>
+                </a:solidFill>
+              </a:rPr>
+              <a:t>:</a:t>
+            </a:r>
+            <a:endParaRPr lang="en-US" sz="900" u="sng" dirty="0" smtClean="0">
+              <a:solidFill>
+                <a:schemeClr val="tx1"/>
+              </a:solidFill>
+            </a:endParaRPr>
+          </a:p>
+          <a:p>
+            <a:pPr>
+              <a:buFont typeface="Arial" pitchFamily="34" charset="0"/>
+              <a:buChar char="•"/>
+            </a:pPr>
+            <a:r>
+              <a:rPr lang="en-US" sz="900" b="1" dirty="0" err="1" smtClean="0">
+                <a:solidFill>
+                  <a:schemeClr val="tx1"/>
+                </a:solidFill>
+              </a:rPr>
+              <a:t>time_label</a:t>
+            </a:r>
+            <a:r>
+              <a:rPr lang="en-US" sz="900" b="1" dirty="0" smtClean="0">
+                <a:solidFill>
+                  <a:schemeClr val="tx1"/>
+                </a:solidFill>
+              </a:rPr>
+              <a:t>            </a:t>
+            </a:r>
+            <a:r>
+              <a:rPr lang="en-US" sz="900" b="1" dirty="0" err="1" smtClean="0">
+                <a:solidFill>
+                  <a:schemeClr val="tx1"/>
+                </a:solidFill>
+              </a:rPr>
+              <a:t>jN_LM</a:t>
+            </a:r>
+            <a:endParaRPr lang="en-US" sz="900" b="1" dirty="0" smtClean="0">
+              <a:solidFill>
+                <a:schemeClr val="tx1"/>
+              </a:solidFill>
+            </a:endParaRPr>
+          </a:p>
+          <a:p>
+            <a:pPr>
+              <a:buFont typeface="Arial" pitchFamily="34" charset="0"/>
+              <a:buChar char="•"/>
+            </a:pPr>
+            <a:r>
+              <a:rPr lang="en-US" sz="900" b="1" dirty="0" err="1" smtClean="0">
+                <a:solidFill>
+                  <a:schemeClr val="tx1"/>
+                </a:solidFill>
+              </a:rPr>
+              <a:t>core_data</a:t>
+            </a:r>
+            <a:endParaRPr lang="en-US" sz="900" b="1" dirty="0" smtClean="0">
+              <a:solidFill>
+                <a:schemeClr val="tx1"/>
+              </a:solidFill>
+            </a:endParaRPr>
+          </a:p>
+        </p:txBody>
+      </p:sp>
+      <p:cxnSp>
+        <p:nvCxnSpPr>
+          <p:cNvPr id="26" name="Elbow Connector 18"/>
+          <p:cNvCxnSpPr>
+            <a:stCxn id="22" idx="5"/>
+            <a:endCxn id="6" idx="2"/>
+          </p:cNvCxnSpPr>
+          <p:nvPr/>
+        </p:nvCxnSpPr>
+        <p:spPr>
+          <a:xfrm>
+            <a:off x="3657600" y="775552"/>
+            <a:ext cx="304800" cy="125295"/>
+          </a:xfrm>
+          <a:prstGeom prst="bentConnector3">
+            <a:avLst>
+              <a:gd name="adj1" fmla="val 50000"/>
+            </a:avLst>
+          </a:prstGeom>
+          <a:ln>
+            <a:headEnd type="arrow"/>
+            <a:tailEnd type="arrow"/>
+          </a:ln>
+        </p:spPr>
+        <p:style>
+          <a:lnRef idx="1">
+            <a:schemeClr val="accent1"/>
+          </a:lnRef>
+          <a:fillRef idx="0">
+            <a:schemeClr val="accent1"/>
+          </a:fillRef>
+          <a:effectRef idx="0">
+            <a:schemeClr val="accent1"/>
+          </a:effectRef>
+          <a:fontRef idx="minor">
+            <a:schemeClr val="tx1"/>
+          </a:fontRef>
+        </p:style>
+      </p:cxnSp>
+      <p:cxnSp>
+        <p:nvCxnSpPr>
+          <p:cNvPr id="29" name="Elbow Connector 18"/>
+          <p:cNvCxnSpPr>
+            <a:stCxn id="13" idx="5"/>
+            <a:endCxn id="12" idx="2"/>
+          </p:cNvCxnSpPr>
+          <p:nvPr/>
+        </p:nvCxnSpPr>
+        <p:spPr>
+          <a:xfrm>
+            <a:off x="3657600" y="2375752"/>
+            <a:ext cx="432040" cy="173652"/>
+          </a:xfrm>
+          <a:prstGeom prst="bentConnector3">
+            <a:avLst>
+              <a:gd name="adj1" fmla="val 50000"/>
+            </a:avLst>
+          </a:prstGeom>
+          <a:ln>
+            <a:headEnd type="arrow"/>
+            <a:tailEnd type="arrow"/>
+          </a:ln>
+        </p:spPr>
+        <p:style>
+          <a:lnRef idx="1">
+            <a:schemeClr val="accent1"/>
+          </a:lnRef>
+          <a:fillRef idx="0">
+            <a:schemeClr val="accent1"/>
+          </a:fillRef>
+          <a:effectRef idx="0">
+            <a:schemeClr val="accent1"/>
+          </a:effectRef>
+          <a:fontRef idx="minor">
+            <a:schemeClr val="tx1"/>
+          </a:fontRef>
+        </p:style>
+      </p:cxnSp>
+      <p:cxnSp>
+        <p:nvCxnSpPr>
+          <p:cNvPr id="32" name="Elbow Connector 18"/>
+          <p:cNvCxnSpPr>
+            <a:stCxn id="23" idx="5"/>
+            <a:endCxn id="12" idx="2"/>
+          </p:cNvCxnSpPr>
+          <p:nvPr/>
+        </p:nvCxnSpPr>
+        <p:spPr>
+          <a:xfrm flipV="1">
+            <a:off x="3657600" y="2549404"/>
+            <a:ext cx="432040" cy="1426548"/>
+          </a:xfrm>
+          <a:prstGeom prst="bentConnector3">
+            <a:avLst>
+              <a:gd name="adj1" fmla="val 50000"/>
+            </a:avLst>
+          </a:prstGeom>
+          <a:ln>
+            <a:headEnd type="arrow"/>
+            <a:tailEnd type="arrow"/>
+          </a:ln>
+        </p:spPr>
+        <p:style>
+          <a:lnRef idx="1">
+            <a:schemeClr val="accent1"/>
+          </a:lnRef>
+          <a:fillRef idx="0">
+            <a:schemeClr val="accent1"/>
+          </a:fillRef>
+          <a:effectRef idx="0">
+            <a:schemeClr val="accent1"/>
+          </a:effectRef>
+          <a:fontRef idx="minor">
+            <a:schemeClr val="tx1"/>
+          </a:fontRef>
+        </p:style>
+      </p:cxnSp>
+      <p:sp>
+        <p:nvSpPr>
+          <p:cNvPr id="36" name="Cube 35"/>
+          <p:cNvSpPr/>
+          <p:nvPr/>
+        </p:nvSpPr>
+        <p:spPr>
+          <a:xfrm>
+            <a:off x="762000" y="4876800"/>
+            <a:ext cx="2057400" cy="1371600"/>
+          </a:xfrm>
+          <a:prstGeom prst="cube">
+            <a:avLst>
+              <a:gd name="adj" fmla="val 9135"/>
+            </a:avLst>
+          </a:prstGeom>
+          <a:solidFill>
+            <a:schemeClr val="accent6">
+              <a:lumMod val="60000"/>
+              <a:lumOff val="40000"/>
+            </a:schemeClr>
+          </a:solidFill>
+          <a:ln>
+            <a:solidFill>
+              <a:schemeClr val="accent6">
+                <a:lumMod val="50000"/>
+              </a:schemeClr>
+            </a:solidFill>
+          </a:ln>
+        </p:spPr>
+        <p:style>
+          <a:lnRef idx="2">
+            <a:schemeClr val="accent1">
+              <a:shade val="50000"/>
+            </a:schemeClr>
+          </a:lnRef>
+          <a:fillRef idx="1">
+            <a:schemeClr val="accent1"/>
+          </a:fillRef>
+          <a:effectRef idx="0">
+            <a:schemeClr val="accent1"/>
+          </a:effectRef>
+          <a:fontRef idx="minor">
+            <a:schemeClr val="lt1"/>
+          </a:fontRef>
+        </p:style>
+        <p:txBody>
+          <a:bodyPr wrap="none" lIns="91440" tIns="0" rIns="0" bIns="0" rtlCol="0" anchor="t" anchorCtr="0"/>
+          <a:lstStyle/>
+          <a:p>
+            <a:endParaRPr lang="en-US" sz="900" u="sng" dirty="0" smtClean="0">
+              <a:solidFill>
+                <a:schemeClr val="tx1"/>
+              </a:solidFill>
+            </a:endParaRPr>
+          </a:p>
+          <a:p>
+            <a:r>
+              <a:rPr lang="en-US" sz="900" u="sng" dirty="0" err="1" smtClean="0">
+                <a:solidFill>
+                  <a:schemeClr val="tx1"/>
+                </a:solidFill>
+              </a:rPr>
+              <a:t>create_raw</a:t>
+            </a:r>
+            <a:r>
+              <a:rPr lang="en-US" sz="900" u="sng" dirty="0" err="1" smtClean="0">
+                <a:solidFill>
+                  <a:schemeClr val="tx1"/>
+                </a:solidFill>
+              </a:rPr>
+              <a:t>_survey_PAD_plot_LM</a:t>
+            </a:r>
+            <a:r>
+              <a:rPr lang="en-US" sz="900" u="sng" dirty="0" smtClean="0">
+                <a:solidFill>
+                  <a:schemeClr val="tx1"/>
+                </a:solidFill>
+              </a:rPr>
+              <a:t>:</a:t>
+            </a:r>
+            <a:endParaRPr lang="en-US" sz="900" u="sng" dirty="0" smtClean="0">
+              <a:solidFill>
+                <a:schemeClr val="tx1"/>
+              </a:solidFill>
+            </a:endParaRPr>
+          </a:p>
+          <a:p>
+            <a:pPr>
+              <a:buFont typeface="Arial" pitchFamily="34" charset="0"/>
+              <a:buChar char="•"/>
+            </a:pPr>
+            <a:r>
+              <a:rPr lang="en-US" sz="900" b="1" dirty="0" err="1" smtClean="0">
+                <a:solidFill>
+                  <a:schemeClr val="tx1"/>
+                </a:solidFill>
+              </a:rPr>
+              <a:t>time_label</a:t>
+            </a:r>
+            <a:r>
+              <a:rPr lang="en-US" sz="900" b="1" dirty="0" smtClean="0">
+                <a:solidFill>
+                  <a:schemeClr val="tx1"/>
+                </a:solidFill>
+              </a:rPr>
+              <a:t> </a:t>
+            </a:r>
+          </a:p>
+          <a:p>
+            <a:pPr>
+              <a:buFont typeface="Arial" pitchFamily="34" charset="0"/>
+              <a:buChar char="•"/>
+            </a:pPr>
+            <a:r>
+              <a:rPr lang="en-US" sz="900" b="1" dirty="0" err="1" smtClean="0">
+                <a:solidFill>
+                  <a:schemeClr val="tx1"/>
+                </a:solidFill>
+              </a:rPr>
+              <a:t>Elow</a:t>
+            </a:r>
+            <a:endParaRPr lang="en-US" sz="900" b="1" dirty="0" smtClean="0">
+              <a:solidFill>
+                <a:schemeClr val="tx1"/>
+              </a:solidFill>
+            </a:endParaRPr>
+          </a:p>
+          <a:p>
+            <a:pPr>
+              <a:buFont typeface="Arial" pitchFamily="34" charset="0"/>
+              <a:buChar char="•"/>
+            </a:pPr>
+            <a:r>
+              <a:rPr lang="en-US" sz="900" b="1" dirty="0" err="1" smtClean="0">
+                <a:solidFill>
+                  <a:schemeClr val="tx1"/>
+                </a:solidFill>
+              </a:rPr>
+              <a:t>Ehigh</a:t>
+            </a:r>
+            <a:endParaRPr lang="en-US" sz="900" b="1" dirty="0" smtClean="0">
+              <a:solidFill>
+                <a:schemeClr val="tx1"/>
+              </a:solidFill>
+            </a:endParaRPr>
+          </a:p>
+          <a:p>
+            <a:pPr>
+              <a:buFont typeface="Arial" pitchFamily="34" charset="0"/>
+              <a:buChar char="•"/>
+            </a:pPr>
+            <a:r>
+              <a:rPr lang="en-US" sz="900" b="1" dirty="0" err="1" smtClean="0">
+                <a:solidFill>
+                  <a:schemeClr val="tx1"/>
+                </a:solidFill>
+              </a:rPr>
+              <a:t>t</a:t>
+            </a:r>
+            <a:r>
+              <a:rPr lang="en-US" sz="900" b="1" dirty="0" err="1" smtClean="0">
+                <a:solidFill>
+                  <a:schemeClr val="tx1"/>
+                </a:solidFill>
+              </a:rPr>
+              <a:t>ime_range_str</a:t>
+            </a:r>
+            <a:endParaRPr lang="en-US" sz="900" b="1" dirty="0" smtClean="0">
+              <a:solidFill>
+                <a:schemeClr val="tx1"/>
+              </a:solidFill>
+            </a:endParaRPr>
+          </a:p>
+          <a:p>
+            <a:pPr>
+              <a:buFont typeface="Arial" pitchFamily="34" charset="0"/>
+              <a:buChar char="•"/>
+            </a:pPr>
+            <a:r>
+              <a:rPr lang="en-US" sz="900" b="1" dirty="0" err="1" smtClean="0">
+                <a:solidFill>
+                  <a:schemeClr val="tx1"/>
+                </a:solidFill>
+              </a:rPr>
+              <a:t>filepath</a:t>
+            </a:r>
+            <a:endParaRPr lang="en-US" sz="900" b="1" dirty="0" smtClean="0">
+              <a:solidFill>
+                <a:schemeClr val="tx1"/>
+              </a:solidFill>
+            </a:endParaRPr>
+          </a:p>
+          <a:p>
+            <a:pPr>
+              <a:buFont typeface="Arial" pitchFamily="34" charset="0"/>
+              <a:buChar char="•"/>
+            </a:pPr>
+            <a:r>
+              <a:rPr lang="en-US" sz="900" b="1" dirty="0" err="1" smtClean="0">
+                <a:solidFill>
+                  <a:schemeClr val="tx1"/>
+                </a:solidFill>
+              </a:rPr>
+              <a:t>core_data</a:t>
+            </a:r>
+            <a:endParaRPr lang="en-US" sz="900" b="1" dirty="0" smtClean="0">
+              <a:solidFill>
+                <a:schemeClr val="tx1"/>
+              </a:solidFill>
+            </a:endParaRPr>
+          </a:p>
+        </p:txBody>
+      </p:sp>
+      <p:cxnSp>
+        <p:nvCxnSpPr>
+          <p:cNvPr id="37" name="Elbow Connector 18"/>
+          <p:cNvCxnSpPr>
+            <a:stCxn id="25" idx="5"/>
+            <a:endCxn id="24" idx="2"/>
+          </p:cNvCxnSpPr>
+          <p:nvPr/>
+        </p:nvCxnSpPr>
+        <p:spPr>
+          <a:xfrm>
+            <a:off x="5410200" y="5395741"/>
+            <a:ext cx="533400" cy="81293"/>
+          </a:xfrm>
+          <a:prstGeom prst="bentConnector3">
+            <a:avLst>
+              <a:gd name="adj1" fmla="val 50000"/>
+            </a:avLst>
+          </a:prstGeom>
+          <a:ln>
+            <a:headEnd type="arrow"/>
+            <a:tailEnd type="arrow"/>
+          </a:ln>
+        </p:spPr>
+        <p:style>
+          <a:lnRef idx="1">
+            <a:schemeClr val="accent1"/>
+          </a:lnRef>
+          <a:fillRef idx="0">
+            <a:schemeClr val="accent1"/>
+          </a:fillRef>
+          <a:effectRef idx="0">
+            <a:schemeClr val="accent1"/>
+          </a:effectRef>
+          <a:fontRef idx="minor">
+            <a:schemeClr val="tx1"/>
+          </a:fontRef>
+        </p:style>
+      </p:cxnSp>
+      <p:cxnSp>
+        <p:nvCxnSpPr>
+          <p:cNvPr id="40" name="Elbow Connector 18"/>
+          <p:cNvCxnSpPr>
+            <a:stCxn id="36" idx="5"/>
+            <a:endCxn id="25" idx="2"/>
+          </p:cNvCxnSpPr>
+          <p:nvPr/>
+        </p:nvCxnSpPr>
+        <p:spPr>
+          <a:xfrm>
+            <a:off x="2819400" y="5499952"/>
+            <a:ext cx="533400" cy="907"/>
+          </a:xfrm>
+          <a:prstGeom prst="bentConnector3">
+            <a:avLst>
+              <a:gd name="adj1" fmla="val 50000"/>
+            </a:avLst>
+          </a:prstGeom>
+          <a:ln>
+            <a:headEnd type="arrow"/>
+            <a:tailEnd type="arrow"/>
+          </a:ln>
+        </p:spPr>
+        <p:style>
+          <a:lnRef idx="1">
+            <a:schemeClr val="accent1"/>
+          </a:lnRef>
+          <a:fillRef idx="0">
+            <a:schemeClr val="accent1"/>
+          </a:fillRef>
+          <a:effectRef idx="0">
+            <a:schemeClr val="accent1"/>
+          </a:effectRef>
+          <a:fontRef idx="minor">
+            <a:schemeClr val="tx1"/>
+          </a:fontRef>
+        </p:style>
+      </p:cxnSp>
+      <p:cxnSp>
+        <p:nvCxnSpPr>
+          <p:cNvPr id="43" name="Elbow Connector 18"/>
+          <p:cNvCxnSpPr>
+            <a:stCxn id="12" idx="5"/>
+            <a:endCxn id="4" idx="2"/>
+          </p:cNvCxnSpPr>
+          <p:nvPr/>
+        </p:nvCxnSpPr>
+        <p:spPr>
+          <a:xfrm>
+            <a:off x="5689840" y="2479796"/>
+            <a:ext cx="1015760" cy="263404"/>
+          </a:xfrm>
+          <a:prstGeom prst="bentConnector3">
+            <a:avLst>
+              <a:gd name="adj1" fmla="val 50000"/>
+            </a:avLst>
+          </a:prstGeom>
+          <a:ln>
+            <a:headEnd type="arrow"/>
+            <a:tailEnd type="arrow"/>
+          </a:ln>
+        </p:spPr>
+        <p:style>
+          <a:lnRef idx="1">
+            <a:schemeClr val="accent1"/>
+          </a:lnRef>
+          <a:fillRef idx="0">
+            <a:schemeClr val="accent1"/>
+          </a:fillRef>
+          <a:effectRef idx="0">
+            <a:schemeClr val="accent1"/>
+          </a:effectRef>
+          <a:fontRef idx="minor">
+            <a:schemeClr val="tx1"/>
+          </a:fontRef>
+        </p:style>
+      </p:cxnSp>
+      <p:sp>
+        <p:nvSpPr>
+          <p:cNvPr id="51" name="Rounded Rectangle 50"/>
+          <p:cNvSpPr/>
+          <p:nvPr/>
+        </p:nvSpPr>
+        <p:spPr>
+          <a:xfrm>
+            <a:off x="152400" y="152400"/>
+            <a:ext cx="1295400" cy="457200"/>
+          </a:xfrm>
+          <a:prstGeom prst="roundRect">
+            <a:avLst/>
+          </a:prstGeom>
+        </p:spPr>
+        <p:style>
+          <a:lnRef idx="2">
+            <a:schemeClr val="accent1">
+              <a:shade val="50000"/>
+            </a:schemeClr>
+          </a:lnRef>
+          <a:fillRef idx="1">
+            <a:schemeClr val="accent1"/>
+          </a:fillRef>
+          <a:effectRef idx="0">
+            <a:schemeClr val="accent1"/>
+          </a:effectRef>
+          <a:fontRef idx="minor">
+            <a:schemeClr val="lt1"/>
+          </a:fontRef>
+        </p:style>
+        <p:txBody>
+          <a:bodyPr rtlCol="0" anchor="ctr"/>
+          <a:lstStyle/>
+          <a:p>
+            <a:pPr algn="ctr"/>
+            <a:r>
+              <a:rPr lang="en-US" dirty="0" smtClean="0"/>
+              <a:t>Plotting Methods</a:t>
+            </a:r>
+            <a:endParaRPr lang="en-US" dirty="0"/>
+          </a:p>
+        </p:txBody>
+      </p:sp>
+      <p:sp>
+        <p:nvSpPr>
+          <p:cNvPr id="52" name="Can 51"/>
+          <p:cNvSpPr/>
+          <p:nvPr/>
+        </p:nvSpPr>
+        <p:spPr>
+          <a:xfrm>
+            <a:off x="6486532" y="6019800"/>
+            <a:ext cx="1371600" cy="609600"/>
+          </a:xfrm>
+          <a:prstGeom prst="can">
+            <a:avLst/>
+          </a:prstGeom>
+          <a:solidFill>
+            <a:schemeClr val="accent4">
+              <a:lumMod val="20000"/>
+              <a:lumOff val="80000"/>
+            </a:schemeClr>
+          </a:solidFill>
+          <a:ln>
+            <a:solidFill>
+              <a:schemeClr val="accent4">
+                <a:lumMod val="50000"/>
+              </a:schemeClr>
+            </a:solidFill>
+          </a:ln>
+        </p:spPr>
+        <p:style>
+          <a:lnRef idx="2">
+            <a:schemeClr val="accent1">
+              <a:shade val="50000"/>
+            </a:schemeClr>
+          </a:lnRef>
+          <a:fillRef idx="1">
+            <a:schemeClr val="accent1"/>
+          </a:fillRef>
+          <a:effectRef idx="0">
+            <a:schemeClr val="accent1"/>
+          </a:effectRef>
+          <a:fontRef idx="minor">
+            <a:schemeClr val="lt1"/>
+          </a:fontRef>
+        </p:style>
+        <p:txBody>
+          <a:bodyPr wrap="none" lIns="91440" tIns="0" rIns="0" bIns="0" rtlCol="0" anchor="t" anchorCtr="0"/>
+          <a:lstStyle/>
+          <a:p>
+            <a:r>
+              <a:rPr lang="en-US" sz="900" dirty="0" err="1" smtClean="0">
+                <a:solidFill>
+                  <a:schemeClr val="tx1"/>
+                </a:solidFill>
+                <a:sym typeface="Symbol"/>
+              </a:rPr>
+              <a:t>jN_LM</a:t>
+            </a:r>
+            <a:r>
+              <a:rPr lang="en-US" sz="900" dirty="0" smtClean="0">
+                <a:solidFill>
+                  <a:schemeClr val="tx1"/>
+                </a:solidFill>
+              </a:rPr>
+              <a:t>(</a:t>
+            </a:r>
+            <a:r>
+              <a:rPr lang="en-US" sz="900" dirty="0" smtClean="0">
+                <a:solidFill>
+                  <a:schemeClr val="tx1"/>
+                </a:solidFill>
+                <a:sym typeface="Symbol"/>
+              </a:rPr>
+              <a:t>, </a:t>
+            </a:r>
+            <a:r>
+              <a:rPr lang="en-US" sz="900" dirty="0" smtClean="0">
+                <a:solidFill>
+                  <a:schemeClr val="tx1"/>
+                </a:solidFill>
+                <a:sym typeface="Symbol"/>
+              </a:rPr>
+              <a:t>,E)</a:t>
+            </a:r>
+            <a:r>
+              <a:rPr lang="en-US" sz="900" dirty="0" smtClean="0">
+                <a:solidFill>
+                  <a:schemeClr val="tx1"/>
+                </a:solidFill>
+              </a:rPr>
+              <a:t> </a:t>
+            </a:r>
+            <a:r>
+              <a:rPr lang="en-US" sz="900" dirty="0" smtClean="0">
+                <a:solidFill>
+                  <a:schemeClr val="tx1"/>
+                </a:solidFill>
+              </a:rPr>
+              <a:t>-  </a:t>
+            </a:r>
+            <a:r>
+              <a:rPr lang="en-US" sz="900" dirty="0" smtClean="0">
+                <a:solidFill>
+                  <a:schemeClr val="tx1"/>
+                </a:solidFill>
+              </a:rPr>
+              <a:t>16,32,32 </a:t>
+            </a:r>
+            <a:endParaRPr lang="en-US" sz="900" dirty="0" smtClean="0">
+              <a:solidFill>
+                <a:schemeClr val="tx1"/>
+              </a:solidFill>
+            </a:endParaRPr>
+          </a:p>
+          <a:p>
+            <a:r>
+              <a:rPr lang="en-US" sz="900" dirty="0">
+                <a:solidFill>
+                  <a:schemeClr val="tx1"/>
+                </a:solidFill>
+              </a:rPr>
+              <a:t> </a:t>
+            </a:r>
+            <a:r>
+              <a:rPr lang="en-US" sz="900" dirty="0" smtClean="0">
+                <a:solidFill>
+                  <a:schemeClr val="tx1"/>
+                </a:solidFill>
+              </a:rPr>
+              <a:t>              at a given k</a:t>
+            </a:r>
+          </a:p>
+        </p:txBody>
+      </p:sp>
+      <p:cxnSp>
+        <p:nvCxnSpPr>
+          <p:cNvPr id="53" name="Elbow Connector 18"/>
+          <p:cNvCxnSpPr>
+            <a:stCxn id="24" idx="3"/>
+            <a:endCxn id="52" idx="1"/>
+          </p:cNvCxnSpPr>
+          <p:nvPr/>
+        </p:nvCxnSpPr>
+        <p:spPr>
+          <a:xfrm rot="16200000" flipH="1">
+            <a:off x="7038898" y="5886366"/>
+            <a:ext cx="266700" cy="167"/>
+          </a:xfrm>
+          <a:prstGeom prst="bentConnector3">
+            <a:avLst>
+              <a:gd name="adj1" fmla="val 50000"/>
+            </a:avLst>
+          </a:prstGeom>
+          <a:ln>
+            <a:headEnd type="arrow"/>
+            <a:tailEnd type="arrow"/>
+          </a:ln>
+        </p:spPr>
+        <p:style>
+          <a:lnRef idx="1">
+            <a:schemeClr val="accent1"/>
+          </a:lnRef>
+          <a:fillRef idx="0">
+            <a:schemeClr val="accent1"/>
+          </a:fillRef>
+          <a:effectRef idx="0">
+            <a:schemeClr val="accent1"/>
+          </a:effectRef>
+          <a:fontRef idx="minor">
+            <a:schemeClr val="tx1"/>
+          </a:fontRef>
+        </p:style>
+      </p:cxnSp>
+      <p:sp>
+        <p:nvSpPr>
+          <p:cNvPr id="58" name="TextBox 57"/>
+          <p:cNvSpPr txBox="1"/>
+          <p:nvPr/>
+        </p:nvSpPr>
+        <p:spPr>
+          <a:xfrm>
+            <a:off x="381000" y="6324600"/>
+            <a:ext cx="1807739" cy="307777"/>
+          </a:xfrm>
+          <a:prstGeom prst="rect">
+            <a:avLst/>
+          </a:prstGeom>
+          <a:noFill/>
+        </p:spPr>
+        <p:txBody>
+          <a:bodyPr wrap="none" rtlCol="0">
+            <a:spAutoFit/>
+          </a:bodyPr>
+          <a:lstStyle/>
+          <a:p>
+            <a:r>
+              <a:rPr lang="en-US" sz="1400" dirty="0" smtClean="0"/>
+              <a:t>Last update: 11/21/16</a:t>
+            </a:r>
+            <a:endParaRPr lang="en-US" sz="1400" dirty="0"/>
+          </a:p>
+        </p:txBody>
+      </p:sp>
+    </p:spTree>
+  </p:cSld>
+  <p:clrMapOvr>
+    <a:masterClrMapping/>
+  </p:clrMapOvr>
+</p:sld>
+</file>
+
+<file path=ppt/slides/slide3.xml><?xml version="1.0" encoding="utf-8"?>
+<p:sld xmlns:a="http://schemas.openxmlformats.org/drawingml/2006/main" xmlns:r="http://schemas.openxmlformats.org/officeDocument/2006/relationships" xmlns:p="http://schemas.openxmlformats.org/presentationml/2006/main">
+  <p:cSld>
+    <p:spTree>
+      <p:nvGrpSpPr>
+        <p:cNvPr id="1" name=""/>
+        <p:cNvGrpSpPr/>
+        <p:nvPr/>
+      </p:nvGrpSpPr>
+      <p:grpSpPr>
+        <a:xfrm>
+          <a:off x="0" y="0"/>
+          <a:ext cx="0" cy="0"/>
+          <a:chOff x="0" y="0"/>
+          <a:chExt cx="0" cy="0"/>
+        </a:xfrm>
+      </p:grpSpPr>
+      <p:sp>
+        <p:nvSpPr>
+          <p:cNvPr id="2" name="Title 1"/>
+          <p:cNvSpPr>
+            <a:spLocks noGrp="1"/>
+          </p:cNvSpPr>
+          <p:nvPr>
+            <p:ph type="title"/>
+          </p:nvPr>
+        </p:nvSpPr>
+        <p:spPr/>
+        <p:txBody>
+          <a:bodyPr/>
+          <a:lstStyle/>
+          <a:p>
+            <a:endParaRPr lang="en-US"/>
+          </a:p>
+        </p:txBody>
+      </p:sp>
+      <p:sp>
+        <p:nvSpPr>
+          <p:cNvPr id="3" name="Content Placeholder 2"/>
+          <p:cNvSpPr>
+            <a:spLocks noGrp="1"/>
+          </p:cNvSpPr>
+          <p:nvPr>
+            <p:ph idx="1"/>
+          </p:nvPr>
+        </p:nvSpPr>
+        <p:spPr/>
+        <p:txBody>
+          <a:bodyPr/>
+          <a:lstStyle/>
+          <a:p>
+            <a:endParaRPr lang="en-US"/>
+          </a:p>
+        </p:txBody>
+      </p:sp>
+      <p:sp>
+        <p:nvSpPr>
+          <p:cNvPr id="4" name="Can 3"/>
+          <p:cNvSpPr/>
+          <p:nvPr/>
+        </p:nvSpPr>
+        <p:spPr>
+          <a:xfrm>
+            <a:off x="4724400" y="1905000"/>
+            <a:ext cx="533400" cy="685800"/>
+          </a:xfrm>
+          <a:prstGeom prst="can">
+            <a:avLst/>
+          </a:prstGeom>
+          <a:solidFill>
+            <a:schemeClr val="accent3">
+              <a:lumMod val="60000"/>
+              <a:lumOff val="40000"/>
+            </a:schemeClr>
+          </a:solidFill>
+          <a:ln>
+            <a:solidFill>
+              <a:schemeClr val="accent3">
+                <a:lumMod val="50000"/>
+              </a:schemeClr>
+            </a:solidFill>
+          </a:ln>
+        </p:spPr>
+        <p:style>
+          <a:lnRef idx="2">
+            <a:schemeClr val="accent1">
+              <a:shade val="50000"/>
+            </a:schemeClr>
+          </a:lnRef>
+          <a:fillRef idx="1">
+            <a:schemeClr val="accent1"/>
+          </a:fillRef>
+          <a:effectRef idx="0">
+            <a:schemeClr val="accent1"/>
+          </a:effectRef>
+          <a:fontRef idx="minor">
+            <a:schemeClr val="lt1"/>
+          </a:fontRef>
+        </p:style>
+        <p:txBody>
+          <a:bodyPr wrap="none" lIns="0" tIns="0" rIns="0" bIns="0" rtlCol="0" anchor="ctr"/>
+          <a:lstStyle/>
+          <a:p>
+            <a:pPr algn="ctr"/>
+            <a:r>
+              <a:rPr lang="en-US" sz="900" dirty="0" smtClean="0">
+                <a:solidFill>
+                  <a:schemeClr val="tx1"/>
+                </a:solidFill>
+              </a:rPr>
+              <a:t>MEC</a:t>
+            </a:r>
+            <a:endParaRPr lang="en-US" sz="900" dirty="0">
+              <a:solidFill>
+                <a:schemeClr val="tx1"/>
+              </a:solidFill>
+            </a:endParaRPr>
+          </a:p>
+        </p:txBody>
+      </p:sp>
+      <p:sp>
+        <p:nvSpPr>
+          <p:cNvPr id="5" name="Cube 4"/>
+          <p:cNvSpPr/>
+          <p:nvPr/>
+        </p:nvSpPr>
+        <p:spPr>
+          <a:xfrm>
+            <a:off x="4648200" y="3505200"/>
             <a:ext cx="1371600" cy="533400"/>
           </a:xfrm>
           <a:prstGeom prst="cube">
@@ -3748,20 +9224,12 @@
           </a:p>
           <a:p>
             <a:r>
-              <a:rPr lang="en-US" sz="900" u="sng" dirty="0" err="1">
-                <a:solidFill>
-                  <a:schemeClr val="tx1"/>
-                </a:solidFill>
-              </a:rPr>
-              <a:t>f</a:t>
-            </a:r>
-            <a:r>
               <a:rPr lang="en-US" sz="900" u="sng" dirty="0" err="1" smtClean="0">
                 <a:solidFill>
                   <a:schemeClr val="tx1"/>
                 </a:solidFill>
               </a:rPr>
-              <a:t>etch_magnetic_field</a:t>
+              <a:t>Fetch_footprint_data</a:t>
             </a:r>
             <a:r>
               <a:rPr lang="en-US" sz="900" u="sng" dirty="0" smtClean="0">
@@ -3771,400 +9239,6 @@
               </a:rPr>
               <a:t>:</a:t>
             </a:r>
-          </a:p>
-          <a:p>
-            <a:pPr>
-              <a:buFont typeface="Arial" pitchFamily="34" charset="0"/>
-              <a:buChar char="•"/>
-            </a:pPr>
-            <a:r>
-              <a:rPr lang="en-US" sz="900" b="1" i="1" dirty="0" smtClean="0">
-                <a:solidFill>
-                  <a:schemeClr val="tx1"/>
-                </a:solidFill>
-              </a:rPr>
-              <a:t>B</a:t>
-            </a:r>
-          </a:p>
-        </p:txBody>
-      </p:sp>
-      <p:sp>
-        <p:nvSpPr>
-          <p:cNvPr id="12" name="Cube 11"/>
-          <p:cNvSpPr/>
-          <p:nvPr/>
-        </p:nvSpPr>
-        <p:spPr>
-          <a:xfrm>
-            <a:off x="1371600" y="2133600"/>
-            <a:ext cx="1066800" cy="533400"/>
-          </a:xfrm>
-          <a:prstGeom prst="cube">
-            <a:avLst>
-              <a:gd name="adj" fmla="val 9135"/>
-            </a:avLst>
-          </a:prstGeom>
-          <a:solidFill>
-            <a:schemeClr val="accent6">
-              <a:lumMod val="60000"/>
-              <a:lumOff val="40000"/>
-            </a:schemeClr>
-          </a:solidFill>
-          <a:ln>
-            <a:solidFill>
-              <a:schemeClr val="accent6">
-                <a:lumMod val="50000"/>
-              </a:schemeClr>
-            </a:solidFill>
-          </a:ln>
-        </p:spPr>
-        <p:style>
-          <a:lnRef idx="2">
-            <a:schemeClr val="accent1">
-              <a:shade val="50000"/>
-            </a:schemeClr>
-          </a:lnRef>
-          <a:fillRef idx="1">
-            <a:schemeClr val="accent1"/>
-          </a:fillRef>
-          <a:effectRef idx="0">
-            <a:schemeClr val="accent1"/>
-          </a:effectRef>
-          <a:fontRef idx="minor">
-            <a:schemeClr val="lt1"/>
-          </a:fontRef>
-        </p:style>
-        <p:txBody>
-          <a:bodyPr wrap="none" lIns="91440" tIns="0" rIns="0" bIns="0" rtlCol="0" anchor="t" anchorCtr="0"/>
-          <a:lstStyle/>
-          <a:p>
-            <a:endParaRPr lang="en-US" sz="900" u="sng" dirty="0" smtClean="0">
-              <a:solidFill>
-                <a:schemeClr val="tx1"/>
-              </a:solidFill>
-            </a:endParaRPr>
-          </a:p>
-          <a:p>
-            <a:r>
-              <a:rPr lang="en-US" sz="900" u="sng" dirty="0" err="1" smtClean="0">
-                <a:solidFill>
-                  <a:schemeClr val="tx1"/>
-                </a:solidFill>
-              </a:rPr>
-              <a:t>load_e_data</a:t>
-            </a:r>
-            <a:r>
-              <a:rPr lang="en-US" sz="900" u="sng" dirty="0" smtClean="0">
-                <a:solidFill>
-                  <a:schemeClr val="tx1"/>
-                </a:solidFill>
-              </a:rPr>
-              <a:t>:</a:t>
-            </a:r>
-          </a:p>
-          <a:p>
-            <a:pPr>
-              <a:buFont typeface="Arial" pitchFamily="34" charset="0"/>
-              <a:buChar char="•"/>
-            </a:pPr>
-            <a:r>
-              <a:rPr lang="en-US" sz="900" b="1" i="1" dirty="0" err="1" smtClean="0">
-                <a:solidFill>
-                  <a:schemeClr val="tx1"/>
-                </a:solidFill>
-              </a:rPr>
-              <a:t>core_data</a:t>
-            </a:r>
-            <a:endParaRPr lang="en-US" sz="900" b="1" i="1" dirty="0" smtClean="0">
-              <a:solidFill>
-                <a:schemeClr val="tx1"/>
-              </a:solidFill>
-            </a:endParaRPr>
-          </a:p>
-        </p:txBody>
-      </p:sp>
-      <p:sp>
-        <p:nvSpPr>
-          <p:cNvPr id="13" name="Can 12"/>
-          <p:cNvSpPr/>
-          <p:nvPr/>
-        </p:nvSpPr>
-        <p:spPr>
-          <a:xfrm>
-            <a:off x="1321776" y="3581400"/>
-            <a:ext cx="1116624" cy="1524000"/>
-          </a:xfrm>
-          <a:prstGeom prst="can">
-            <a:avLst/>
-          </a:prstGeom>
-          <a:solidFill>
-            <a:schemeClr val="accent4">
-              <a:lumMod val="20000"/>
-              <a:lumOff val="80000"/>
-            </a:schemeClr>
-          </a:solidFill>
-          <a:ln>
-            <a:solidFill>
-              <a:schemeClr val="accent4">
-                <a:lumMod val="50000"/>
-              </a:schemeClr>
-            </a:solidFill>
-          </a:ln>
-        </p:spPr>
-        <p:style>
-          <a:lnRef idx="2">
-            <a:schemeClr val="accent1">
-              <a:shade val="50000"/>
-            </a:schemeClr>
-          </a:lnRef>
-          <a:fillRef idx="1">
-            <a:schemeClr val="accent1"/>
-          </a:fillRef>
-          <a:effectRef idx="0">
-            <a:schemeClr val="accent1"/>
-          </a:effectRef>
-          <a:fontRef idx="minor">
-            <a:schemeClr val="lt1"/>
-          </a:fontRef>
-        </p:style>
-        <p:txBody>
-          <a:bodyPr wrap="none" lIns="91440" tIns="0" rIns="0" bIns="0" rtlCol="0" anchor="t" anchorCtr="0"/>
-          <a:lstStyle/>
-          <a:p>
-            <a:r>
-              <a:rPr lang="en-US" sz="900" b="1" i="1" u="sng" dirty="0" err="1" smtClean="0">
-                <a:solidFill>
-                  <a:schemeClr val="tx1"/>
-                </a:solidFill>
-              </a:rPr>
-              <a:t>core_data</a:t>
-            </a:r>
-            <a:r>
-              <a:rPr lang="en-US" sz="900" u="sng" dirty="0" smtClean="0">
-                <a:solidFill>
-                  <a:schemeClr val="tx1"/>
-                </a:solidFill>
-              </a:rPr>
-              <a:t>:</a:t>
-            </a:r>
-          </a:p>
-          <a:p>
-            <a:pPr>
-              <a:buFont typeface="Arial" pitchFamily="34" charset="0"/>
-              <a:buChar char="•"/>
-            </a:pPr>
-            <a:r>
-              <a:rPr lang="en-US" sz="900" b="1" i="1" dirty="0" err="1" smtClean="0">
-                <a:solidFill>
-                  <a:schemeClr val="tx1"/>
-                </a:solidFill>
-              </a:rPr>
-              <a:t>edist</a:t>
-            </a:r>
-            <a:r>
-              <a:rPr lang="en-US" sz="900" dirty="0" smtClean="0">
-                <a:solidFill>
-                  <a:schemeClr val="tx1"/>
-                </a:solidFill>
-              </a:rPr>
-              <a:t> –     </a:t>
-            </a:r>
-            <a:r>
-              <a:rPr lang="en-US" sz="900" dirty="0" err="1" smtClean="0">
-                <a:solidFill>
-                  <a:schemeClr val="tx1"/>
-                </a:solidFill>
-              </a:rPr>
-              <a:t>FS_dist</a:t>
-            </a:r>
-            <a:r>
-              <a:rPr lang="en-US" sz="900" dirty="0" smtClean="0">
-                <a:solidFill>
-                  <a:schemeClr val="tx1"/>
-                </a:solidFill>
-              </a:rPr>
-              <a:t>,</a:t>
-            </a:r>
-          </a:p>
-          <a:p>
-            <a:pPr>
-              <a:buFont typeface="Arial" pitchFamily="34" charset="0"/>
-              <a:buChar char="•"/>
-            </a:pPr>
-            <a:r>
-              <a:rPr lang="en-US" sz="900" b="1" i="1" dirty="0" err="1">
-                <a:solidFill>
-                  <a:schemeClr val="tx1"/>
-                </a:solidFill>
-              </a:rPr>
-              <a:t>p</a:t>
-            </a:r>
-            <a:r>
-              <a:rPr lang="en-US" sz="900" b="1" i="1" dirty="0" err="1" smtClean="0">
-                <a:solidFill>
-                  <a:schemeClr val="tx1"/>
-                </a:solidFill>
-              </a:rPr>
-              <a:t>arms</a:t>
-            </a:r>
-            <a:r>
-              <a:rPr lang="en-US" sz="900" dirty="0" smtClean="0">
-                <a:solidFill>
-                  <a:schemeClr val="tx1"/>
-                </a:solidFill>
-              </a:rPr>
-              <a:t> –  </a:t>
-            </a:r>
-            <a:r>
-              <a:rPr lang="en-US" sz="900" dirty="0" err="1" smtClean="0">
-                <a:solidFill>
-                  <a:schemeClr val="tx1"/>
-                </a:solidFill>
-              </a:rPr>
-              <a:t>FS_parms</a:t>
-            </a:r>
-            <a:r>
-              <a:rPr lang="en-US" sz="900" dirty="0" smtClean="0">
-                <a:solidFill>
-                  <a:schemeClr val="tx1"/>
-                </a:solidFill>
-              </a:rPr>
-              <a:t> </a:t>
-            </a:r>
-          </a:p>
-          <a:p>
-            <a:pPr>
-              <a:buFont typeface="Arial" pitchFamily="34" charset="0"/>
-              <a:buChar char="•"/>
-            </a:pPr>
-            <a:r>
-              <a:rPr lang="en-US" sz="900" b="1" i="1" dirty="0" err="1">
-                <a:solidFill>
-                  <a:schemeClr val="tx1"/>
-                </a:solidFill>
-              </a:rPr>
-              <a:t>b</a:t>
-            </a:r>
-            <a:r>
-              <a:rPr lang="en-US" sz="900" b="1" i="1" dirty="0" err="1" smtClean="0">
-                <a:solidFill>
-                  <a:schemeClr val="tx1"/>
-                </a:solidFill>
-              </a:rPr>
-              <a:t>field</a:t>
-            </a:r>
-            <a:r>
-              <a:rPr lang="en-US" sz="900" b="1" i="1" dirty="0" smtClean="0">
-                <a:solidFill>
-                  <a:schemeClr val="tx1"/>
-                </a:solidFill>
-              </a:rPr>
-              <a:t> </a:t>
-            </a:r>
-            <a:r>
-              <a:rPr lang="en-US" sz="900" dirty="0" smtClean="0">
-                <a:solidFill>
-                  <a:schemeClr val="tx1"/>
-                </a:solidFill>
-              </a:rPr>
-              <a:t>–   B</a:t>
-            </a:r>
-          </a:p>
-          <a:p>
-            <a:pPr>
-              <a:buFont typeface="Arial" pitchFamily="34" charset="0"/>
-              <a:buChar char="•"/>
-            </a:pPr>
-            <a:r>
-              <a:rPr lang="en-US" sz="900" b="1" i="1" dirty="0" err="1" smtClean="0">
-                <a:solidFill>
-                  <a:schemeClr val="tx1"/>
-                </a:solidFill>
-              </a:rPr>
-              <a:t>v_dirs</a:t>
-            </a:r>
-            <a:r>
-              <a:rPr lang="en-US" sz="900" dirty="0" smtClean="0">
-                <a:solidFill>
-                  <a:schemeClr val="tx1"/>
-                </a:solidFill>
-              </a:rPr>
-              <a:t> –  v(</a:t>
-            </a:r>
-            <a:r>
-              <a:rPr lang="en-US" sz="900" dirty="0" smtClean="0">
-                <a:solidFill>
-                  <a:schemeClr val="tx1"/>
-                </a:solidFill>
-                <a:sym typeface="Symbol"/>
-              </a:rPr>
-              <a:t>,)</a:t>
-            </a:r>
-            <a:r>
-              <a:rPr lang="en-US" sz="900" dirty="0" smtClean="0">
-                <a:solidFill>
-                  <a:schemeClr val="tx1"/>
-                </a:solidFill>
-              </a:rPr>
-              <a:t> </a:t>
-            </a:r>
-          </a:p>
-          <a:p>
-            <a:pPr>
-              <a:buFont typeface="Arial" pitchFamily="34" charset="0"/>
-              <a:buChar char="•"/>
-            </a:pPr>
-            <a:r>
-              <a:rPr lang="en-US" sz="900" b="1" i="1" dirty="0" smtClean="0">
-                <a:solidFill>
-                  <a:schemeClr val="tx1"/>
-                </a:solidFill>
-              </a:rPr>
-              <a:t>counts</a:t>
-            </a:r>
-            <a:r>
-              <a:rPr lang="en-US" sz="900" dirty="0" smtClean="0">
-                <a:solidFill>
-                  <a:schemeClr val="tx1"/>
-                </a:solidFill>
-              </a:rPr>
-              <a:t> – counts</a:t>
-            </a:r>
-          </a:p>
-          <a:p>
-            <a:pPr>
-              <a:buFont typeface="Arial" pitchFamily="34" charset="0"/>
-              <a:buChar char="•"/>
-            </a:pPr>
-            <a:r>
-              <a:rPr lang="en-US" sz="900" b="1" i="1" dirty="0" err="1" smtClean="0">
-                <a:solidFill>
-                  <a:schemeClr val="tx1"/>
-                </a:solidFill>
-              </a:rPr>
-              <a:t>jN</a:t>
-            </a:r>
-            <a:r>
-              <a:rPr lang="en-US" sz="900" dirty="0" smtClean="0">
-                <a:solidFill>
-                  <a:schemeClr val="tx1"/>
-                </a:solidFill>
-              </a:rPr>
-              <a:t> –         </a:t>
-            </a:r>
-            <a:r>
-              <a:rPr lang="en-US" sz="900" dirty="0" err="1" smtClean="0">
-                <a:solidFill>
-                  <a:schemeClr val="tx1"/>
-                </a:solidFill>
-              </a:rPr>
-              <a:t>jN</a:t>
-            </a:r>
-            <a:endParaRPr lang="en-US" sz="900" dirty="0" smtClean="0">
-              <a:solidFill>
-                <a:schemeClr val="tx1"/>
-              </a:solidFill>
-            </a:endParaRPr>
           </a:p>
           <a:p>
             <a:pPr>
@@ -4179,2079 +9253,18 @@
           </a:p>
         </p:txBody>
       </p:sp>
-      <p:sp>
-        <p:nvSpPr>
-          <p:cNvPr id="14" name="Can 13"/>
-          <p:cNvSpPr/>
-          <p:nvPr/>
-        </p:nvSpPr>
-        <p:spPr>
-          <a:xfrm>
-            <a:off x="5715000" y="4165600"/>
-            <a:ext cx="1066800" cy="381000"/>
-          </a:xfrm>
-          <a:prstGeom prst="can">
-            <a:avLst/>
-          </a:prstGeom>
-          <a:solidFill>
-            <a:schemeClr val="accent4">
-              <a:lumMod val="20000"/>
-              <a:lumOff val="80000"/>
-            </a:schemeClr>
-          </a:solidFill>
-          <a:ln>
-            <a:solidFill>
-              <a:schemeClr val="accent4">
-                <a:lumMod val="50000"/>
-              </a:schemeClr>
-            </a:solidFill>
-          </a:ln>
-        </p:spPr>
-        <p:style>
-          <a:lnRef idx="2">
-            <a:schemeClr val="accent1">
-              <a:shade val="50000"/>
-            </a:schemeClr>
-          </a:lnRef>
-          <a:fillRef idx="1">
-            <a:schemeClr val="accent1"/>
-          </a:fillRef>
-          <a:effectRef idx="0">
-            <a:schemeClr val="accent1"/>
-          </a:effectRef>
-          <a:fontRef idx="minor">
-            <a:schemeClr val="lt1"/>
-          </a:fontRef>
-        </p:style>
-        <p:txBody>
-          <a:bodyPr wrap="none" lIns="91440" tIns="0" rIns="0" bIns="0" rtlCol="0" anchor="t" anchorCtr="0"/>
-          <a:lstStyle/>
-          <a:p>
-            <a:r>
-              <a:rPr lang="en-US" sz="900" dirty="0" smtClean="0">
-                <a:solidFill>
-                  <a:schemeClr val="tx1"/>
-                </a:solidFill>
-              </a:rPr>
-              <a:t>counts -  k,32,16,32</a:t>
-            </a:r>
-          </a:p>
-        </p:txBody>
-      </p:sp>
-      <p:sp>
-        <p:nvSpPr>
-          <p:cNvPr id="15" name="Can 14"/>
-          <p:cNvSpPr/>
-          <p:nvPr/>
-        </p:nvSpPr>
-        <p:spPr>
-          <a:xfrm>
-            <a:off x="5715000" y="3403600"/>
-            <a:ext cx="1066800" cy="381000"/>
-          </a:xfrm>
-          <a:prstGeom prst="can">
-            <a:avLst/>
-          </a:prstGeom>
-          <a:solidFill>
-            <a:schemeClr val="accent4">
-              <a:lumMod val="20000"/>
-              <a:lumOff val="80000"/>
-            </a:schemeClr>
-          </a:solidFill>
-          <a:ln>
-            <a:solidFill>
-              <a:schemeClr val="accent4">
-                <a:lumMod val="50000"/>
-              </a:schemeClr>
-            </a:solidFill>
-          </a:ln>
-        </p:spPr>
-        <p:style>
-          <a:lnRef idx="2">
-            <a:schemeClr val="accent1">
-              <a:shade val="50000"/>
-            </a:schemeClr>
-          </a:lnRef>
-          <a:fillRef idx="1">
-            <a:schemeClr val="accent1"/>
-          </a:fillRef>
-          <a:effectRef idx="0">
-            <a:schemeClr val="accent1"/>
-          </a:effectRef>
-          <a:fontRef idx="minor">
-            <a:schemeClr val="lt1"/>
-          </a:fontRef>
-        </p:style>
-        <p:txBody>
-          <a:bodyPr wrap="none" lIns="91440" tIns="0" rIns="0" bIns="0" rtlCol="0" anchor="t" anchorCtr="0"/>
-          <a:lstStyle/>
-          <a:p>
-            <a:r>
-              <a:rPr lang="en-US" sz="900" dirty="0" smtClean="0">
-                <a:solidFill>
-                  <a:schemeClr val="tx1"/>
-                </a:solidFill>
-              </a:rPr>
-              <a:t>v(</a:t>
-            </a:r>
-            <a:r>
-              <a:rPr lang="en-US" sz="900" dirty="0" smtClean="0">
-                <a:solidFill>
-                  <a:schemeClr val="tx1"/>
-                </a:solidFill>
-                <a:sym typeface="Symbol"/>
-              </a:rPr>
-              <a:t>,)</a:t>
-            </a:r>
-            <a:r>
-              <a:rPr lang="en-US" sz="900" dirty="0" smtClean="0">
-                <a:solidFill>
-                  <a:schemeClr val="tx1"/>
-                </a:solidFill>
-              </a:rPr>
-              <a:t> -  32,16,[3] </a:t>
-            </a:r>
-          </a:p>
-        </p:txBody>
-      </p:sp>
-      <p:sp>
-        <p:nvSpPr>
-          <p:cNvPr id="16" name="Can 15"/>
-          <p:cNvSpPr/>
-          <p:nvPr/>
-        </p:nvSpPr>
-        <p:spPr>
-          <a:xfrm>
-            <a:off x="6019800" y="6019800"/>
-            <a:ext cx="1066800" cy="609600"/>
-          </a:xfrm>
-          <a:prstGeom prst="can">
-            <a:avLst/>
-          </a:prstGeom>
-          <a:solidFill>
-            <a:schemeClr val="accent4">
-              <a:lumMod val="20000"/>
-              <a:lumOff val="80000"/>
-            </a:schemeClr>
-          </a:solidFill>
-          <a:ln>
-            <a:solidFill>
-              <a:schemeClr val="accent4">
-                <a:lumMod val="50000"/>
-              </a:schemeClr>
-            </a:solidFill>
-          </a:ln>
-        </p:spPr>
-        <p:style>
-          <a:lnRef idx="2">
-            <a:schemeClr val="accent1">
-              <a:shade val="50000"/>
-            </a:schemeClr>
-          </a:lnRef>
-          <a:fillRef idx="1">
-            <a:schemeClr val="accent1"/>
-          </a:fillRef>
-          <a:effectRef idx="0">
-            <a:schemeClr val="accent1"/>
-          </a:effectRef>
-          <a:fontRef idx="minor">
-            <a:schemeClr val="lt1"/>
-          </a:fontRef>
-        </p:style>
-        <p:txBody>
-          <a:bodyPr wrap="none" lIns="91440" tIns="0" rIns="0" bIns="0" rtlCol="0" anchor="t" anchorCtr="0"/>
-          <a:lstStyle/>
-          <a:p>
-            <a:r>
-              <a:rPr lang="en-US" sz="900" dirty="0" smtClean="0">
-                <a:solidFill>
-                  <a:schemeClr val="tx1"/>
-                </a:solidFill>
-                <a:sym typeface="Symbol"/>
-              </a:rPr>
-              <a:t></a:t>
-            </a:r>
-            <a:r>
-              <a:rPr lang="en-US" sz="900" dirty="0" smtClean="0">
-                <a:solidFill>
-                  <a:schemeClr val="tx1"/>
-                </a:solidFill>
-              </a:rPr>
-              <a:t>(</a:t>
-            </a:r>
-            <a:r>
-              <a:rPr lang="en-US" sz="900" dirty="0" smtClean="0">
-                <a:solidFill>
-                  <a:schemeClr val="tx1"/>
-                </a:solidFill>
-                <a:sym typeface="Symbol"/>
-              </a:rPr>
-              <a:t>,)</a:t>
-            </a:r>
-            <a:r>
-              <a:rPr lang="en-US" sz="900" dirty="0" smtClean="0">
-                <a:solidFill>
-                  <a:schemeClr val="tx1"/>
-                </a:solidFill>
-              </a:rPr>
-              <a:t> -  32,16 </a:t>
-            </a:r>
-          </a:p>
-          <a:p>
-            <a:r>
-              <a:rPr lang="en-US" sz="900" dirty="0">
-                <a:solidFill>
-                  <a:schemeClr val="tx1"/>
-                </a:solidFill>
-              </a:rPr>
-              <a:t> </a:t>
-            </a:r>
-            <a:r>
-              <a:rPr lang="en-US" sz="900" dirty="0" smtClean="0">
-                <a:solidFill>
-                  <a:schemeClr val="tx1"/>
-                </a:solidFill>
-              </a:rPr>
-              <a:t>              at a given k</a:t>
-            </a:r>
-          </a:p>
-        </p:txBody>
-      </p:sp>
-      <p:sp>
-        <p:nvSpPr>
-          <p:cNvPr id="17" name="Can 16"/>
-          <p:cNvSpPr/>
-          <p:nvPr/>
-        </p:nvSpPr>
-        <p:spPr>
-          <a:xfrm>
-            <a:off x="5638800" y="4737100"/>
-            <a:ext cx="1066800" cy="609600"/>
-          </a:xfrm>
-          <a:prstGeom prst="can">
-            <a:avLst/>
-          </a:prstGeom>
-          <a:solidFill>
-            <a:schemeClr val="accent4">
-              <a:lumMod val="20000"/>
-              <a:lumOff val="80000"/>
-            </a:schemeClr>
-          </a:solidFill>
-          <a:ln>
-            <a:solidFill>
-              <a:schemeClr val="accent4">
-                <a:lumMod val="50000"/>
-              </a:schemeClr>
-            </a:solidFill>
-          </a:ln>
-        </p:spPr>
-        <p:style>
-          <a:lnRef idx="2">
-            <a:schemeClr val="accent1">
-              <a:shade val="50000"/>
-            </a:schemeClr>
-          </a:lnRef>
-          <a:fillRef idx="1">
-            <a:schemeClr val="accent1"/>
-          </a:fillRef>
-          <a:effectRef idx="0">
-            <a:schemeClr val="accent1"/>
-          </a:effectRef>
-          <a:fontRef idx="minor">
-            <a:schemeClr val="lt1"/>
-          </a:fontRef>
-        </p:style>
-        <p:txBody>
-          <a:bodyPr wrap="none" lIns="91440" tIns="0" rIns="0" bIns="0" rtlCol="0" anchor="t" anchorCtr="0"/>
-          <a:lstStyle/>
-          <a:p>
-            <a:r>
-              <a:rPr lang="en-US" sz="900" dirty="0" err="1" smtClean="0">
-                <a:solidFill>
-                  <a:schemeClr val="tx1"/>
-                </a:solidFill>
-              </a:rPr>
-              <a:t>jN</a:t>
-            </a:r>
-            <a:r>
-              <a:rPr lang="en-US" sz="900" dirty="0" smtClean="0">
-                <a:solidFill>
-                  <a:schemeClr val="tx1"/>
-                </a:solidFill>
-              </a:rPr>
-              <a:t> -  k,32,16,32</a:t>
-            </a:r>
-          </a:p>
-        </p:txBody>
-      </p:sp>
-      <p:sp>
-        <p:nvSpPr>
-          <p:cNvPr id="18" name="Cube 17"/>
-          <p:cNvSpPr/>
-          <p:nvPr/>
-        </p:nvSpPr>
-        <p:spPr>
-          <a:xfrm>
-            <a:off x="3663440" y="4114800"/>
-            <a:ext cx="1066800" cy="533400"/>
-          </a:xfrm>
-          <a:prstGeom prst="cube">
-            <a:avLst>
-              <a:gd name="adj" fmla="val 9135"/>
-            </a:avLst>
-          </a:prstGeom>
-          <a:solidFill>
-            <a:schemeClr val="accent6">
-              <a:lumMod val="60000"/>
-              <a:lumOff val="40000"/>
-            </a:schemeClr>
-          </a:solidFill>
-          <a:ln>
-            <a:solidFill>
-              <a:schemeClr val="accent6">
-                <a:lumMod val="50000"/>
-              </a:schemeClr>
-            </a:solidFill>
-          </a:ln>
-        </p:spPr>
-        <p:style>
-          <a:lnRef idx="2">
-            <a:schemeClr val="accent1">
-              <a:shade val="50000"/>
-            </a:schemeClr>
-          </a:lnRef>
-          <a:fillRef idx="1">
-            <a:schemeClr val="accent1"/>
-          </a:fillRef>
-          <a:effectRef idx="0">
-            <a:schemeClr val="accent1"/>
-          </a:effectRef>
-          <a:fontRef idx="minor">
-            <a:schemeClr val="lt1"/>
-          </a:fontRef>
-        </p:style>
-        <p:txBody>
-          <a:bodyPr wrap="none" lIns="91440" tIns="0" rIns="0" bIns="0" rtlCol="0" anchor="t" anchorCtr="0"/>
-          <a:lstStyle/>
-          <a:p>
-            <a:endParaRPr lang="en-US" sz="900" u="sng" dirty="0" smtClean="0">
-              <a:solidFill>
-                <a:schemeClr val="tx1"/>
-              </a:solidFill>
-            </a:endParaRPr>
-          </a:p>
-          <a:p>
-            <a:r>
-              <a:rPr lang="en-US" sz="900" u="sng" dirty="0" err="1" smtClean="0">
-                <a:solidFill>
-                  <a:schemeClr val="tx1"/>
-                </a:solidFill>
-              </a:rPr>
-              <a:t>compute_counts</a:t>
-            </a:r>
-            <a:r>
-              <a:rPr lang="en-US" sz="900" u="sng" dirty="0" smtClean="0">
-                <a:solidFill>
-                  <a:schemeClr val="tx1"/>
-                </a:solidFill>
-              </a:rPr>
-              <a:t>:</a:t>
-            </a:r>
-          </a:p>
-          <a:p>
-            <a:pPr>
-              <a:buFont typeface="Arial" pitchFamily="34" charset="0"/>
-              <a:buChar char="•"/>
-            </a:pPr>
-            <a:r>
-              <a:rPr lang="en-US" sz="900" dirty="0" smtClean="0">
-                <a:solidFill>
-                  <a:schemeClr val="tx1"/>
-                </a:solidFill>
-              </a:rPr>
-              <a:t>counts</a:t>
-            </a:r>
-          </a:p>
-        </p:txBody>
-      </p:sp>
-      <p:sp>
-        <p:nvSpPr>
-          <p:cNvPr id="19" name="Cube 18"/>
-          <p:cNvSpPr/>
-          <p:nvPr/>
-        </p:nvSpPr>
-        <p:spPr>
-          <a:xfrm>
-            <a:off x="3206240" y="3352800"/>
-            <a:ext cx="2057400" cy="533400"/>
-          </a:xfrm>
-          <a:prstGeom prst="cube">
-            <a:avLst>
-              <a:gd name="adj" fmla="val 9135"/>
-            </a:avLst>
-          </a:prstGeom>
-          <a:solidFill>
-            <a:schemeClr val="accent6">
-              <a:lumMod val="60000"/>
-              <a:lumOff val="40000"/>
-            </a:schemeClr>
-          </a:solidFill>
-          <a:ln>
-            <a:solidFill>
-              <a:schemeClr val="accent6">
-                <a:lumMod val="50000"/>
-              </a:schemeClr>
-            </a:solidFill>
-          </a:ln>
-        </p:spPr>
-        <p:style>
-          <a:lnRef idx="2">
-            <a:schemeClr val="accent1">
-              <a:shade val="50000"/>
-            </a:schemeClr>
-          </a:lnRef>
-          <a:fillRef idx="1">
-            <a:schemeClr val="accent1"/>
-          </a:fillRef>
-          <a:effectRef idx="0">
-            <a:schemeClr val="accent1"/>
-          </a:effectRef>
-          <a:fontRef idx="minor">
-            <a:schemeClr val="lt1"/>
-          </a:fontRef>
-        </p:style>
-        <p:txBody>
-          <a:bodyPr wrap="none" lIns="91440" tIns="0" rIns="0" bIns="0" rtlCol="0" anchor="t" anchorCtr="0"/>
-          <a:lstStyle/>
-          <a:p>
-            <a:endParaRPr lang="en-US" sz="900" u="sng" dirty="0" smtClean="0">
-              <a:solidFill>
-                <a:schemeClr val="tx1"/>
-              </a:solidFill>
-            </a:endParaRPr>
-          </a:p>
-          <a:p>
-            <a:r>
-              <a:rPr lang="en-US" sz="900" u="sng" dirty="0" err="1" smtClean="0">
-                <a:solidFill>
-                  <a:schemeClr val="tx1"/>
-                </a:solidFill>
-              </a:rPr>
-              <a:t>calculate_incoming_particle_directions</a:t>
-            </a:r>
-            <a:r>
-              <a:rPr lang="en-US" sz="900" u="sng" dirty="0" smtClean="0">
-                <a:solidFill>
-                  <a:schemeClr val="tx1"/>
-                </a:solidFill>
-              </a:rPr>
-              <a:t>:</a:t>
-            </a:r>
-          </a:p>
-          <a:p>
-            <a:pPr>
-              <a:buFont typeface="Arial" pitchFamily="34" charset="0"/>
-              <a:buChar char="•"/>
-            </a:pPr>
-            <a:r>
-              <a:rPr lang="en-US" sz="900" dirty="0" err="1">
-                <a:solidFill>
-                  <a:schemeClr val="tx1"/>
-                </a:solidFill>
-              </a:rPr>
-              <a:t>v</a:t>
-            </a:r>
-            <a:r>
-              <a:rPr lang="en-US" sz="900" dirty="0" err="1" smtClean="0">
-                <a:solidFill>
-                  <a:schemeClr val="tx1"/>
-                </a:solidFill>
-              </a:rPr>
-              <a:t>_dirs</a:t>
-            </a:r>
-            <a:endParaRPr lang="en-US" sz="900" dirty="0" smtClean="0">
-              <a:solidFill>
-                <a:schemeClr val="tx1"/>
-              </a:solidFill>
-            </a:endParaRPr>
-          </a:p>
-        </p:txBody>
-      </p:sp>
-      <p:sp>
-        <p:nvSpPr>
-          <p:cNvPr id="20" name="Cube 19"/>
-          <p:cNvSpPr/>
-          <p:nvPr/>
-        </p:nvSpPr>
-        <p:spPr>
-          <a:xfrm>
-            <a:off x="3581400" y="6096000"/>
-            <a:ext cx="2057400" cy="533400"/>
-          </a:xfrm>
-          <a:prstGeom prst="cube">
-            <a:avLst>
-              <a:gd name="adj" fmla="val 9135"/>
-            </a:avLst>
-          </a:prstGeom>
-          <a:solidFill>
-            <a:schemeClr val="accent6">
-              <a:lumMod val="60000"/>
-              <a:lumOff val="40000"/>
-            </a:schemeClr>
-          </a:solidFill>
-          <a:ln>
-            <a:solidFill>
-              <a:schemeClr val="accent6">
-                <a:lumMod val="50000"/>
-              </a:schemeClr>
-            </a:solidFill>
-          </a:ln>
-        </p:spPr>
-        <p:style>
-          <a:lnRef idx="2">
-            <a:schemeClr val="accent1">
-              <a:shade val="50000"/>
-            </a:schemeClr>
-          </a:lnRef>
-          <a:fillRef idx="1">
-            <a:schemeClr val="accent1"/>
-          </a:fillRef>
-          <a:effectRef idx="0">
-            <a:schemeClr val="accent1"/>
-          </a:effectRef>
-          <a:fontRef idx="minor">
-            <a:schemeClr val="lt1"/>
-          </a:fontRef>
-        </p:style>
-        <p:txBody>
-          <a:bodyPr wrap="none" lIns="91440" tIns="0" rIns="0" bIns="0" rtlCol="0" anchor="t" anchorCtr="0"/>
-          <a:lstStyle/>
-          <a:p>
-            <a:endParaRPr lang="en-US" sz="900" u="sng" dirty="0" smtClean="0">
-              <a:solidFill>
-                <a:schemeClr val="tx1"/>
-              </a:solidFill>
-            </a:endParaRPr>
-          </a:p>
-          <a:p>
-            <a:r>
-              <a:rPr lang="en-US" sz="900" u="sng" dirty="0" err="1" smtClean="0">
-                <a:solidFill>
-                  <a:schemeClr val="tx1"/>
-                </a:solidFill>
-              </a:rPr>
-              <a:t>calculate_pitch_angles</a:t>
-            </a:r>
-            <a:r>
-              <a:rPr lang="en-US" sz="900" u="sng" dirty="0" smtClean="0">
-                <a:solidFill>
-                  <a:schemeClr val="tx1"/>
-                </a:solidFill>
-              </a:rPr>
-              <a:t>:</a:t>
-            </a:r>
-          </a:p>
-          <a:p>
-            <a:pPr>
-              <a:buFont typeface="Arial" pitchFamily="34" charset="0"/>
-              <a:buChar char="•"/>
-            </a:pPr>
-            <a:r>
-              <a:rPr lang="en-US" sz="900" dirty="0" err="1" smtClean="0">
-                <a:solidFill>
-                  <a:schemeClr val="tx1"/>
-                </a:solidFill>
-              </a:rPr>
-              <a:t>pitch_angles</a:t>
-            </a:r>
-            <a:r>
-              <a:rPr lang="en-US" sz="900" dirty="0" smtClean="0">
-                <a:solidFill>
-                  <a:schemeClr val="tx1"/>
-                </a:solidFill>
-              </a:rPr>
-              <a:t> (</a:t>
-            </a:r>
-            <a:r>
-              <a:rPr lang="en-US" sz="900" dirty="0" smtClean="0">
-                <a:solidFill>
-                  <a:schemeClr val="tx1"/>
-                </a:solidFill>
-                <a:sym typeface="Symbol"/>
-              </a:rPr>
-              <a:t></a:t>
-            </a:r>
-            <a:r>
-              <a:rPr lang="en-US" sz="900" dirty="0" smtClean="0">
-                <a:solidFill>
-                  <a:schemeClr val="tx1"/>
-                </a:solidFill>
-              </a:rPr>
-              <a:t>)</a:t>
-            </a:r>
-          </a:p>
-        </p:txBody>
-      </p:sp>
-      <p:sp>
-        <p:nvSpPr>
-          <p:cNvPr id="21" name="Can 20"/>
-          <p:cNvSpPr/>
-          <p:nvPr/>
-        </p:nvSpPr>
-        <p:spPr>
-          <a:xfrm>
-            <a:off x="381000" y="2895600"/>
-            <a:ext cx="533400" cy="685800"/>
-          </a:xfrm>
-          <a:prstGeom prst="can">
-            <a:avLst/>
-          </a:prstGeom>
-          <a:solidFill>
-            <a:schemeClr val="accent3">
-              <a:lumMod val="60000"/>
-              <a:lumOff val="40000"/>
-            </a:schemeClr>
-          </a:solidFill>
-          <a:ln>
-            <a:solidFill>
-              <a:schemeClr val="accent3">
-                <a:lumMod val="50000"/>
-              </a:schemeClr>
-            </a:solidFill>
-          </a:ln>
-        </p:spPr>
-        <p:style>
-          <a:lnRef idx="2">
-            <a:schemeClr val="accent1">
-              <a:shade val="50000"/>
-            </a:schemeClr>
-          </a:lnRef>
-          <a:fillRef idx="1">
-            <a:schemeClr val="accent1"/>
-          </a:fillRef>
-          <a:effectRef idx="0">
-            <a:schemeClr val="accent1"/>
-          </a:effectRef>
-          <a:fontRef idx="minor">
-            <a:schemeClr val="lt1"/>
-          </a:fontRef>
-        </p:style>
-        <p:txBody>
-          <a:bodyPr wrap="none" lIns="0" tIns="0" rIns="0" bIns="0" rtlCol="0" anchor="ctr"/>
-          <a:lstStyle/>
-          <a:p>
-            <a:pPr algn="ctr"/>
-            <a:r>
-              <a:rPr lang="en-US" sz="900" dirty="0" smtClean="0">
-                <a:solidFill>
-                  <a:schemeClr val="tx1"/>
-                </a:solidFill>
-              </a:rPr>
-              <a:t>photo </a:t>
-            </a:r>
-          </a:p>
-          <a:p>
-            <a:pPr algn="ctr"/>
-            <a:r>
-              <a:rPr lang="en-US" sz="900" dirty="0" smtClean="0">
-                <a:solidFill>
-                  <a:schemeClr val="tx1"/>
-                </a:solidFill>
-              </a:rPr>
-              <a:t>electron</a:t>
-            </a:r>
-          </a:p>
-          <a:p>
-            <a:pPr algn="ctr"/>
-            <a:r>
-              <a:rPr lang="en-US" sz="900" dirty="0" smtClean="0">
-                <a:solidFill>
-                  <a:schemeClr val="tx1"/>
-                </a:solidFill>
-              </a:rPr>
-              <a:t>model</a:t>
-            </a:r>
-            <a:endParaRPr lang="en-US" sz="900" dirty="0">
-              <a:solidFill>
-                <a:schemeClr val="tx1"/>
-              </a:solidFill>
-            </a:endParaRPr>
-          </a:p>
-        </p:txBody>
-      </p:sp>
-      <p:sp>
-        <p:nvSpPr>
-          <p:cNvPr id="22" name="Cube 21"/>
-          <p:cNvSpPr/>
-          <p:nvPr/>
-        </p:nvSpPr>
-        <p:spPr>
-          <a:xfrm>
-            <a:off x="1295400" y="6096000"/>
-            <a:ext cx="2057400" cy="533400"/>
-          </a:xfrm>
-          <a:prstGeom prst="cube">
-            <a:avLst>
-              <a:gd name="adj" fmla="val 9135"/>
-            </a:avLst>
-          </a:prstGeom>
-          <a:solidFill>
-            <a:schemeClr val="accent6">
-              <a:lumMod val="60000"/>
-              <a:lumOff val="40000"/>
-            </a:schemeClr>
-          </a:solidFill>
-          <a:ln>
-            <a:solidFill>
-              <a:schemeClr val="accent6">
-                <a:lumMod val="50000"/>
-              </a:schemeClr>
-            </a:solidFill>
-          </a:ln>
-        </p:spPr>
-        <p:style>
-          <a:lnRef idx="2">
-            <a:schemeClr val="accent1">
-              <a:shade val="50000"/>
-            </a:schemeClr>
-          </a:lnRef>
-          <a:fillRef idx="1">
-            <a:schemeClr val="accent1"/>
-          </a:fillRef>
-          <a:effectRef idx="0">
-            <a:schemeClr val="accent1"/>
-          </a:effectRef>
-          <a:fontRef idx="minor">
-            <a:schemeClr val="lt1"/>
-          </a:fontRef>
-        </p:style>
-        <p:txBody>
-          <a:bodyPr wrap="none" lIns="91440" tIns="0" rIns="0" bIns="0" rtlCol="0" anchor="t" anchorCtr="0"/>
-          <a:lstStyle/>
-          <a:p>
-            <a:endParaRPr lang="en-US" sz="900" u="sng" dirty="0" smtClean="0">
-              <a:solidFill>
-                <a:schemeClr val="tx1"/>
-              </a:solidFill>
-            </a:endParaRPr>
-          </a:p>
-          <a:p>
-            <a:r>
-              <a:rPr lang="en-US" sz="900" u="sng" dirty="0" smtClean="0">
-                <a:solidFill>
-                  <a:schemeClr val="tx1"/>
-                </a:solidFill>
-              </a:rPr>
-              <a:t>&lt;title&gt;</a:t>
-            </a:r>
-          </a:p>
-          <a:p>
-            <a:pPr>
-              <a:buFont typeface="Arial" pitchFamily="34" charset="0"/>
-              <a:buChar char="•"/>
-            </a:pPr>
-            <a:r>
-              <a:rPr lang="en-US" sz="900" smtClean="0">
-                <a:solidFill>
-                  <a:schemeClr val="tx1"/>
-                </a:solidFill>
-              </a:rPr>
-              <a:t>stuff</a:t>
-            </a:r>
-            <a:endParaRPr lang="en-US" sz="900" dirty="0" smtClean="0">
-              <a:solidFill>
-                <a:schemeClr val="tx1"/>
-              </a:solidFill>
-            </a:endParaRPr>
-          </a:p>
-        </p:txBody>
-      </p:sp>
-      <p:sp>
-        <p:nvSpPr>
-          <p:cNvPr id="25" name="Cube 24"/>
-          <p:cNvSpPr/>
-          <p:nvPr/>
-        </p:nvSpPr>
-        <p:spPr>
-          <a:xfrm>
-            <a:off x="3434840" y="4800600"/>
-            <a:ext cx="1371600" cy="533400"/>
-          </a:xfrm>
-          <a:prstGeom prst="cube">
-            <a:avLst>
-              <a:gd name="adj" fmla="val 9135"/>
-            </a:avLst>
-          </a:prstGeom>
-          <a:solidFill>
-            <a:schemeClr val="accent6">
-              <a:lumMod val="60000"/>
-              <a:lumOff val="40000"/>
-            </a:schemeClr>
-          </a:solidFill>
-          <a:ln>
-            <a:solidFill>
-              <a:schemeClr val="accent6">
-                <a:lumMod val="50000"/>
-              </a:schemeClr>
-            </a:solidFill>
-          </a:ln>
-        </p:spPr>
-        <p:style>
-          <a:lnRef idx="2">
-            <a:schemeClr val="accent1">
-              <a:shade val="50000"/>
-            </a:schemeClr>
-          </a:lnRef>
-          <a:fillRef idx="1">
-            <a:schemeClr val="accent1"/>
-          </a:fillRef>
-          <a:effectRef idx="0">
-            <a:schemeClr val="accent1"/>
-          </a:effectRef>
-          <a:fontRef idx="minor">
-            <a:schemeClr val="lt1"/>
-          </a:fontRef>
-        </p:style>
-        <p:txBody>
-          <a:bodyPr wrap="none" lIns="91440" tIns="0" rIns="0" bIns="0" rtlCol="0" anchor="t" anchorCtr="0"/>
-          <a:lstStyle/>
-          <a:p>
-            <a:endParaRPr lang="en-US" sz="900" u="sng" dirty="0" smtClean="0">
-              <a:solidFill>
-                <a:schemeClr val="tx1"/>
-              </a:solidFill>
-            </a:endParaRPr>
-          </a:p>
-          <a:p>
-            <a:r>
-              <a:rPr lang="en-US" sz="900" u="sng" dirty="0" err="1" smtClean="0">
-                <a:solidFill>
-                  <a:schemeClr val="tx1"/>
-                </a:solidFill>
-              </a:rPr>
-              <a:t>compute_number_flux</a:t>
-            </a:r>
-            <a:r>
-              <a:rPr lang="en-US" sz="900" u="sng" dirty="0" smtClean="0">
-                <a:solidFill>
-                  <a:schemeClr val="tx1"/>
-                </a:solidFill>
-              </a:rPr>
-              <a:t>:</a:t>
-            </a:r>
-          </a:p>
-          <a:p>
-            <a:pPr>
-              <a:buFont typeface="Arial" pitchFamily="34" charset="0"/>
-              <a:buChar char="•"/>
-            </a:pPr>
-            <a:r>
-              <a:rPr lang="en-US" sz="900" dirty="0" err="1" smtClean="0">
-                <a:solidFill>
-                  <a:schemeClr val="tx1"/>
-                </a:solidFill>
-              </a:rPr>
-              <a:t>jN</a:t>
-            </a:r>
-            <a:endParaRPr lang="en-US" sz="900" dirty="0" smtClean="0">
-              <a:solidFill>
-                <a:schemeClr val="tx1"/>
-              </a:solidFill>
-            </a:endParaRPr>
-          </a:p>
-        </p:txBody>
-      </p:sp>
       <p:cxnSp>
         <p:nvCxnSpPr>
-          <p:cNvPr id="29" name="Elbow Connector 28"/>
+          <p:cNvPr id="6" name="Elbow Connector 5"/>
           <p:cNvCxnSpPr>
-            <a:stCxn id="7" idx="4"/>
-            <a:endCxn id="12" idx="2"/>
-          </p:cNvCxnSpPr>
-          <p:nvPr/>
-        </p:nvCxnSpPr>
-        <p:spPr>
-          <a:xfrm>
-            <a:off x="914400" y="1752600"/>
-            <a:ext cx="457200" cy="672063"/>
-          </a:xfrm>
-          <a:prstGeom prst="bentConnector3">
-            <a:avLst>
-              <a:gd name="adj1" fmla="val 50000"/>
-            </a:avLst>
-          </a:prstGeom>
-          <a:ln>
-            <a:tailEnd type="arrow"/>
-          </a:ln>
-        </p:spPr>
-        <p:style>
-          <a:lnRef idx="1">
-            <a:schemeClr val="accent1"/>
-          </a:lnRef>
-          <a:fillRef idx="0">
-            <a:schemeClr val="accent1"/>
-          </a:fillRef>
-          <a:effectRef idx="0">
-            <a:schemeClr val="accent1"/>
-          </a:effectRef>
-          <a:fontRef idx="minor">
-            <a:schemeClr val="tx1"/>
-          </a:fontRef>
-        </p:style>
-      </p:cxnSp>
-      <p:cxnSp>
-        <p:nvCxnSpPr>
-          <p:cNvPr id="32" name="Elbow Connector 31"/>
-          <p:cNvCxnSpPr>
-            <a:stCxn id="8" idx="4"/>
-            <a:endCxn id="12" idx="2"/>
-          </p:cNvCxnSpPr>
-          <p:nvPr/>
-        </p:nvCxnSpPr>
-        <p:spPr>
-          <a:xfrm>
-            <a:off x="914400" y="2362200"/>
-            <a:ext cx="457200" cy="62463"/>
-          </a:xfrm>
-          <a:prstGeom prst="bentConnector3">
-            <a:avLst>
-              <a:gd name="adj1" fmla="val 50000"/>
-            </a:avLst>
-          </a:prstGeom>
-          <a:ln>
-            <a:tailEnd type="arrow"/>
-          </a:ln>
-        </p:spPr>
-        <p:style>
-          <a:lnRef idx="1">
-            <a:schemeClr val="accent1"/>
-          </a:lnRef>
-          <a:fillRef idx="0">
-            <a:schemeClr val="accent1"/>
-          </a:fillRef>
-          <a:effectRef idx="0">
-            <a:schemeClr val="accent1"/>
-          </a:effectRef>
-          <a:fontRef idx="minor">
-            <a:schemeClr val="tx1"/>
-          </a:fontRef>
-        </p:style>
-      </p:cxnSp>
-      <p:cxnSp>
-        <p:nvCxnSpPr>
-          <p:cNvPr id="35" name="Elbow Connector 34"/>
-          <p:cNvCxnSpPr>
-            <a:stCxn id="21" idx="4"/>
-            <a:endCxn id="12" idx="2"/>
-          </p:cNvCxnSpPr>
-          <p:nvPr/>
-        </p:nvCxnSpPr>
-        <p:spPr>
-          <a:xfrm flipV="1">
-            <a:off x="914400" y="2424663"/>
-            <a:ext cx="457200" cy="813837"/>
-          </a:xfrm>
-          <a:prstGeom prst="bentConnector3">
-            <a:avLst>
-              <a:gd name="adj1" fmla="val 50000"/>
-            </a:avLst>
-          </a:prstGeom>
-          <a:ln>
-            <a:tailEnd type="arrow"/>
-          </a:ln>
-        </p:spPr>
-        <p:style>
-          <a:lnRef idx="1">
-            <a:schemeClr val="accent1"/>
-          </a:lnRef>
-          <a:fillRef idx="0">
-            <a:schemeClr val="accent1"/>
-          </a:fillRef>
-          <a:effectRef idx="0">
-            <a:schemeClr val="accent1"/>
-          </a:effectRef>
-          <a:fontRef idx="minor">
-            <a:schemeClr val="tx1"/>
-          </a:fontRef>
-        </p:style>
-      </p:cxnSp>
-      <p:cxnSp>
-        <p:nvCxnSpPr>
-          <p:cNvPr id="38" name="Elbow Connector 37"/>
-          <p:cNvCxnSpPr>
-            <a:stCxn id="12" idx="3"/>
-            <a:endCxn id="13" idx="1"/>
-          </p:cNvCxnSpPr>
-          <p:nvPr/>
-        </p:nvCxnSpPr>
-        <p:spPr>
-          <a:xfrm rot="5400000">
-            <a:off x="1423163" y="3123926"/>
-            <a:ext cx="914400" cy="549"/>
-          </a:xfrm>
-          <a:prstGeom prst="bentConnector3">
-            <a:avLst>
-              <a:gd name="adj1" fmla="val 50000"/>
-            </a:avLst>
-          </a:prstGeom>
-          <a:ln>
-            <a:tailEnd type="arrow"/>
-          </a:ln>
-        </p:spPr>
-        <p:style>
-          <a:lnRef idx="1">
-            <a:schemeClr val="accent1"/>
-          </a:lnRef>
-          <a:fillRef idx="0">
-            <a:schemeClr val="accent1"/>
-          </a:fillRef>
-          <a:effectRef idx="0">
-            <a:schemeClr val="accent1"/>
-          </a:effectRef>
-          <a:fontRef idx="minor">
-            <a:schemeClr val="tx1"/>
-          </a:fontRef>
-        </p:style>
-      </p:cxnSp>
-      <p:cxnSp>
-        <p:nvCxnSpPr>
-          <p:cNvPr id="43" name="Elbow Connector 42"/>
-          <p:cNvCxnSpPr>
-            <a:endCxn id="5" idx="2"/>
-          </p:cNvCxnSpPr>
-          <p:nvPr/>
-        </p:nvCxnSpPr>
-        <p:spPr>
-          <a:xfrm flipV="1">
-            <a:off x="2514600" y="983824"/>
-            <a:ext cx="1072640" cy="1392113"/>
-          </a:xfrm>
-          <a:prstGeom prst="bentConnector3">
-            <a:avLst>
-              <a:gd name="adj1" fmla="val 24248"/>
-            </a:avLst>
-          </a:prstGeom>
-          <a:ln>
-            <a:headEnd type="arrow"/>
-            <a:tailEnd type="arrow"/>
-          </a:ln>
-        </p:spPr>
-        <p:style>
-          <a:lnRef idx="1">
-            <a:schemeClr val="accent1"/>
-          </a:lnRef>
-          <a:fillRef idx="0">
-            <a:schemeClr val="accent1"/>
-          </a:fillRef>
-          <a:effectRef idx="0">
-            <a:schemeClr val="accent1"/>
-          </a:effectRef>
-          <a:fontRef idx="minor">
-            <a:schemeClr val="tx1"/>
-          </a:fontRef>
-        </p:style>
-      </p:cxnSp>
-      <p:cxnSp>
-        <p:nvCxnSpPr>
-          <p:cNvPr id="46" name="Elbow Connector 45"/>
-          <p:cNvCxnSpPr>
-            <a:stCxn id="5" idx="5"/>
-            <a:endCxn id="6" idx="2"/>
-          </p:cNvCxnSpPr>
-          <p:nvPr/>
-        </p:nvCxnSpPr>
-        <p:spPr>
-          <a:xfrm flipV="1">
-            <a:off x="4806440" y="571500"/>
-            <a:ext cx="908560" cy="349676"/>
-          </a:xfrm>
-          <a:prstGeom prst="bentConnector3">
-            <a:avLst>
-              <a:gd name="adj1" fmla="val 50000"/>
-            </a:avLst>
-          </a:prstGeom>
-          <a:ln>
-            <a:headEnd type="arrow"/>
-            <a:tailEnd type="arrow"/>
-          </a:ln>
-        </p:spPr>
-        <p:style>
-          <a:lnRef idx="1">
-            <a:schemeClr val="accent1"/>
-          </a:lnRef>
-          <a:fillRef idx="0">
-            <a:schemeClr val="accent1"/>
-          </a:fillRef>
-          <a:effectRef idx="0">
-            <a:schemeClr val="accent1"/>
-          </a:effectRef>
-          <a:fontRef idx="minor">
-            <a:schemeClr val="tx1"/>
-          </a:fontRef>
-        </p:style>
-      </p:cxnSp>
-      <p:cxnSp>
-        <p:nvCxnSpPr>
-          <p:cNvPr id="49" name="Elbow Connector 48"/>
-          <p:cNvCxnSpPr>
-            <a:stCxn id="5" idx="5"/>
-            <a:endCxn id="9" idx="2"/>
-          </p:cNvCxnSpPr>
-          <p:nvPr/>
-        </p:nvCxnSpPr>
-        <p:spPr>
-          <a:xfrm>
-            <a:off x="4806440" y="921176"/>
-            <a:ext cx="908560" cy="602824"/>
-          </a:xfrm>
-          <a:prstGeom prst="bentConnector3">
-            <a:avLst>
-              <a:gd name="adj1" fmla="val 50000"/>
-            </a:avLst>
-          </a:prstGeom>
-          <a:ln>
-            <a:headEnd type="arrow"/>
-            <a:tailEnd type="arrow"/>
-          </a:ln>
-        </p:spPr>
-        <p:style>
-          <a:lnRef idx="1">
-            <a:schemeClr val="accent1"/>
-          </a:lnRef>
-          <a:fillRef idx="0">
-            <a:schemeClr val="accent1"/>
-          </a:fillRef>
-          <a:effectRef idx="0">
-            <a:schemeClr val="accent1"/>
-          </a:effectRef>
-          <a:fontRef idx="minor">
-            <a:schemeClr val="tx1"/>
-          </a:fontRef>
-        </p:style>
-      </p:cxnSp>
-      <p:cxnSp>
-        <p:nvCxnSpPr>
-          <p:cNvPr id="53" name="Elbow Connector 52"/>
-          <p:cNvCxnSpPr>
-            <a:stCxn id="11" idx="5"/>
-            <a:endCxn id="10" idx="2"/>
-          </p:cNvCxnSpPr>
-          <p:nvPr/>
-        </p:nvCxnSpPr>
-        <p:spPr>
-          <a:xfrm flipV="1">
-            <a:off x="4882640" y="2678724"/>
-            <a:ext cx="832360" cy="2013"/>
-          </a:xfrm>
-          <a:prstGeom prst="bentConnector3">
-            <a:avLst>
-              <a:gd name="adj1" fmla="val 50000"/>
-            </a:avLst>
-          </a:prstGeom>
-          <a:ln>
-            <a:headEnd type="arrow"/>
-            <a:tailEnd type="arrow"/>
-          </a:ln>
-        </p:spPr>
-        <p:style>
-          <a:lnRef idx="1">
-            <a:schemeClr val="accent1"/>
-          </a:lnRef>
-          <a:fillRef idx="0">
-            <a:schemeClr val="accent1"/>
-          </a:fillRef>
-          <a:effectRef idx="0">
-            <a:schemeClr val="accent1"/>
-          </a:effectRef>
-          <a:fontRef idx="minor">
-            <a:schemeClr val="tx1"/>
-          </a:fontRef>
-        </p:style>
-      </p:cxnSp>
-      <p:cxnSp>
-        <p:nvCxnSpPr>
-          <p:cNvPr id="56" name="Elbow Connector 55"/>
-          <p:cNvCxnSpPr>
-            <a:endCxn id="11" idx="2"/>
-          </p:cNvCxnSpPr>
-          <p:nvPr/>
-        </p:nvCxnSpPr>
-        <p:spPr>
-          <a:xfrm>
-            <a:off x="2514600" y="2375937"/>
-            <a:ext cx="996440" cy="353526"/>
-          </a:xfrm>
-          <a:prstGeom prst="bentConnector3">
-            <a:avLst>
-              <a:gd name="adj1" fmla="val 26103"/>
-            </a:avLst>
-          </a:prstGeom>
-          <a:ln>
-            <a:headEnd type="arrow"/>
-            <a:tailEnd type="arrow"/>
-          </a:ln>
-        </p:spPr>
-        <p:style>
-          <a:lnRef idx="1">
-            <a:schemeClr val="accent1"/>
-          </a:lnRef>
-          <a:fillRef idx="0">
-            <a:schemeClr val="accent1"/>
-          </a:fillRef>
-          <a:effectRef idx="0">
-            <a:schemeClr val="accent1"/>
-          </a:effectRef>
-          <a:fontRef idx="minor">
-            <a:schemeClr val="tx1"/>
-          </a:fontRef>
-        </p:style>
-      </p:cxnSp>
-      <p:cxnSp>
-        <p:nvCxnSpPr>
-          <p:cNvPr id="60" name="Elbow Connector 59"/>
-          <p:cNvCxnSpPr>
-            <a:endCxn id="19" idx="2"/>
-          </p:cNvCxnSpPr>
-          <p:nvPr/>
-        </p:nvCxnSpPr>
-        <p:spPr>
-          <a:xfrm>
-            <a:off x="2514600" y="2375937"/>
-            <a:ext cx="691640" cy="1267926"/>
-          </a:xfrm>
-          <a:prstGeom prst="bentConnector3">
-            <a:avLst>
-              <a:gd name="adj1" fmla="val 37950"/>
-            </a:avLst>
-          </a:prstGeom>
-          <a:ln>
-            <a:headEnd type="arrow"/>
-            <a:tailEnd type="arrow"/>
-          </a:ln>
-        </p:spPr>
-        <p:style>
-          <a:lnRef idx="1">
-            <a:schemeClr val="accent1"/>
-          </a:lnRef>
-          <a:fillRef idx="0">
-            <a:schemeClr val="accent1"/>
-          </a:fillRef>
-          <a:effectRef idx="0">
-            <a:schemeClr val="accent1"/>
-          </a:effectRef>
-          <a:fontRef idx="minor">
-            <a:schemeClr val="tx1"/>
-          </a:fontRef>
-        </p:style>
-      </p:cxnSp>
-      <p:cxnSp>
-        <p:nvCxnSpPr>
-          <p:cNvPr id="63" name="Elbow Connector 62"/>
-          <p:cNvCxnSpPr>
-            <a:endCxn id="18" idx="2"/>
-          </p:cNvCxnSpPr>
-          <p:nvPr/>
-        </p:nvCxnSpPr>
-        <p:spPr>
-          <a:xfrm>
-            <a:off x="2514600" y="2375937"/>
-            <a:ext cx="1148840" cy="2029926"/>
-          </a:xfrm>
-          <a:prstGeom prst="bentConnector3">
-            <a:avLst>
-              <a:gd name="adj1" fmla="val 22688"/>
-            </a:avLst>
-          </a:prstGeom>
-          <a:ln>
-            <a:headEnd type="arrow"/>
-            <a:tailEnd type="arrow"/>
-          </a:ln>
-        </p:spPr>
-        <p:style>
-          <a:lnRef idx="1">
-            <a:schemeClr val="accent1"/>
-          </a:lnRef>
-          <a:fillRef idx="0">
-            <a:schemeClr val="accent1"/>
-          </a:fillRef>
-          <a:effectRef idx="0">
-            <a:schemeClr val="accent1"/>
-          </a:effectRef>
-          <a:fontRef idx="minor">
-            <a:schemeClr val="tx1"/>
-          </a:fontRef>
-        </p:style>
-      </p:cxnSp>
-      <p:cxnSp>
-        <p:nvCxnSpPr>
-          <p:cNvPr id="69" name="Elbow Connector 68"/>
-          <p:cNvCxnSpPr>
-            <a:endCxn id="25" idx="2"/>
-          </p:cNvCxnSpPr>
-          <p:nvPr/>
-        </p:nvCxnSpPr>
-        <p:spPr>
-          <a:xfrm>
-            <a:off x="2514600" y="2375937"/>
-            <a:ext cx="920240" cy="2715726"/>
-          </a:xfrm>
-          <a:prstGeom prst="bentConnector3">
-            <a:avLst>
-              <a:gd name="adj1" fmla="val 28263"/>
-            </a:avLst>
-          </a:prstGeom>
-          <a:ln>
-            <a:headEnd type="arrow"/>
-            <a:tailEnd type="arrow"/>
-          </a:ln>
-        </p:spPr>
-        <p:style>
-          <a:lnRef idx="1">
-            <a:schemeClr val="accent1"/>
-          </a:lnRef>
-          <a:fillRef idx="0">
-            <a:schemeClr val="accent1"/>
-          </a:fillRef>
-          <a:effectRef idx="0">
-            <a:schemeClr val="accent1"/>
-          </a:effectRef>
-          <a:fontRef idx="minor">
-            <a:schemeClr val="tx1"/>
-          </a:fontRef>
-        </p:style>
-      </p:cxnSp>
-      <p:cxnSp>
-        <p:nvCxnSpPr>
-          <p:cNvPr id="81" name="Elbow Connector 80"/>
-          <p:cNvCxnSpPr>
-            <a:stCxn id="19" idx="5"/>
-            <a:endCxn id="15" idx="2"/>
-          </p:cNvCxnSpPr>
-          <p:nvPr/>
-        </p:nvCxnSpPr>
-        <p:spPr>
-          <a:xfrm flipV="1">
-            <a:off x="5263640" y="3594100"/>
-            <a:ext cx="451360" cy="1037"/>
-          </a:xfrm>
-          <a:prstGeom prst="bentConnector3">
-            <a:avLst>
-              <a:gd name="adj1" fmla="val 50000"/>
-            </a:avLst>
-          </a:prstGeom>
-          <a:ln>
-            <a:headEnd type="arrow"/>
-            <a:tailEnd type="arrow"/>
-          </a:ln>
-        </p:spPr>
-        <p:style>
-          <a:lnRef idx="1">
-            <a:schemeClr val="accent1"/>
-          </a:lnRef>
-          <a:fillRef idx="0">
-            <a:schemeClr val="accent1"/>
-          </a:fillRef>
-          <a:effectRef idx="0">
-            <a:schemeClr val="accent1"/>
-          </a:effectRef>
-          <a:fontRef idx="minor">
-            <a:schemeClr val="tx1"/>
-          </a:fontRef>
-        </p:style>
-      </p:cxnSp>
-      <p:cxnSp>
-        <p:nvCxnSpPr>
-          <p:cNvPr id="84" name="Elbow Connector 83"/>
-          <p:cNvCxnSpPr>
-            <a:stCxn id="18" idx="5"/>
-            <a:endCxn id="14" idx="2"/>
-          </p:cNvCxnSpPr>
-          <p:nvPr/>
-        </p:nvCxnSpPr>
-        <p:spPr>
-          <a:xfrm flipV="1">
-            <a:off x="4730240" y="4356100"/>
-            <a:ext cx="984760" cy="1037"/>
-          </a:xfrm>
-          <a:prstGeom prst="bentConnector3">
-            <a:avLst>
-              <a:gd name="adj1" fmla="val 50000"/>
-            </a:avLst>
-          </a:prstGeom>
-          <a:ln>
-            <a:headEnd type="arrow"/>
-            <a:tailEnd type="arrow"/>
-          </a:ln>
-        </p:spPr>
-        <p:style>
-          <a:lnRef idx="1">
-            <a:schemeClr val="accent1"/>
-          </a:lnRef>
-          <a:fillRef idx="0">
-            <a:schemeClr val="accent1"/>
-          </a:fillRef>
-          <a:effectRef idx="0">
-            <a:schemeClr val="accent1"/>
-          </a:effectRef>
-          <a:fontRef idx="minor">
-            <a:schemeClr val="tx1"/>
-          </a:fontRef>
-        </p:style>
-      </p:cxnSp>
-      <p:cxnSp>
-        <p:nvCxnSpPr>
-          <p:cNvPr id="87" name="Elbow Connector 86"/>
-          <p:cNvCxnSpPr>
-            <a:stCxn id="25" idx="5"/>
-            <a:endCxn id="17" idx="2"/>
-          </p:cNvCxnSpPr>
-          <p:nvPr/>
-        </p:nvCxnSpPr>
-        <p:spPr>
-          <a:xfrm flipV="1">
-            <a:off x="4806440" y="5041900"/>
-            <a:ext cx="832360" cy="1037"/>
-          </a:xfrm>
-          <a:prstGeom prst="bentConnector3">
-            <a:avLst>
-              <a:gd name="adj1" fmla="val 50000"/>
-            </a:avLst>
-          </a:prstGeom>
-          <a:ln>
-            <a:headEnd type="arrow"/>
-            <a:tailEnd type="arrow"/>
-          </a:ln>
-        </p:spPr>
-        <p:style>
-          <a:lnRef idx="1">
-            <a:schemeClr val="accent1"/>
-          </a:lnRef>
-          <a:fillRef idx="0">
-            <a:schemeClr val="accent1"/>
-          </a:fillRef>
-          <a:effectRef idx="0">
-            <a:schemeClr val="accent1"/>
-          </a:effectRef>
-          <a:fontRef idx="minor">
-            <a:schemeClr val="tx1"/>
-          </a:fontRef>
-        </p:style>
-      </p:cxnSp>
-      <p:sp>
-        <p:nvSpPr>
-          <p:cNvPr id="90" name="Cube 89"/>
-          <p:cNvSpPr/>
-          <p:nvPr/>
-        </p:nvSpPr>
-        <p:spPr>
-          <a:xfrm>
-            <a:off x="3148011" y="1752600"/>
-            <a:ext cx="1981710" cy="533400"/>
-          </a:xfrm>
-          <a:prstGeom prst="cube">
-            <a:avLst>
-              <a:gd name="adj" fmla="val 9135"/>
-            </a:avLst>
-          </a:prstGeom>
-          <a:solidFill>
-            <a:schemeClr val="accent6">
-              <a:lumMod val="60000"/>
-              <a:lumOff val="40000"/>
-            </a:schemeClr>
-          </a:solidFill>
-          <a:ln>
-            <a:solidFill>
-              <a:schemeClr val="accent6">
-                <a:lumMod val="50000"/>
-              </a:schemeClr>
-            </a:solidFill>
-          </a:ln>
-        </p:spPr>
-        <p:style>
-          <a:lnRef idx="2">
-            <a:schemeClr val="accent1">
-              <a:shade val="50000"/>
-            </a:schemeClr>
-          </a:lnRef>
-          <a:fillRef idx="1">
-            <a:schemeClr val="accent1"/>
-          </a:fillRef>
-          <a:effectRef idx="0">
-            <a:schemeClr val="accent1"/>
-          </a:effectRef>
-          <a:fontRef idx="minor">
-            <a:schemeClr val="lt1"/>
-          </a:fontRef>
-        </p:style>
-        <p:txBody>
-          <a:bodyPr wrap="none" lIns="91440" tIns="0" rIns="0" bIns="0" rtlCol="0" anchor="t" anchorCtr="0"/>
-          <a:lstStyle/>
-          <a:p>
-            <a:endParaRPr lang="en-US" sz="900" u="sng" dirty="0" smtClean="0">
-              <a:solidFill>
-                <a:schemeClr val="tx1"/>
-              </a:solidFill>
-            </a:endParaRPr>
-          </a:p>
-          <a:p>
-            <a:r>
-              <a:rPr lang="en-US" sz="900" u="sng" dirty="0" err="1" smtClean="0">
-                <a:solidFill>
-                  <a:schemeClr val="tx1"/>
-                </a:solidFill>
-              </a:rPr>
-              <a:t>subtract_internal_photoelectrons</a:t>
-            </a:r>
-            <a:endParaRPr lang="en-US" sz="900" u="sng" dirty="0" smtClean="0">
-              <a:solidFill>
-                <a:schemeClr val="tx1"/>
-              </a:solidFill>
-            </a:endParaRPr>
-          </a:p>
-          <a:p>
-            <a:pPr>
-              <a:buFont typeface="Arial" pitchFamily="34" charset="0"/>
-              <a:buChar char="•"/>
-            </a:pPr>
-            <a:r>
-              <a:rPr lang="en-US" sz="900" b="1" i="1" dirty="0" err="1" smtClean="0">
-                <a:solidFill>
-                  <a:schemeClr val="tx1"/>
-                </a:solidFill>
-              </a:rPr>
-              <a:t>FS_dist</a:t>
-            </a:r>
-            <a:r>
-              <a:rPr lang="en-US" sz="900" dirty="0" smtClean="0">
-                <a:solidFill>
-                  <a:schemeClr val="tx1"/>
-                </a:solidFill>
-              </a:rPr>
-              <a:t> – corrected</a:t>
-            </a:r>
-          </a:p>
-        </p:txBody>
-      </p:sp>
-      <p:cxnSp>
-        <p:nvCxnSpPr>
-          <p:cNvPr id="91" name="Elbow Connector 90"/>
-          <p:cNvCxnSpPr>
-            <a:stCxn id="5" idx="3"/>
-            <a:endCxn id="90" idx="0"/>
-          </p:cNvCxnSpPr>
-          <p:nvPr/>
-        </p:nvCxnSpPr>
-        <p:spPr>
-          <a:xfrm rot="5400000">
-            <a:off x="3935773" y="1522857"/>
-            <a:ext cx="457200" cy="2287"/>
-          </a:xfrm>
-          <a:prstGeom prst="bentConnector3">
-            <a:avLst>
-              <a:gd name="adj1" fmla="val 50000"/>
-            </a:avLst>
-          </a:prstGeom>
-          <a:ln>
-            <a:headEnd type="arrow"/>
-            <a:tailEnd type="arrow"/>
-          </a:ln>
-        </p:spPr>
-        <p:style>
-          <a:lnRef idx="1">
-            <a:schemeClr val="accent1"/>
-          </a:lnRef>
-          <a:fillRef idx="0">
-            <a:schemeClr val="accent1"/>
-          </a:fillRef>
-          <a:effectRef idx="0">
-            <a:schemeClr val="accent1"/>
-          </a:effectRef>
-          <a:fontRef idx="minor">
-            <a:schemeClr val="tx1"/>
-          </a:fontRef>
-        </p:style>
-      </p:cxnSp>
-      <p:sp>
-        <p:nvSpPr>
-          <p:cNvPr id="99" name="Oval 98"/>
-          <p:cNvSpPr/>
-          <p:nvPr/>
-        </p:nvSpPr>
-        <p:spPr>
-          <a:xfrm>
-            <a:off x="7391400" y="6248400"/>
-            <a:ext cx="76200" cy="76200"/>
-          </a:xfrm>
-          <a:prstGeom prst="ellipse">
-            <a:avLst/>
-          </a:prstGeom>
-          <a:solidFill>
-            <a:schemeClr val="tx1"/>
-          </a:solidFill>
-          <a:ln>
-            <a:solidFill>
-              <a:schemeClr val="tx1"/>
-            </a:solidFill>
-          </a:ln>
-        </p:spPr>
-        <p:style>
-          <a:lnRef idx="2">
-            <a:schemeClr val="accent1">
-              <a:shade val="50000"/>
-            </a:schemeClr>
-          </a:lnRef>
-          <a:fillRef idx="1">
-            <a:schemeClr val="accent1"/>
-          </a:fillRef>
-          <a:effectRef idx="0">
-            <a:schemeClr val="accent1"/>
-          </a:effectRef>
-          <a:fontRef idx="minor">
-            <a:schemeClr val="lt1"/>
-          </a:fontRef>
-        </p:style>
-        <p:txBody>
-          <a:bodyPr lIns="0" tIns="0" rIns="0" bIns="0" rtlCol="0" anchor="ctr"/>
-          <a:lstStyle/>
-          <a:p>
-            <a:pPr algn="ctr"/>
-            <a:r>
-              <a:rPr lang="en-US" sz="900" dirty="0" smtClean="0"/>
-              <a:t>1</a:t>
-            </a:r>
-            <a:endParaRPr lang="en-US" dirty="0"/>
-          </a:p>
-        </p:txBody>
-      </p:sp>
-      <p:sp>
-        <p:nvSpPr>
-          <p:cNvPr id="100" name="Oval 99"/>
-          <p:cNvSpPr/>
-          <p:nvPr/>
-        </p:nvSpPr>
-        <p:spPr>
-          <a:xfrm>
-            <a:off x="3505200" y="609600"/>
-            <a:ext cx="76200" cy="76200"/>
-          </a:xfrm>
-          <a:prstGeom prst="ellipse">
-            <a:avLst/>
-          </a:prstGeom>
-          <a:solidFill>
-            <a:schemeClr val="tx1"/>
-          </a:solidFill>
-          <a:ln>
-            <a:solidFill>
-              <a:schemeClr val="tx1"/>
-            </a:solidFill>
-          </a:ln>
-        </p:spPr>
-        <p:style>
-          <a:lnRef idx="2">
-            <a:schemeClr val="accent1">
-              <a:shade val="50000"/>
-            </a:schemeClr>
-          </a:lnRef>
-          <a:fillRef idx="1">
-            <a:schemeClr val="accent1"/>
-          </a:fillRef>
-          <a:effectRef idx="0">
-            <a:schemeClr val="accent1"/>
-          </a:effectRef>
-          <a:fontRef idx="minor">
-            <a:schemeClr val="lt1"/>
-          </a:fontRef>
-        </p:style>
-        <p:txBody>
-          <a:bodyPr lIns="0" tIns="0" rIns="0" bIns="0" rtlCol="0" anchor="ctr"/>
-          <a:lstStyle/>
-          <a:p>
-            <a:pPr algn="ctr"/>
-            <a:r>
-              <a:rPr lang="en-US" sz="900" dirty="0" smtClean="0"/>
-              <a:t>1</a:t>
-            </a:r>
-            <a:endParaRPr lang="en-US" dirty="0"/>
-          </a:p>
-        </p:txBody>
-      </p:sp>
-      <p:sp>
-        <p:nvSpPr>
-          <p:cNvPr id="101" name="Oval 100"/>
-          <p:cNvSpPr/>
-          <p:nvPr/>
-        </p:nvSpPr>
-        <p:spPr>
-          <a:xfrm>
-            <a:off x="3124200" y="3352800"/>
-            <a:ext cx="76200" cy="76200"/>
-          </a:xfrm>
-          <a:prstGeom prst="ellipse">
-            <a:avLst/>
-          </a:prstGeom>
-          <a:solidFill>
-            <a:schemeClr val="tx1"/>
-          </a:solidFill>
-          <a:ln>
-            <a:solidFill>
-              <a:schemeClr val="tx1"/>
-            </a:solidFill>
-          </a:ln>
-        </p:spPr>
-        <p:style>
-          <a:lnRef idx="2">
-            <a:schemeClr val="accent1">
-              <a:shade val="50000"/>
-            </a:schemeClr>
-          </a:lnRef>
-          <a:fillRef idx="1">
-            <a:schemeClr val="accent1"/>
-          </a:fillRef>
-          <a:effectRef idx="0">
-            <a:schemeClr val="accent1"/>
-          </a:effectRef>
-          <a:fontRef idx="minor">
-            <a:schemeClr val="lt1"/>
-          </a:fontRef>
-        </p:style>
-        <p:txBody>
-          <a:bodyPr lIns="0" tIns="0" rIns="0" bIns="0" rtlCol="0" anchor="ctr"/>
-          <a:lstStyle/>
-          <a:p>
-            <a:pPr algn="ctr"/>
-            <a:r>
-              <a:rPr lang="en-US" sz="900" dirty="0" smtClean="0"/>
-              <a:t>1</a:t>
-            </a:r>
-            <a:endParaRPr lang="en-US" dirty="0"/>
-          </a:p>
-        </p:txBody>
-      </p:sp>
-      <p:sp>
-        <p:nvSpPr>
-          <p:cNvPr id="102" name="Oval 101"/>
-          <p:cNvSpPr/>
-          <p:nvPr/>
-        </p:nvSpPr>
-        <p:spPr>
-          <a:xfrm>
-            <a:off x="3429000" y="2438400"/>
-            <a:ext cx="76200" cy="76200"/>
-          </a:xfrm>
-          <a:prstGeom prst="ellipse">
-            <a:avLst/>
-          </a:prstGeom>
-          <a:solidFill>
-            <a:schemeClr val="tx1"/>
-          </a:solidFill>
-          <a:ln>
-            <a:solidFill>
-              <a:schemeClr val="tx1"/>
-            </a:solidFill>
-          </a:ln>
-        </p:spPr>
-        <p:style>
-          <a:lnRef idx="2">
-            <a:schemeClr val="accent1">
-              <a:shade val="50000"/>
-            </a:schemeClr>
-          </a:lnRef>
-          <a:fillRef idx="1">
-            <a:schemeClr val="accent1"/>
-          </a:fillRef>
-          <a:effectRef idx="0">
-            <a:schemeClr val="accent1"/>
-          </a:effectRef>
-          <a:fontRef idx="minor">
-            <a:schemeClr val="lt1"/>
-          </a:fontRef>
-        </p:style>
-        <p:txBody>
-          <a:bodyPr lIns="0" tIns="0" rIns="0" bIns="0" rtlCol="0" anchor="ctr"/>
-          <a:lstStyle/>
-          <a:p>
-            <a:pPr algn="ctr"/>
-            <a:r>
-              <a:rPr lang="en-US" sz="900" dirty="0" smtClean="0"/>
-              <a:t>1</a:t>
-            </a:r>
-            <a:endParaRPr lang="en-US" dirty="0"/>
-          </a:p>
-        </p:txBody>
-      </p:sp>
-      <p:sp>
-        <p:nvSpPr>
-          <p:cNvPr id="103" name="Oval 102"/>
-          <p:cNvSpPr/>
-          <p:nvPr/>
-        </p:nvSpPr>
-        <p:spPr>
-          <a:xfrm>
-            <a:off x="3581400" y="4114800"/>
-            <a:ext cx="76200" cy="76200"/>
-          </a:xfrm>
-          <a:prstGeom prst="ellipse">
-            <a:avLst/>
-          </a:prstGeom>
-          <a:solidFill>
-            <a:schemeClr val="tx1"/>
-          </a:solidFill>
-          <a:ln>
-            <a:solidFill>
-              <a:schemeClr val="tx1"/>
-            </a:solidFill>
-          </a:ln>
-        </p:spPr>
-        <p:style>
-          <a:lnRef idx="2">
-            <a:schemeClr val="accent1">
-              <a:shade val="50000"/>
-            </a:schemeClr>
-          </a:lnRef>
-          <a:fillRef idx="1">
-            <a:schemeClr val="accent1"/>
-          </a:fillRef>
-          <a:effectRef idx="0">
-            <a:schemeClr val="accent1"/>
-          </a:effectRef>
-          <a:fontRef idx="minor">
-            <a:schemeClr val="lt1"/>
-          </a:fontRef>
-        </p:style>
-        <p:txBody>
-          <a:bodyPr lIns="0" tIns="0" rIns="0" bIns="0" rtlCol="0" anchor="ctr"/>
-          <a:lstStyle/>
-          <a:p>
-            <a:pPr algn="ctr"/>
-            <a:r>
-              <a:rPr lang="en-US" sz="900" dirty="0"/>
-              <a:t>2</a:t>
-            </a:r>
-            <a:endParaRPr lang="en-US" dirty="0"/>
-          </a:p>
-        </p:txBody>
-      </p:sp>
-      <p:sp>
-        <p:nvSpPr>
-          <p:cNvPr id="104" name="Oval 103"/>
-          <p:cNvSpPr/>
-          <p:nvPr/>
-        </p:nvSpPr>
-        <p:spPr>
-          <a:xfrm>
-            <a:off x="3352800" y="4800600"/>
-            <a:ext cx="76200" cy="76200"/>
-          </a:xfrm>
-          <a:prstGeom prst="ellipse">
-            <a:avLst/>
-          </a:prstGeom>
-          <a:solidFill>
-            <a:schemeClr val="tx1"/>
-          </a:solidFill>
-          <a:ln>
-            <a:solidFill>
-              <a:schemeClr val="tx1"/>
-            </a:solidFill>
-          </a:ln>
-        </p:spPr>
-        <p:style>
-          <a:lnRef idx="2">
-            <a:schemeClr val="accent1">
-              <a:shade val="50000"/>
-            </a:schemeClr>
-          </a:lnRef>
-          <a:fillRef idx="1">
-            <a:schemeClr val="accent1"/>
-          </a:fillRef>
-          <a:effectRef idx="0">
-            <a:schemeClr val="accent1"/>
-          </a:effectRef>
-          <a:fontRef idx="minor">
-            <a:schemeClr val="lt1"/>
-          </a:fontRef>
-        </p:style>
-        <p:txBody>
-          <a:bodyPr lIns="0" tIns="0" rIns="0" bIns="0" rtlCol="0" anchor="ctr"/>
-          <a:lstStyle/>
-          <a:p>
-            <a:pPr algn="ctr"/>
-            <a:r>
-              <a:rPr lang="en-US" sz="900" dirty="0" smtClean="0"/>
-              <a:t>3</a:t>
-            </a:r>
-            <a:endParaRPr lang="en-US" dirty="0"/>
-          </a:p>
-        </p:txBody>
-      </p:sp>
-      <p:sp>
-        <p:nvSpPr>
-          <p:cNvPr id="44" name="Can 43"/>
-          <p:cNvSpPr/>
-          <p:nvPr/>
-        </p:nvSpPr>
-        <p:spPr>
-          <a:xfrm>
-            <a:off x="381000" y="3733800"/>
-            <a:ext cx="533400" cy="685800"/>
-          </a:xfrm>
-          <a:prstGeom prst="can">
-            <a:avLst/>
-          </a:prstGeom>
-          <a:solidFill>
-            <a:schemeClr val="accent3">
-              <a:lumMod val="60000"/>
-              <a:lumOff val="40000"/>
-            </a:schemeClr>
-          </a:solidFill>
-          <a:ln>
-            <a:solidFill>
-              <a:schemeClr val="accent3">
-                <a:lumMod val="50000"/>
-              </a:schemeClr>
-            </a:solidFill>
-          </a:ln>
-        </p:spPr>
-        <p:style>
-          <a:lnRef idx="2">
-            <a:schemeClr val="accent1">
-              <a:shade val="50000"/>
-            </a:schemeClr>
-          </a:lnRef>
-          <a:fillRef idx="1">
-            <a:schemeClr val="accent1"/>
-          </a:fillRef>
-          <a:effectRef idx="0">
-            <a:schemeClr val="accent1"/>
-          </a:effectRef>
-          <a:fontRef idx="minor">
-            <a:schemeClr val="lt1"/>
-          </a:fontRef>
-        </p:style>
-        <p:txBody>
-          <a:bodyPr wrap="none" lIns="0" tIns="0" rIns="0" bIns="0" rtlCol="0" anchor="ctr"/>
-          <a:lstStyle/>
-          <a:p>
-            <a:pPr algn="ctr"/>
-            <a:r>
-              <a:rPr lang="en-US" sz="900" dirty="0" smtClean="0">
-                <a:solidFill>
-                  <a:schemeClr val="tx1"/>
-                </a:solidFill>
-              </a:rPr>
-              <a:t>MEC</a:t>
-            </a:r>
-            <a:endParaRPr lang="en-US" sz="900" dirty="0">
-              <a:solidFill>
-                <a:schemeClr val="tx1"/>
-              </a:solidFill>
-            </a:endParaRPr>
-          </a:p>
-        </p:txBody>
-      </p:sp>
-      <p:sp>
-        <p:nvSpPr>
-          <p:cNvPr id="45" name="Cube 44"/>
-          <p:cNvSpPr/>
-          <p:nvPr/>
-        </p:nvSpPr>
-        <p:spPr>
-          <a:xfrm>
-            <a:off x="304800" y="5334000"/>
-            <a:ext cx="1371600" cy="533400"/>
-          </a:xfrm>
-          <a:prstGeom prst="cube">
-            <a:avLst>
-              <a:gd name="adj" fmla="val 9135"/>
-            </a:avLst>
-          </a:prstGeom>
-          <a:solidFill>
-            <a:schemeClr val="accent6">
-              <a:lumMod val="60000"/>
-              <a:lumOff val="40000"/>
-            </a:schemeClr>
-          </a:solidFill>
-          <a:ln>
-            <a:solidFill>
-              <a:schemeClr val="accent6">
-                <a:lumMod val="50000"/>
-              </a:schemeClr>
-            </a:solidFill>
-          </a:ln>
-        </p:spPr>
-        <p:style>
-          <a:lnRef idx="2">
-            <a:schemeClr val="accent1">
-              <a:shade val="50000"/>
-            </a:schemeClr>
-          </a:lnRef>
-          <a:fillRef idx="1">
-            <a:schemeClr val="accent1"/>
-          </a:fillRef>
-          <a:effectRef idx="0">
-            <a:schemeClr val="accent1"/>
-          </a:effectRef>
-          <a:fontRef idx="minor">
-            <a:schemeClr val="lt1"/>
-          </a:fontRef>
-        </p:style>
-        <p:txBody>
-          <a:bodyPr wrap="none" lIns="91440" tIns="0" rIns="0" bIns="0" rtlCol="0" anchor="t" anchorCtr="0"/>
-          <a:lstStyle/>
-          <a:p>
-            <a:endParaRPr lang="en-US" sz="900" u="sng" dirty="0" smtClean="0">
-              <a:solidFill>
-                <a:schemeClr val="tx1"/>
-              </a:solidFill>
-            </a:endParaRPr>
-          </a:p>
-          <a:p>
-            <a:r>
-              <a:rPr lang="en-US" sz="900" u="sng" dirty="0" err="1" smtClean="0">
-                <a:solidFill>
-                  <a:schemeClr val="tx1"/>
-                </a:solidFill>
-              </a:rPr>
-              <a:t>Fetch_footprint_data</a:t>
-            </a:r>
-            <a:r>
-              <a:rPr lang="en-US" sz="900" u="sng" dirty="0" smtClean="0">
-                <a:solidFill>
-                  <a:schemeClr val="tx1"/>
-                </a:solidFill>
-              </a:rPr>
-              <a:t>:</a:t>
-            </a:r>
-            <a:endParaRPr lang="en-US" sz="900" u="sng" dirty="0" smtClean="0">
-              <a:solidFill>
-                <a:schemeClr val="tx1"/>
-              </a:solidFill>
-            </a:endParaRPr>
-          </a:p>
-          <a:p>
-            <a:pPr>
-              <a:buFont typeface="Arial" pitchFamily="34" charset="0"/>
-              <a:buChar char="•"/>
-            </a:pPr>
-            <a:endParaRPr lang="en-US" sz="900" dirty="0" smtClean="0">
-              <a:solidFill>
-                <a:schemeClr val="tx1"/>
-              </a:solidFill>
-            </a:endParaRPr>
-          </a:p>
-        </p:txBody>
-      </p:sp>
-      <p:cxnSp>
-        <p:nvCxnSpPr>
-          <p:cNvPr id="47" name="Elbow Connector 46"/>
-          <p:cNvCxnSpPr>
-            <a:stCxn id="44" idx="3"/>
-            <a:endCxn id="45" idx="0"/>
+            <a:stCxn id="4" idx="3"/>
+            <a:endCxn id="5" idx="0"/>
           </p:cNvCxnSpPr>
           <p:nvPr/>
         </p:nvCxnSpPr>
         <p:spPr>
           <a:xfrm rot="16200000" flipH="1">
-            <a:off x="374131" y="4693168"/>
+            <a:off x="4717531" y="2864368"/>
             <a:ext cx="914400" cy="367263"/>
           </a:xfrm>
           <a:prstGeom prst="bentConnector3">
@@ -6281,13 +9294,13 @@
       </p:cxnSp>
       <p:sp>
         <p:nvSpPr>
-          <p:cNvPr id="51" name="TextBox 50"/>
+          <p:cNvPr id="7" name="TextBox 6"/>
           <p:cNvSpPr txBox="1"/>
           <p:nvPr/>
         </p:nvSpPr>
         <p:spPr>
           <a:xfrm>
-            <a:off x="7391400" y="2286000"/>
+            <a:off x="7315200" y="1295400"/>
             <a:ext cx="1066800" cy="3693319"/>
           </a:xfrm>
           <a:prstGeom prst="rect">
